--- a/batch 3 ppt.pptx
+++ b/batch 3 ppt.pptx
@@ -5,37 +5,36 @@
     <p:sldMasterId id="2147483648" r:id="rId1"/>
   </p:sldMasterIdLst>
   <p:notesMasterIdLst>
-    <p:notesMasterId r:id="rId30"/>
+    <p:notesMasterId r:id="rId4"/>
   </p:notesMasterIdLst>
   <p:sldIdLst>
-    <p:sldId id="256" r:id="rId2"/>
     <p:sldId id="257" r:id="rId3"/>
-    <p:sldId id="258" r:id="rId4"/>
-    <p:sldId id="269" r:id="rId5"/>
-    <p:sldId id="260" r:id="rId6"/>
-    <p:sldId id="264" r:id="rId7"/>
-    <p:sldId id="278" r:id="rId8"/>
-    <p:sldId id="279" r:id="rId9"/>
-    <p:sldId id="280" r:id="rId10"/>
-    <p:sldId id="261" r:id="rId11"/>
-    <p:sldId id="270" r:id="rId12"/>
-    <p:sldId id="271" r:id="rId13"/>
-    <p:sldId id="272" r:id="rId14"/>
-    <p:sldId id="273" r:id="rId15"/>
-    <p:sldId id="274" r:id="rId16"/>
-    <p:sldId id="275" r:id="rId17"/>
-    <p:sldId id="276" r:id="rId18"/>
-    <p:sldId id="277" r:id="rId19"/>
-    <p:sldId id="265" r:id="rId20"/>
-    <p:sldId id="281" r:id="rId21"/>
-    <p:sldId id="282" r:id="rId22"/>
-    <p:sldId id="263" r:id="rId23"/>
-    <p:sldId id="268" r:id="rId24"/>
-    <p:sldId id="266" r:id="rId25"/>
-    <p:sldId id="283" r:id="rId26"/>
-    <p:sldId id="284" r:id="rId27"/>
-    <p:sldId id="267" r:id="rId28"/>
-    <p:sldId id="262" r:id="rId29"/>
+    <p:sldId id="258" r:id="rId5"/>
+    <p:sldId id="269" r:id="rId6"/>
+    <p:sldId id="260" r:id="rId7"/>
+    <p:sldId id="264" r:id="rId8"/>
+    <p:sldId id="278" r:id="rId9"/>
+    <p:sldId id="279" r:id="rId10"/>
+    <p:sldId id="280" r:id="rId11"/>
+    <p:sldId id="261" r:id="rId12"/>
+    <p:sldId id="270" r:id="rId13"/>
+    <p:sldId id="271" r:id="rId14"/>
+    <p:sldId id="272" r:id="rId15"/>
+    <p:sldId id="273" r:id="rId16"/>
+    <p:sldId id="274" r:id="rId17"/>
+    <p:sldId id="275" r:id="rId18"/>
+    <p:sldId id="276" r:id="rId19"/>
+    <p:sldId id="277" r:id="rId20"/>
+    <p:sldId id="265" r:id="rId21"/>
+    <p:sldId id="281" r:id="rId22"/>
+    <p:sldId id="282" r:id="rId23"/>
+    <p:sldId id="263" r:id="rId24"/>
+    <p:sldId id="268" r:id="rId25"/>
+    <p:sldId id="266" r:id="rId26"/>
+    <p:sldId id="283" r:id="rId27"/>
+    <p:sldId id="284" r:id="rId28"/>
+    <p:sldId id="267" r:id="rId29"/>
+    <p:sldId id="262" r:id="rId30"/>
   </p:sldIdLst>
   <p:sldSz cx="9144000" cy="6858000" type="screen4x3"/>
   <p:notesSz cx="6858000" cy="9144000"/>
@@ -488,9 +487,7 @@
               <a:defRPr sz="1100"/>
             </a:lvl9pPr>
           </a:lstStyle>
-          <a:p>
-            <a:endParaRPr/>
-          </a:p>
+          <a:p/>
         </p:txBody>
       </p:sp>
     </p:spTree>
@@ -729,11 +726,11 @@
 </file>
 
 <file path=ppt/notesSlides/notesSlide1.xml><?xml version="1.0" encoding="utf-8"?>
-<p:notes xmlns:a="http://schemas.openxmlformats.org/drawingml/2006/main" xmlns:r="http://schemas.openxmlformats.org/officeDocument/2006/relationships" xmlns:p="http://schemas.openxmlformats.org/presentationml/2006/main" showMasterSp="0" showMasterPhAnim="0">
+<p:notes xmlns:a="http://schemas.openxmlformats.org/drawingml/2006/main" xmlns:r="http://schemas.openxmlformats.org/officeDocument/2006/relationships" xmlns:p="http://schemas.openxmlformats.org/presentationml/2006/main" showMasterPhAnim="0" showMasterSp="0">
   <p:cSld>
     <p:spTree>
       <p:nvGrpSpPr>
-        <p:cNvPr id="1" name="Shape 80"/>
+        <p:cNvPr id="1" name="Shape 90"/>
         <p:cNvGrpSpPr/>
         <p:nvPr/>
       </p:nvGrpSpPr>
@@ -747,7 +744,7 @@
       </p:grpSpPr>
       <p:sp>
         <p:nvSpPr>
-          <p:cNvPr id="81" name="Google Shape;81;p1:notes"/>
+          <p:cNvPr id="91" name="Google Shape;91;p2:notes"/>
           <p:cNvSpPr txBox="1">
             <a:spLocks noGrp="1"/>
           </p:cNvSpPr>
@@ -779,13 +776,12 @@
               </a:spcAft>
               <a:buNone/>
             </a:pPr>
-            <a:endParaRPr/>
           </a:p>
         </p:txBody>
       </p:sp>
       <p:sp>
         <p:nvSpPr>
-          <p:cNvPr id="82" name="Google Shape;82;p1:notes"/>
+          <p:cNvPr id="92" name="Google Shape;92;p2:notes"/>
           <p:cNvSpPr>
             <a:spLocks noGrp="1" noRot="1" noChangeAspect="1"/>
           </p:cNvSpPr>
@@ -833,7 +829,7 @@
 </file>
 
 <file path=ppt/notesSlides/notesSlide10.xml><?xml version="1.0" encoding="utf-8"?>
-<p:notes xmlns:a="http://schemas.openxmlformats.org/drawingml/2006/main" xmlns:r="http://schemas.openxmlformats.org/officeDocument/2006/relationships" xmlns:p="http://schemas.openxmlformats.org/presentationml/2006/main" showMasterSp="0" showMasterPhAnim="0">
+<p:notes xmlns:a="http://schemas.openxmlformats.org/drawingml/2006/main" xmlns:r="http://schemas.openxmlformats.org/officeDocument/2006/relationships" xmlns:p="http://schemas.openxmlformats.org/presentationml/2006/main" showMasterPhAnim="0" showMasterSp="0">
   <p:cSld>
     <p:spTree>
       <p:nvGrpSpPr>
@@ -883,7 +879,6 @@
               </a:spcAft>
               <a:buNone/>
             </a:pPr>
-            <a:endParaRPr/>
           </a:p>
         </p:txBody>
       </p:sp>
@@ -937,111 +932,7 @@
 </file>
 
 <file path=ppt/notesSlides/notesSlide11.xml><?xml version="1.0" encoding="utf-8"?>
-<p:notes xmlns:a="http://schemas.openxmlformats.org/drawingml/2006/main" xmlns:r="http://schemas.openxmlformats.org/officeDocument/2006/relationships" xmlns:p="http://schemas.openxmlformats.org/presentationml/2006/main" showMasterSp="0" showMasterPhAnim="0">
-  <p:cSld>
-    <p:spTree>
-      <p:nvGrpSpPr>
-        <p:cNvPr id="1" name="Shape 113"/>
-        <p:cNvGrpSpPr/>
-        <p:nvPr/>
-      </p:nvGrpSpPr>
-      <p:grpSpPr>
-        <a:xfrm>
-          <a:off x="0" y="0"/>
-          <a:ext cx="0" cy="0"/>
-          <a:chOff x="0" y="0"/>
-          <a:chExt cx="0" cy="0"/>
-        </a:xfrm>
-      </p:grpSpPr>
-      <p:sp>
-        <p:nvSpPr>
-          <p:cNvPr id="114" name="Google Shape;114;p6:notes"/>
-          <p:cNvSpPr txBox="1">
-            <a:spLocks noGrp="1"/>
-          </p:cNvSpPr>
-          <p:nvPr>
-            <p:ph type="body" idx="1"/>
-          </p:nvPr>
-        </p:nvSpPr>
-        <p:spPr>
-          <a:xfrm>
-            <a:off x="685800" y="4343400"/>
-            <a:ext cx="5486400" cy="4114800"/>
-          </a:xfrm>
-          <a:prstGeom prst="rect">
-            <a:avLst/>
-          </a:prstGeom>
-        </p:spPr>
-        <p:txBody>
-          <a:bodyPr spcFirstLastPara="1" wrap="square" lIns="91425" tIns="91425" rIns="91425" bIns="91425" anchor="t" anchorCtr="0">
-            <a:noAutofit/>
-          </a:bodyPr>
-          <a:lstStyle/>
-          <a:p>
-            <a:pPr marL="0" lvl="0" indent="0" algn="l" rtl="0">
-              <a:spcBef>
-                <a:spcPts val="0"/>
-              </a:spcBef>
-              <a:spcAft>
-                <a:spcPts val="0"/>
-              </a:spcAft>
-              <a:buNone/>
-            </a:pPr>
-            <a:endParaRPr/>
-          </a:p>
-        </p:txBody>
-      </p:sp>
-      <p:sp>
-        <p:nvSpPr>
-          <p:cNvPr id="115" name="Google Shape;115;p6:notes"/>
-          <p:cNvSpPr>
-            <a:spLocks noGrp="1" noRot="1" noChangeAspect="1"/>
-          </p:cNvSpPr>
-          <p:nvPr>
-            <p:ph type="sldImg" idx="2"/>
-          </p:nvPr>
-        </p:nvSpPr>
-        <p:spPr>
-          <a:xfrm>
-            <a:off x="1143000" y="685800"/>
-            <a:ext cx="4572000" cy="3429000"/>
-          </a:xfrm>
-          <a:custGeom>
-            <a:avLst/>
-            <a:gdLst/>
-            <a:ahLst/>
-            <a:cxnLst/>
-            <a:rect l="l" t="t" r="r" b="b"/>
-            <a:pathLst>
-              <a:path w="120000" h="120000" extrusionOk="0">
-                <a:moveTo>
-                  <a:pt x="0" y="0"/>
-                </a:moveTo>
-                <a:lnTo>
-                  <a:pt x="120000" y="0"/>
-                </a:lnTo>
-                <a:lnTo>
-                  <a:pt x="120000" y="120000"/>
-                </a:lnTo>
-                <a:lnTo>
-                  <a:pt x="0" y="120000"/>
-                </a:lnTo>
-                <a:close/>
-              </a:path>
-            </a:pathLst>
-          </a:custGeom>
-        </p:spPr>
-      </p:sp>
-    </p:spTree>
-  </p:cSld>
-  <p:clrMapOvr>
-    <a:masterClrMapping/>
-  </p:clrMapOvr>
-</p:notes>
-</file>
-
-<file path=ppt/notesSlides/notesSlide12.xml><?xml version="1.0" encoding="utf-8"?>
-<p:notes xmlns:a="http://schemas.openxmlformats.org/drawingml/2006/main" xmlns:r="http://schemas.openxmlformats.org/officeDocument/2006/relationships" xmlns:p="http://schemas.openxmlformats.org/presentationml/2006/main" showMasterSp="0" showMasterPhAnim="0">
+<p:notes xmlns:a="http://schemas.openxmlformats.org/drawingml/2006/main" xmlns:r="http://schemas.openxmlformats.org/officeDocument/2006/relationships" xmlns:p="http://schemas.openxmlformats.org/presentationml/2006/main" showMasterPhAnim="0" showMasterSp="0">
   <p:cSld>
     <p:spTree>
       <p:nvGrpSpPr>
@@ -1091,7 +982,6 @@
               </a:spcAft>
               <a:buNone/>
             </a:pPr>
-            <a:endParaRPr/>
           </a:p>
         </p:txBody>
       </p:sp>
@@ -1145,111 +1035,7 @@
 </file>
 
 <file path=ppt/notesSlides/notesSlide2.xml><?xml version="1.0" encoding="utf-8"?>
-<p:notes xmlns:a="http://schemas.openxmlformats.org/drawingml/2006/main" xmlns:r="http://schemas.openxmlformats.org/officeDocument/2006/relationships" xmlns:p="http://schemas.openxmlformats.org/presentationml/2006/main" showMasterSp="0" showMasterPhAnim="0">
-  <p:cSld>
-    <p:spTree>
-      <p:nvGrpSpPr>
-        <p:cNvPr id="1" name="Shape 90"/>
-        <p:cNvGrpSpPr/>
-        <p:nvPr/>
-      </p:nvGrpSpPr>
-      <p:grpSpPr>
-        <a:xfrm>
-          <a:off x="0" y="0"/>
-          <a:ext cx="0" cy="0"/>
-          <a:chOff x="0" y="0"/>
-          <a:chExt cx="0" cy="0"/>
-        </a:xfrm>
-      </p:grpSpPr>
-      <p:sp>
-        <p:nvSpPr>
-          <p:cNvPr id="91" name="Google Shape;91;p2:notes"/>
-          <p:cNvSpPr txBox="1">
-            <a:spLocks noGrp="1"/>
-          </p:cNvSpPr>
-          <p:nvPr>
-            <p:ph type="body" idx="1"/>
-          </p:nvPr>
-        </p:nvSpPr>
-        <p:spPr>
-          <a:xfrm>
-            <a:off x="685800" y="4343400"/>
-            <a:ext cx="5486400" cy="4114800"/>
-          </a:xfrm>
-          <a:prstGeom prst="rect">
-            <a:avLst/>
-          </a:prstGeom>
-        </p:spPr>
-        <p:txBody>
-          <a:bodyPr spcFirstLastPara="1" wrap="square" lIns="91425" tIns="91425" rIns="91425" bIns="91425" anchor="t" anchorCtr="0">
-            <a:noAutofit/>
-          </a:bodyPr>
-          <a:lstStyle/>
-          <a:p>
-            <a:pPr marL="0" lvl="0" indent="0" algn="l" rtl="0">
-              <a:spcBef>
-                <a:spcPts val="0"/>
-              </a:spcBef>
-              <a:spcAft>
-                <a:spcPts val="0"/>
-              </a:spcAft>
-              <a:buNone/>
-            </a:pPr>
-            <a:endParaRPr/>
-          </a:p>
-        </p:txBody>
-      </p:sp>
-      <p:sp>
-        <p:nvSpPr>
-          <p:cNvPr id="92" name="Google Shape;92;p2:notes"/>
-          <p:cNvSpPr>
-            <a:spLocks noGrp="1" noRot="1" noChangeAspect="1"/>
-          </p:cNvSpPr>
-          <p:nvPr>
-            <p:ph type="sldImg" idx="2"/>
-          </p:nvPr>
-        </p:nvSpPr>
-        <p:spPr>
-          <a:xfrm>
-            <a:off x="1143000" y="685800"/>
-            <a:ext cx="4572000" cy="3429000"/>
-          </a:xfrm>
-          <a:custGeom>
-            <a:avLst/>
-            <a:gdLst/>
-            <a:ahLst/>
-            <a:cxnLst/>
-            <a:rect l="l" t="t" r="r" b="b"/>
-            <a:pathLst>
-              <a:path w="120000" h="120000" extrusionOk="0">
-                <a:moveTo>
-                  <a:pt x="0" y="0"/>
-                </a:moveTo>
-                <a:lnTo>
-                  <a:pt x="120000" y="0"/>
-                </a:lnTo>
-                <a:lnTo>
-                  <a:pt x="120000" y="120000"/>
-                </a:lnTo>
-                <a:lnTo>
-                  <a:pt x="0" y="120000"/>
-                </a:lnTo>
-                <a:close/>
-              </a:path>
-            </a:pathLst>
-          </a:custGeom>
-        </p:spPr>
-      </p:sp>
-    </p:spTree>
-  </p:cSld>
-  <p:clrMapOvr>
-    <a:masterClrMapping/>
-  </p:clrMapOvr>
-</p:notes>
-</file>
-
-<file path=ppt/notesSlides/notesSlide3.xml><?xml version="1.0" encoding="utf-8"?>
-<p:notes xmlns:a="http://schemas.openxmlformats.org/drawingml/2006/main" xmlns:r="http://schemas.openxmlformats.org/officeDocument/2006/relationships" xmlns:p="http://schemas.openxmlformats.org/presentationml/2006/main" showMasterSp="0" showMasterPhAnim="0">
+<p:notes xmlns:a="http://schemas.openxmlformats.org/drawingml/2006/main" xmlns:r="http://schemas.openxmlformats.org/officeDocument/2006/relationships" xmlns:p="http://schemas.openxmlformats.org/presentationml/2006/main" showMasterPhAnim="0" showMasterSp="0">
   <p:cSld>
     <p:spTree>
       <p:nvGrpSpPr>
@@ -1299,7 +1085,6 @@
               </a:spcAft>
               <a:buNone/>
             </a:pPr>
-            <a:endParaRPr/>
           </a:p>
         </p:txBody>
       </p:sp>
@@ -1352,8 +1137,8 @@
 </p:notes>
 </file>
 
-<file path=ppt/notesSlides/notesSlide4.xml><?xml version="1.0" encoding="utf-8"?>
-<p:notes xmlns:a="http://schemas.openxmlformats.org/drawingml/2006/main" xmlns:r="http://schemas.openxmlformats.org/officeDocument/2006/relationships" xmlns:p="http://schemas.openxmlformats.org/presentationml/2006/main" showMasterSp="0" showMasterPhAnim="0">
+<file path=ppt/notesSlides/notesSlide3.xml><?xml version="1.0" encoding="utf-8"?>
+<p:notes xmlns:a="http://schemas.openxmlformats.org/drawingml/2006/main" xmlns:r="http://schemas.openxmlformats.org/officeDocument/2006/relationships" xmlns:p="http://schemas.openxmlformats.org/presentationml/2006/main" showMasterPhAnim="0" showMasterSp="0">
   <p:cSld>
     <p:spTree>
       <p:nvGrpSpPr>
@@ -1403,7 +1188,109 @@
               </a:spcAft>
               <a:buNone/>
             </a:pPr>
-            <a:endParaRPr/>
+          </a:p>
+        </p:txBody>
+      </p:sp>
+      <p:sp>
+        <p:nvSpPr>
+          <p:cNvPr id="109" name="Google Shape;109;p5:notes"/>
+          <p:cNvSpPr>
+            <a:spLocks noGrp="1" noRot="1" noChangeAspect="1"/>
+          </p:cNvSpPr>
+          <p:nvPr>
+            <p:ph type="sldImg" idx="2"/>
+          </p:nvPr>
+        </p:nvSpPr>
+        <p:spPr>
+          <a:xfrm>
+            <a:off x="1143000" y="685800"/>
+            <a:ext cx="4572000" cy="3429000"/>
+          </a:xfrm>
+          <a:custGeom>
+            <a:avLst/>
+            <a:gdLst/>
+            <a:ahLst/>
+            <a:cxnLst/>
+            <a:rect l="l" t="t" r="r" b="b"/>
+            <a:pathLst>
+              <a:path w="120000" h="120000" extrusionOk="0">
+                <a:moveTo>
+                  <a:pt x="0" y="0"/>
+                </a:moveTo>
+                <a:lnTo>
+                  <a:pt x="120000" y="0"/>
+                </a:lnTo>
+                <a:lnTo>
+                  <a:pt x="120000" y="120000"/>
+                </a:lnTo>
+                <a:lnTo>
+                  <a:pt x="0" y="120000"/>
+                </a:lnTo>
+                <a:close/>
+              </a:path>
+            </a:pathLst>
+          </a:custGeom>
+        </p:spPr>
+      </p:sp>
+    </p:spTree>
+  </p:cSld>
+  <p:clrMapOvr>
+    <a:masterClrMapping/>
+  </p:clrMapOvr>
+</p:notes>
+</file>
+
+<file path=ppt/notesSlides/notesSlide4.xml><?xml version="1.0" encoding="utf-8"?>
+<p:notes xmlns:a="http://schemas.openxmlformats.org/drawingml/2006/main" xmlns:r="http://schemas.openxmlformats.org/officeDocument/2006/relationships" xmlns:p="http://schemas.openxmlformats.org/presentationml/2006/main" showMasterPhAnim="0" showMasterSp="0">
+  <p:cSld>
+    <p:spTree>
+      <p:nvGrpSpPr>
+        <p:cNvPr id="1" name="Shape 107"/>
+        <p:cNvGrpSpPr/>
+        <p:nvPr/>
+      </p:nvGrpSpPr>
+      <p:grpSpPr>
+        <a:xfrm>
+          <a:off x="0" y="0"/>
+          <a:ext cx="0" cy="0"/>
+          <a:chOff x="0" y="0"/>
+          <a:chExt cx="0" cy="0"/>
+        </a:xfrm>
+      </p:grpSpPr>
+      <p:sp>
+        <p:nvSpPr>
+          <p:cNvPr id="108" name="Google Shape;108;p5:notes"/>
+          <p:cNvSpPr txBox="1">
+            <a:spLocks noGrp="1"/>
+          </p:cNvSpPr>
+          <p:nvPr>
+            <p:ph type="body" idx="1"/>
+          </p:nvPr>
+        </p:nvSpPr>
+        <p:spPr>
+          <a:xfrm>
+            <a:off x="685800" y="4343400"/>
+            <a:ext cx="5486400" cy="4114800"/>
+          </a:xfrm>
+          <a:prstGeom prst="rect">
+            <a:avLst/>
+          </a:prstGeom>
+        </p:spPr>
+        <p:txBody>
+          <a:bodyPr spcFirstLastPara="1" wrap="square" lIns="91425" tIns="91425" rIns="91425" bIns="91425" anchor="t" anchorCtr="0">
+            <a:noAutofit/>
+          </a:bodyPr>
+          <a:lstStyle/>
+          <a:p>
+            <a:pPr marL="0" lvl="0" indent="0" algn="l" rtl="0">
+              <a:spcBef>
+                <a:spcPts val="0"/>
+              </a:spcBef>
+              <a:spcAft>
+                <a:spcPts val="0"/>
+              </a:spcAft>
+              <a:buNone/>
+            </a:pPr>
           </a:p>
         </p:txBody>
       </p:sp>
@@ -1457,11 +1344,11 @@
 </file>
 
 <file path=ppt/notesSlides/notesSlide5.xml><?xml version="1.0" encoding="utf-8"?>
-<p:notes xmlns:a="http://schemas.openxmlformats.org/drawingml/2006/main" xmlns:r="http://schemas.openxmlformats.org/officeDocument/2006/relationships" xmlns:p="http://schemas.openxmlformats.org/presentationml/2006/main" showMasterSp="0" showMasterPhAnim="0">
+<p:notes xmlns:a="http://schemas.openxmlformats.org/drawingml/2006/main" xmlns:r="http://schemas.openxmlformats.org/officeDocument/2006/relationships" xmlns:p="http://schemas.openxmlformats.org/presentationml/2006/main" showMasterPhAnim="0" showMasterSp="0">
   <p:cSld>
     <p:spTree>
       <p:nvGrpSpPr>
-        <p:cNvPr id="1" name="Shape 107"/>
+        <p:cNvPr id="1" name="Shape 113"/>
         <p:cNvGrpSpPr/>
         <p:nvPr/>
       </p:nvGrpSpPr>
@@ -1475,7 +1362,7 @@
       </p:grpSpPr>
       <p:sp>
         <p:nvSpPr>
-          <p:cNvPr id="108" name="Google Shape;108;p5:notes"/>
+          <p:cNvPr id="114" name="Google Shape;114;p6:notes"/>
           <p:cNvSpPr txBox="1">
             <a:spLocks noGrp="1"/>
           </p:cNvSpPr>
@@ -1507,13 +1394,12 @@
               </a:spcAft>
               <a:buNone/>
             </a:pPr>
-            <a:endParaRPr/>
           </a:p>
         </p:txBody>
       </p:sp>
       <p:sp>
         <p:nvSpPr>
-          <p:cNvPr id="109" name="Google Shape;109;p5:notes"/>
+          <p:cNvPr id="115" name="Google Shape;115;p6:notes"/>
           <p:cNvSpPr>
             <a:spLocks noGrp="1" noRot="1" noChangeAspect="1"/>
           </p:cNvSpPr>
@@ -1561,7 +1447,7 @@
 </file>
 
 <file path=ppt/notesSlides/notesSlide6.xml><?xml version="1.0" encoding="utf-8"?>
-<p:notes xmlns:a="http://schemas.openxmlformats.org/drawingml/2006/main" xmlns:r="http://schemas.openxmlformats.org/officeDocument/2006/relationships" xmlns:p="http://schemas.openxmlformats.org/presentationml/2006/main" showMasterSp="0" showMasterPhAnim="0">
+<p:notes xmlns:a="http://schemas.openxmlformats.org/drawingml/2006/main" xmlns:r="http://schemas.openxmlformats.org/officeDocument/2006/relationships" xmlns:p="http://schemas.openxmlformats.org/presentationml/2006/main" showMasterPhAnim="0" showMasterSp="0">
   <p:cSld>
     <p:spTree>
       <p:nvGrpSpPr>
@@ -1611,7 +1497,6 @@
               </a:spcAft>
               <a:buNone/>
             </a:pPr>
-            <a:endParaRPr/>
           </a:p>
         </p:txBody>
       </p:sp>
@@ -1665,7 +1550,7 @@
 </file>
 
 <file path=ppt/notesSlides/notesSlide7.xml><?xml version="1.0" encoding="utf-8"?>
-<p:notes xmlns:a="http://schemas.openxmlformats.org/drawingml/2006/main" xmlns:r="http://schemas.openxmlformats.org/officeDocument/2006/relationships" xmlns:p="http://schemas.openxmlformats.org/presentationml/2006/main" showMasterSp="0" showMasterPhAnim="0">
+<p:notes xmlns:a="http://schemas.openxmlformats.org/drawingml/2006/main" xmlns:r="http://schemas.openxmlformats.org/officeDocument/2006/relationships" xmlns:p="http://schemas.openxmlformats.org/presentationml/2006/main" showMasterPhAnim="0" showMasterSp="0">
   <p:cSld>
     <p:spTree>
       <p:nvGrpSpPr>
@@ -1715,7 +1600,6 @@
               </a:spcAft>
               <a:buNone/>
             </a:pPr>
-            <a:endParaRPr/>
           </a:p>
         </p:txBody>
       </p:sp>
@@ -1769,7 +1653,7 @@
 </file>
 
 <file path=ppt/notesSlides/notesSlide8.xml><?xml version="1.0" encoding="utf-8"?>
-<p:notes xmlns:a="http://schemas.openxmlformats.org/drawingml/2006/main" xmlns:r="http://schemas.openxmlformats.org/officeDocument/2006/relationships" xmlns:p="http://schemas.openxmlformats.org/presentationml/2006/main" showMasterSp="0" showMasterPhAnim="0">
+<p:notes xmlns:a="http://schemas.openxmlformats.org/drawingml/2006/main" xmlns:r="http://schemas.openxmlformats.org/officeDocument/2006/relationships" xmlns:p="http://schemas.openxmlformats.org/presentationml/2006/main" showMasterPhAnim="0" showMasterSp="0">
   <p:cSld>
     <p:spTree>
       <p:nvGrpSpPr>
@@ -1819,7 +1703,6 @@
               </a:spcAft>
               <a:buNone/>
             </a:pPr>
-            <a:endParaRPr/>
           </a:p>
         </p:txBody>
       </p:sp>
@@ -1873,7 +1756,7 @@
 </file>
 
 <file path=ppt/notesSlides/notesSlide9.xml><?xml version="1.0" encoding="utf-8"?>
-<p:notes xmlns:a="http://schemas.openxmlformats.org/drawingml/2006/main" xmlns:r="http://schemas.openxmlformats.org/officeDocument/2006/relationships" xmlns:p="http://schemas.openxmlformats.org/presentationml/2006/main" showMasterSp="0" showMasterPhAnim="0">
+<p:notes xmlns:a="http://schemas.openxmlformats.org/drawingml/2006/main" xmlns:r="http://schemas.openxmlformats.org/officeDocument/2006/relationships" xmlns:p="http://schemas.openxmlformats.org/presentationml/2006/main" showMasterPhAnim="0" showMasterSp="0">
   <p:cSld>
     <p:spTree>
       <p:nvGrpSpPr>
@@ -1923,7 +1806,6 @@
               </a:spcAft>
               <a:buNone/>
             </a:pPr>
-            <a:endParaRPr/>
           </a:p>
         </p:txBody>
       </p:sp>
@@ -1977,7 +1859,7 @@
 </file>
 
 <file path=ppt/slideLayouts/slideLayout1.xml><?xml version="1.0" encoding="utf-8"?>
-<p:sldLayout xmlns:a="http://schemas.openxmlformats.org/drawingml/2006/main" xmlns:r="http://schemas.openxmlformats.org/officeDocument/2006/relationships" xmlns:p="http://schemas.openxmlformats.org/presentationml/2006/main" matchingName="Title and Content" type="obj">
+<p:sldLayout xmlns:a="http://schemas.openxmlformats.org/drawingml/2006/main" xmlns:r="http://schemas.openxmlformats.org/officeDocument/2006/relationships" xmlns:p="http://schemas.openxmlformats.org/presentationml/2006/main" type="obj" matchingName="Title and Content">
   <p:cSld name="OBJECT">
     <p:spTree>
       <p:nvGrpSpPr>
@@ -2121,9 +2003,7 @@
               <a:defRPr/>
             </a:lvl9pPr>
           </a:lstStyle>
-          <a:p>
-            <a:endParaRPr/>
-          </a:p>
+          <a:p/>
         </p:txBody>
       </p:sp>
       <p:sp>
@@ -2281,9 +2161,7 @@
               <a:defRPr/>
             </a:lvl9pPr>
           </a:lstStyle>
-          <a:p>
-            <a:endParaRPr/>
-          </a:p>
+          <a:p/>
         </p:txBody>
       </p:sp>
       <p:sp>
@@ -2445,9 +2323,7 @@
               <a:defRPr/>
             </a:lvl9pPr>
           </a:lstStyle>
-          <a:p>
-            <a:endParaRPr/>
-          </a:p>
+          <a:p/>
         </p:txBody>
       </p:sp>
       <p:sp>
@@ -2605,9 +2481,7 @@
               <a:defRPr/>
             </a:lvl9pPr>
           </a:lstStyle>
-          <a:p>
-            <a:endParaRPr/>
-          </a:p>
+          <a:p/>
         </p:txBody>
       </p:sp>
       <p:sp>
@@ -2885,7 +2759,6 @@
             </a:pPr>
             <a:fld id="{00000000-1234-1234-1234-123412341234}" type="slidenum">
               <a:rPr lang="en-US"/>
-              <a:t>‹#›</a:t>
             </a:fld>
             <a:endParaRPr lang="en-US"/>
           </a:p>
@@ -2900,7 +2773,7 @@
 </file>
 
 <file path=ppt/slideLayouts/slideLayout10.xml><?xml version="1.0" encoding="utf-8"?>
-<p:sldLayout xmlns:a="http://schemas.openxmlformats.org/drawingml/2006/main" xmlns:r="http://schemas.openxmlformats.org/officeDocument/2006/relationships" xmlns:p="http://schemas.openxmlformats.org/presentationml/2006/main" matchingName="Two Content" type="twoObj">
+<p:sldLayout xmlns:a="http://schemas.openxmlformats.org/drawingml/2006/main" xmlns:r="http://schemas.openxmlformats.org/officeDocument/2006/relationships" xmlns:p="http://schemas.openxmlformats.org/presentationml/2006/main" type="twoObj" matchingName="Two Content">
   <p:cSld name="TWO_OBJECTS">
     <p:spTree>
       <p:nvGrpSpPr>
@@ -3044,9 +2917,7 @@
               <a:defRPr/>
             </a:lvl9pPr>
           </a:lstStyle>
-          <a:p>
-            <a:endParaRPr/>
-          </a:p>
+          <a:p/>
         </p:txBody>
       </p:sp>
       <p:sp>
@@ -3204,9 +3075,7 @@
               <a:defRPr sz="1800"/>
             </a:lvl9pPr>
           </a:lstStyle>
-          <a:p>
-            <a:endParaRPr/>
-          </a:p>
+          <a:p/>
         </p:txBody>
       </p:sp>
       <p:sp>
@@ -3364,9 +3233,7 @@
               <a:defRPr sz="1800"/>
             </a:lvl9pPr>
           </a:lstStyle>
-          <a:p>
-            <a:endParaRPr/>
-          </a:p>
+          <a:p/>
         </p:txBody>
       </p:sp>
       <p:sp>
@@ -3528,9 +3395,7 @@
               <a:defRPr/>
             </a:lvl9pPr>
           </a:lstStyle>
-          <a:p>
-            <a:endParaRPr/>
-          </a:p>
+          <a:p/>
         </p:txBody>
       </p:sp>
       <p:sp>
@@ -3688,9 +3553,7 @@
               <a:defRPr/>
             </a:lvl9pPr>
           </a:lstStyle>
-          <a:p>
-            <a:endParaRPr/>
-          </a:p>
+          <a:p/>
         </p:txBody>
       </p:sp>
       <p:sp>
@@ -3968,7 +3831,6 @@
             </a:pPr>
             <a:fld id="{00000000-1234-1234-1234-123412341234}" type="slidenum">
               <a:rPr lang="en-US"/>
-              <a:t>‹#›</a:t>
             </a:fld>
             <a:endParaRPr lang="en-US"/>
           </a:p>
@@ -3983,7 +3845,7 @@
 </file>
 
 <file path=ppt/slideLayouts/slideLayout11.xml><?xml version="1.0" encoding="utf-8"?>
-<p:sldLayout xmlns:a="http://schemas.openxmlformats.org/drawingml/2006/main" xmlns:r="http://schemas.openxmlformats.org/officeDocument/2006/relationships" xmlns:p="http://schemas.openxmlformats.org/presentationml/2006/main" matchingName="Section Header" type="secHead">
+<p:sldLayout xmlns:a="http://schemas.openxmlformats.org/drawingml/2006/main" xmlns:r="http://schemas.openxmlformats.org/officeDocument/2006/relationships" xmlns:p="http://schemas.openxmlformats.org/presentationml/2006/main" type="secHead" matchingName="Section Header">
   <p:cSld name="SECTION_HEADER">
     <p:spTree>
       <p:nvGrpSpPr>
@@ -4127,9 +3989,7 @@
               <a:defRPr/>
             </a:lvl9pPr>
           </a:lstStyle>
-          <a:p>
-            <a:endParaRPr/>
-          </a:p>
+          <a:p/>
         </p:txBody>
       </p:sp>
       <p:sp>
@@ -4323,9 +4183,7 @@
               </a:defRPr>
             </a:lvl9pPr>
           </a:lstStyle>
-          <a:p>
-            <a:endParaRPr/>
-          </a:p>
+          <a:p/>
         </p:txBody>
       </p:sp>
       <p:sp>
@@ -4487,9 +4345,7 @@
               <a:defRPr/>
             </a:lvl9pPr>
           </a:lstStyle>
-          <a:p>
-            <a:endParaRPr/>
-          </a:p>
+          <a:p/>
         </p:txBody>
       </p:sp>
       <p:sp>
@@ -4647,9 +4503,7 @@
               <a:defRPr/>
             </a:lvl9pPr>
           </a:lstStyle>
-          <a:p>
-            <a:endParaRPr/>
-          </a:p>
+          <a:p/>
         </p:txBody>
       </p:sp>
       <p:sp>
@@ -4927,7 +4781,6 @@
             </a:pPr>
             <a:fld id="{00000000-1234-1234-1234-123412341234}" type="slidenum">
               <a:rPr lang="en-US"/>
-              <a:t>‹#›</a:t>
             </a:fld>
             <a:endParaRPr lang="en-US"/>
           </a:p>
@@ -4942,7 +4795,7 @@
 </file>
 
 <file path=ppt/slideLayouts/slideLayout2.xml><?xml version="1.0" encoding="utf-8"?>
-<p:sldLayout xmlns:a="http://schemas.openxmlformats.org/drawingml/2006/main" xmlns:r="http://schemas.openxmlformats.org/officeDocument/2006/relationships" xmlns:p="http://schemas.openxmlformats.org/presentationml/2006/main" matchingName="Title Slide" type="title">
+<p:sldLayout xmlns:a="http://schemas.openxmlformats.org/drawingml/2006/main" xmlns:r="http://schemas.openxmlformats.org/officeDocument/2006/relationships" xmlns:p="http://schemas.openxmlformats.org/presentationml/2006/main" type="title" matchingName="Title Slide">
   <p:cSld name="TITLE">
     <p:spTree>
       <p:nvGrpSpPr>
@@ -5086,9 +4939,7 @@
               <a:defRPr/>
             </a:lvl9pPr>
           </a:lstStyle>
-          <a:p>
-            <a:endParaRPr/>
-          </a:p>
+          <a:p/>
         </p:txBody>
       </p:sp>
       <p:sp>
@@ -5282,9 +5133,7 @@
               </a:defRPr>
             </a:lvl9pPr>
           </a:lstStyle>
-          <a:p>
-            <a:endParaRPr/>
-          </a:p>
+          <a:p/>
         </p:txBody>
       </p:sp>
       <p:sp>
@@ -5446,9 +5295,7 @@
               <a:defRPr/>
             </a:lvl9pPr>
           </a:lstStyle>
-          <a:p>
-            <a:endParaRPr/>
-          </a:p>
+          <a:p/>
         </p:txBody>
       </p:sp>
       <p:sp>
@@ -5606,9 +5453,7 @@
               <a:defRPr/>
             </a:lvl9pPr>
           </a:lstStyle>
-          <a:p>
-            <a:endParaRPr/>
-          </a:p>
+          <a:p/>
         </p:txBody>
       </p:sp>
       <p:sp>
@@ -5886,7 +5731,6 @@
             </a:pPr>
             <a:fld id="{00000000-1234-1234-1234-123412341234}" type="slidenum">
               <a:rPr lang="en-US"/>
-              <a:t>‹#›</a:t>
             </a:fld>
             <a:endParaRPr lang="en-US"/>
           </a:p>
@@ -5901,7 +5745,7 @@
 </file>
 
 <file path=ppt/slideLayouts/slideLayout3.xml><?xml version="1.0" encoding="utf-8"?>
-<p:sldLayout xmlns:a="http://schemas.openxmlformats.org/drawingml/2006/main" xmlns:r="http://schemas.openxmlformats.org/officeDocument/2006/relationships" xmlns:p="http://schemas.openxmlformats.org/presentationml/2006/main" matchingName="Blank" type="blank">
+<p:sldLayout xmlns:a="http://schemas.openxmlformats.org/drawingml/2006/main" xmlns:r="http://schemas.openxmlformats.org/officeDocument/2006/relationships" xmlns:p="http://schemas.openxmlformats.org/presentationml/2006/main" type="blank" matchingName="Blank">
   <p:cSld name="BLANK">
     <p:spTree>
       <p:nvGrpSpPr>
@@ -6076,9 +5920,7 @@
               <a:defRPr/>
             </a:lvl9pPr>
           </a:lstStyle>
-          <a:p>
-            <a:endParaRPr/>
-          </a:p>
+          <a:p/>
         </p:txBody>
       </p:sp>
       <p:sp>
@@ -6236,9 +6078,7 @@
               <a:defRPr/>
             </a:lvl9pPr>
           </a:lstStyle>
-          <a:p>
-            <a:endParaRPr/>
-          </a:p>
+          <a:p/>
         </p:txBody>
       </p:sp>
       <p:sp>
@@ -6516,7 +6356,6 @@
             </a:pPr>
             <a:fld id="{00000000-1234-1234-1234-123412341234}" type="slidenum">
               <a:rPr lang="en-US"/>
-              <a:t>‹#›</a:t>
             </a:fld>
             <a:endParaRPr lang="en-US"/>
           </a:p>
@@ -6531,7 +6370,7 @@
 </file>
 
 <file path=ppt/slideLayouts/slideLayout4.xml><?xml version="1.0" encoding="utf-8"?>
-<p:sldLayout xmlns:a="http://schemas.openxmlformats.org/drawingml/2006/main" xmlns:r="http://schemas.openxmlformats.org/officeDocument/2006/relationships" xmlns:p="http://schemas.openxmlformats.org/presentationml/2006/main" matchingName="Vertical Title and Text" type="vertTitleAndTx">
+<p:sldLayout xmlns:a="http://schemas.openxmlformats.org/drawingml/2006/main" xmlns:r="http://schemas.openxmlformats.org/officeDocument/2006/relationships" xmlns:p="http://schemas.openxmlformats.org/presentationml/2006/main" type="vertTitleAndTx" matchingName="Vertical Title and Text">
   <p:cSld name="VERTICAL_TITLE_AND_VERTICAL_TEXT">
     <p:spTree>
       <p:nvGrpSpPr>
@@ -6675,9 +6514,7 @@
               <a:defRPr/>
             </a:lvl9pPr>
           </a:lstStyle>
-          <a:p>
-            <a:endParaRPr/>
-          </a:p>
+          <a:p/>
         </p:txBody>
       </p:sp>
       <p:sp>
@@ -6835,9 +6672,7 @@
               <a:defRPr/>
             </a:lvl9pPr>
           </a:lstStyle>
-          <a:p>
-            <a:endParaRPr/>
-          </a:p>
+          <a:p/>
         </p:txBody>
       </p:sp>
       <p:sp>
@@ -6999,9 +6834,7 @@
               <a:defRPr/>
             </a:lvl9pPr>
           </a:lstStyle>
-          <a:p>
-            <a:endParaRPr/>
-          </a:p>
+          <a:p/>
         </p:txBody>
       </p:sp>
       <p:sp>
@@ -7159,9 +6992,7 @@
               <a:defRPr/>
             </a:lvl9pPr>
           </a:lstStyle>
-          <a:p>
-            <a:endParaRPr/>
-          </a:p>
+          <a:p/>
         </p:txBody>
       </p:sp>
       <p:sp>
@@ -7439,7 +7270,6 @@
             </a:pPr>
             <a:fld id="{00000000-1234-1234-1234-123412341234}" type="slidenum">
               <a:rPr lang="en-US"/>
-              <a:t>‹#›</a:t>
             </a:fld>
             <a:endParaRPr lang="en-US"/>
           </a:p>
@@ -7454,7 +7284,7 @@
 </file>
 
 <file path=ppt/slideLayouts/slideLayout5.xml><?xml version="1.0" encoding="utf-8"?>
-<p:sldLayout xmlns:a="http://schemas.openxmlformats.org/drawingml/2006/main" xmlns:r="http://schemas.openxmlformats.org/officeDocument/2006/relationships" xmlns:p="http://schemas.openxmlformats.org/presentationml/2006/main" matchingName="Title and Vertical Text" type="vertTx">
+<p:sldLayout xmlns:a="http://schemas.openxmlformats.org/drawingml/2006/main" xmlns:r="http://schemas.openxmlformats.org/officeDocument/2006/relationships" xmlns:p="http://schemas.openxmlformats.org/presentationml/2006/main" type="vertTx" matchingName="Title and Vertical Text">
   <p:cSld name="VERTICAL_TEXT">
     <p:spTree>
       <p:nvGrpSpPr>
@@ -7598,9 +7428,7 @@
               <a:defRPr/>
             </a:lvl9pPr>
           </a:lstStyle>
-          <a:p>
-            <a:endParaRPr/>
-          </a:p>
+          <a:p/>
         </p:txBody>
       </p:sp>
       <p:sp>
@@ -7758,9 +7586,7 @@
               <a:defRPr/>
             </a:lvl9pPr>
           </a:lstStyle>
-          <a:p>
-            <a:endParaRPr/>
-          </a:p>
+          <a:p/>
         </p:txBody>
       </p:sp>
       <p:sp>
@@ -7922,9 +7748,7 @@
               <a:defRPr/>
             </a:lvl9pPr>
           </a:lstStyle>
-          <a:p>
-            <a:endParaRPr/>
-          </a:p>
+          <a:p/>
         </p:txBody>
       </p:sp>
       <p:sp>
@@ -8082,9 +7906,7 @@
               <a:defRPr/>
             </a:lvl9pPr>
           </a:lstStyle>
-          <a:p>
-            <a:endParaRPr/>
-          </a:p>
+          <a:p/>
         </p:txBody>
       </p:sp>
       <p:sp>
@@ -8362,7 +8184,6 @@
             </a:pPr>
             <a:fld id="{00000000-1234-1234-1234-123412341234}" type="slidenum">
               <a:rPr lang="en-US"/>
-              <a:t>‹#›</a:t>
             </a:fld>
             <a:endParaRPr lang="en-US"/>
           </a:p>
@@ -8377,7 +8198,7 @@
 </file>
 
 <file path=ppt/slideLayouts/slideLayout6.xml><?xml version="1.0" encoding="utf-8"?>
-<p:sldLayout xmlns:a="http://schemas.openxmlformats.org/drawingml/2006/main" xmlns:r="http://schemas.openxmlformats.org/officeDocument/2006/relationships" xmlns:p="http://schemas.openxmlformats.org/presentationml/2006/main" matchingName="Picture with Caption" type="picTx">
+<p:sldLayout xmlns:a="http://schemas.openxmlformats.org/drawingml/2006/main" xmlns:r="http://schemas.openxmlformats.org/officeDocument/2006/relationships" xmlns:p="http://schemas.openxmlformats.org/presentationml/2006/main" type="picTx" matchingName="Picture with Caption">
   <p:cSld name="PICTURE_WITH_CAPTION_TEXT">
     <p:spTree>
       <p:nvGrpSpPr>
@@ -8521,9 +8342,7 @@
               <a:defRPr/>
             </a:lvl9pPr>
           </a:lstStyle>
-          <a:p>
-            <a:endParaRPr/>
-          </a:p>
+          <a:p/>
         </p:txBody>
       </p:sp>
       <p:sp>
@@ -8762,9 +8581,7 @@
               </a:defRPr>
             </a:lvl9pPr>
           </a:lstStyle>
-          <a:p>
-            <a:endParaRPr/>
-          </a:p>
+          <a:p/>
         </p:txBody>
       </p:sp>
       <p:sp>
@@ -8922,9 +8739,7 @@
               <a:defRPr sz="900"/>
             </a:lvl9pPr>
           </a:lstStyle>
-          <a:p>
-            <a:endParaRPr/>
-          </a:p>
+          <a:p/>
         </p:txBody>
       </p:sp>
       <p:sp>
@@ -9086,9 +8901,7 @@
               <a:defRPr/>
             </a:lvl9pPr>
           </a:lstStyle>
-          <a:p>
-            <a:endParaRPr/>
-          </a:p>
+          <a:p/>
         </p:txBody>
       </p:sp>
       <p:sp>
@@ -9246,9 +9059,7 @@
               <a:defRPr/>
             </a:lvl9pPr>
           </a:lstStyle>
-          <a:p>
-            <a:endParaRPr/>
-          </a:p>
+          <a:p/>
         </p:txBody>
       </p:sp>
       <p:sp>
@@ -9526,7 +9337,6 @@
             </a:pPr>
             <a:fld id="{00000000-1234-1234-1234-123412341234}" type="slidenum">
               <a:rPr lang="en-US"/>
-              <a:t>‹#›</a:t>
             </a:fld>
             <a:endParaRPr lang="en-US"/>
           </a:p>
@@ -9541,7 +9351,7 @@
 </file>
 
 <file path=ppt/slideLayouts/slideLayout7.xml><?xml version="1.0" encoding="utf-8"?>
-<p:sldLayout xmlns:a="http://schemas.openxmlformats.org/drawingml/2006/main" xmlns:r="http://schemas.openxmlformats.org/officeDocument/2006/relationships" xmlns:p="http://schemas.openxmlformats.org/presentationml/2006/main" matchingName="Content with Caption" type="objTx">
+<p:sldLayout xmlns:a="http://schemas.openxmlformats.org/drawingml/2006/main" xmlns:r="http://schemas.openxmlformats.org/officeDocument/2006/relationships" xmlns:p="http://schemas.openxmlformats.org/presentationml/2006/main" type="objTx" matchingName="Content with Caption">
   <p:cSld name="OBJECT_WITH_CAPTION_TEXT">
     <p:spTree>
       <p:nvGrpSpPr>
@@ -9685,9 +9495,7 @@
               <a:defRPr/>
             </a:lvl9pPr>
           </a:lstStyle>
-          <a:p>
-            <a:endParaRPr/>
-          </a:p>
+          <a:p/>
         </p:txBody>
       </p:sp>
       <p:sp>
@@ -9845,9 +9653,7 @@
               <a:defRPr sz="2000"/>
             </a:lvl9pPr>
           </a:lstStyle>
-          <a:p>
-            <a:endParaRPr/>
-          </a:p>
+          <a:p/>
         </p:txBody>
       </p:sp>
       <p:sp>
@@ -10005,9 +9811,7 @@
               <a:defRPr sz="900"/>
             </a:lvl9pPr>
           </a:lstStyle>
-          <a:p>
-            <a:endParaRPr/>
-          </a:p>
+          <a:p/>
         </p:txBody>
       </p:sp>
       <p:sp>
@@ -10169,9 +9973,7 @@
               <a:defRPr/>
             </a:lvl9pPr>
           </a:lstStyle>
-          <a:p>
-            <a:endParaRPr/>
-          </a:p>
+          <a:p/>
         </p:txBody>
       </p:sp>
       <p:sp>
@@ -10329,9 +10131,7 @@
               <a:defRPr/>
             </a:lvl9pPr>
           </a:lstStyle>
-          <a:p>
-            <a:endParaRPr/>
-          </a:p>
+          <a:p/>
         </p:txBody>
       </p:sp>
       <p:sp>
@@ -10609,7 +10409,6 @@
             </a:pPr>
             <a:fld id="{00000000-1234-1234-1234-123412341234}" type="slidenum">
               <a:rPr lang="en-US"/>
-              <a:t>‹#›</a:t>
             </a:fld>
             <a:endParaRPr lang="en-US"/>
           </a:p>
@@ -10624,7 +10423,7 @@
 </file>
 
 <file path=ppt/slideLayouts/slideLayout8.xml><?xml version="1.0" encoding="utf-8"?>
-<p:sldLayout xmlns:a="http://schemas.openxmlformats.org/drawingml/2006/main" xmlns:r="http://schemas.openxmlformats.org/officeDocument/2006/relationships" xmlns:p="http://schemas.openxmlformats.org/presentationml/2006/main" matchingName="Title Only" type="titleOnly">
+<p:sldLayout xmlns:a="http://schemas.openxmlformats.org/drawingml/2006/main" xmlns:r="http://schemas.openxmlformats.org/officeDocument/2006/relationships" xmlns:p="http://schemas.openxmlformats.org/presentationml/2006/main" type="titleOnly" matchingName="Title Only">
   <p:cSld name="TITLE_ONLY">
     <p:spTree>
       <p:nvGrpSpPr>
@@ -10768,9 +10567,7 @@
               <a:defRPr/>
             </a:lvl9pPr>
           </a:lstStyle>
-          <a:p>
-            <a:endParaRPr/>
-          </a:p>
+          <a:p/>
         </p:txBody>
       </p:sp>
       <p:sp>
@@ -10932,9 +10729,7 @@
               <a:defRPr/>
             </a:lvl9pPr>
           </a:lstStyle>
-          <a:p>
-            <a:endParaRPr/>
-          </a:p>
+          <a:p/>
         </p:txBody>
       </p:sp>
       <p:sp>
@@ -11092,9 +10887,7 @@
               <a:defRPr/>
             </a:lvl9pPr>
           </a:lstStyle>
-          <a:p>
-            <a:endParaRPr/>
-          </a:p>
+          <a:p/>
         </p:txBody>
       </p:sp>
       <p:sp>
@@ -11372,7 +11165,6 @@
             </a:pPr>
             <a:fld id="{00000000-1234-1234-1234-123412341234}" type="slidenum">
               <a:rPr lang="en-US"/>
-              <a:t>‹#›</a:t>
             </a:fld>
             <a:endParaRPr lang="en-US"/>
           </a:p>
@@ -11387,7 +11179,7 @@
 </file>
 
 <file path=ppt/slideLayouts/slideLayout9.xml><?xml version="1.0" encoding="utf-8"?>
-<p:sldLayout xmlns:a="http://schemas.openxmlformats.org/drawingml/2006/main" xmlns:r="http://schemas.openxmlformats.org/officeDocument/2006/relationships" xmlns:p="http://schemas.openxmlformats.org/presentationml/2006/main" matchingName="Comparison" type="twoTxTwoObj">
+<p:sldLayout xmlns:a="http://schemas.openxmlformats.org/drawingml/2006/main" xmlns:r="http://schemas.openxmlformats.org/officeDocument/2006/relationships" xmlns:p="http://schemas.openxmlformats.org/presentationml/2006/main" type="twoTxTwoObj" matchingName="Comparison">
   <p:cSld name="TWO_OBJECTS_WITH_TEXT">
     <p:spTree>
       <p:nvGrpSpPr>
@@ -11531,9 +11323,7 @@
               <a:defRPr/>
             </a:lvl9pPr>
           </a:lstStyle>
-          <a:p>
-            <a:endParaRPr/>
-          </a:p>
+          <a:p/>
         </p:txBody>
       </p:sp>
       <p:sp>
@@ -11691,9 +11481,7 @@
               <a:defRPr sz="1600" b="1"/>
             </a:lvl9pPr>
           </a:lstStyle>
-          <a:p>
-            <a:endParaRPr/>
-          </a:p>
+          <a:p/>
         </p:txBody>
       </p:sp>
       <p:sp>
@@ -11851,9 +11639,7 @@
               <a:defRPr sz="1600"/>
             </a:lvl9pPr>
           </a:lstStyle>
-          <a:p>
-            <a:endParaRPr/>
-          </a:p>
+          <a:p/>
         </p:txBody>
       </p:sp>
       <p:sp>
@@ -12011,9 +11797,7 @@
               <a:defRPr sz="1600" b="1"/>
             </a:lvl9pPr>
           </a:lstStyle>
-          <a:p>
-            <a:endParaRPr/>
-          </a:p>
+          <a:p/>
         </p:txBody>
       </p:sp>
       <p:sp>
@@ -12171,9 +11955,7 @@
               <a:defRPr sz="1600"/>
             </a:lvl9pPr>
           </a:lstStyle>
-          <a:p>
-            <a:endParaRPr/>
-          </a:p>
+          <a:p/>
         </p:txBody>
       </p:sp>
       <p:sp>
@@ -12335,9 +12117,7 @@
               <a:defRPr/>
             </a:lvl9pPr>
           </a:lstStyle>
-          <a:p>
-            <a:endParaRPr/>
-          </a:p>
+          <a:p/>
         </p:txBody>
       </p:sp>
       <p:sp>
@@ -12495,9 +12275,7 @@
               <a:defRPr/>
             </a:lvl9pPr>
           </a:lstStyle>
-          <a:p>
-            <a:endParaRPr/>
-          </a:p>
+          <a:p/>
         </p:txBody>
       </p:sp>
       <p:sp>
@@ -12775,7 +12553,6 @@
             </a:pPr>
             <a:fld id="{00000000-1234-1234-1234-123412341234}" type="slidenum">
               <a:rPr lang="en-US"/>
-              <a:t>‹#›</a:t>
             </a:fld>
             <a:endParaRPr lang="en-US"/>
           </a:p>
@@ -13014,9 +12791,7 @@
               </a:defRPr>
             </a:lvl9pPr>
           </a:lstStyle>
-          <a:p>
-            <a:endParaRPr/>
-          </a:p>
+          <a:p/>
         </p:txBody>
       </p:sp>
       <p:sp>
@@ -13255,9 +13030,7 @@
               </a:defRPr>
             </a:lvl9pPr>
           </a:lstStyle>
-          <a:p>
-            <a:endParaRPr/>
-          </a:p>
+          <a:p/>
         </p:txBody>
       </p:sp>
       <p:sp>
@@ -13487,9 +13260,7 @@
               </a:defRPr>
             </a:lvl9pPr>
           </a:lstStyle>
-          <a:p>
-            <a:endParaRPr/>
-          </a:p>
+          <a:p/>
         </p:txBody>
       </p:sp>
       <p:sp>
@@ -13719,9 +13490,7 @@
               </a:defRPr>
             </a:lvl9pPr>
           </a:lstStyle>
-          <a:p>
-            <a:endParaRPr/>
-          </a:p>
+          <a:p/>
         </p:txBody>
       </p:sp>
       <p:sp>
@@ -13999,7 +13768,6 @@
             </a:pPr>
             <a:fld id="{00000000-1234-1234-1234-123412341234}" type="slidenum">
               <a:rPr lang="en-US"/>
-              <a:t>‹#›</a:t>
             </a:fld>
             <a:endParaRPr sz="1400">
               <a:solidFill>
@@ -14727,7 +14495,7 @@
   <p:cSld>
     <p:spTree>
       <p:nvGrpSpPr>
-        <p:cNvPr id="1" name="Shape 83"/>
+        <p:cNvPr id="1" name="Shape 93"/>
         <p:cNvGrpSpPr/>
         <p:nvPr/>
       </p:nvGrpSpPr>
@@ -14741,797 +14509,18 @@
       </p:grpSpPr>
       <p:sp>
         <p:nvSpPr>
-          <p:cNvPr id="87" name="Google Shape;87;p13"/>
-          <p:cNvSpPr/>
-          <p:nvPr/>
-        </p:nvSpPr>
-        <p:spPr>
-          <a:xfrm>
-            <a:off x="762000" y="5080337"/>
-            <a:ext cx="6858000" cy="1015800"/>
-          </a:xfrm>
-          <a:prstGeom prst="rect">
-            <a:avLst/>
-          </a:prstGeom>
-          <a:noFill/>
-          <a:ln>
-            <a:noFill/>
-          </a:ln>
-        </p:spPr>
-        <p:txBody>
-          <a:bodyPr spcFirstLastPara="1" wrap="square" lIns="91425" tIns="45700" rIns="91425" bIns="45700" anchor="t" anchorCtr="0">
-            <a:spAutoFit/>
-          </a:bodyPr>
-          <a:lstStyle/>
-          <a:p>
-            <a:pPr marL="0" marR="0" lvl="0" indent="0" algn="ctr" rtl="0">
-              <a:lnSpc>
-                <a:spcPct val="100000"/>
-              </a:lnSpc>
-              <a:spcBef>
-                <a:spcPts val="0"/>
-              </a:spcBef>
-              <a:spcAft>
-                <a:spcPts val="0"/>
-              </a:spcAft>
-              <a:buClr>
-                <a:schemeClr val="dk1"/>
-              </a:buClr>
-              <a:buSzPts val="3000"/>
-              <a:buFont typeface="Times New Roman" panose="02020603050405020304"/>
-              <a:buNone/>
-            </a:pPr>
-            <a:r>
-              <a:rPr lang="en-US" sz="3000" b="1" i="0" u="none" strike="noStrike" cap="none" dirty="0">
-                <a:solidFill>
-                  <a:schemeClr val="dk1"/>
-                </a:solidFill>
-                <a:effectLst>
-                  <a:reflection blurRad="12700" stA="28000" endPos="45000" dist="1000" dir="5400000" sy="-100000" algn="bl" rotWithShape="0"/>
-                </a:effectLst>
-                <a:latin typeface="Times New Roman" panose="02020603050405020304"/>
-                <a:ea typeface="Times New Roman" panose="02020603050405020304"/>
-                <a:cs typeface="Times New Roman" panose="02020603050405020304"/>
-                <a:sym typeface="Times New Roman" panose="02020603050405020304"/>
-              </a:rPr>
-              <a:t>                                                                               DATE: </a:t>
-            </a:r>
-            <a:endParaRPr dirty="0"/>
-          </a:p>
-        </p:txBody>
-      </p:sp>
-      <p:sp>
-        <p:nvSpPr>
-          <p:cNvPr id="6" name="Google Shape;84;p13"/>
-          <p:cNvSpPr txBox="1"/>
-          <p:nvPr/>
-        </p:nvSpPr>
-        <p:spPr>
-          <a:xfrm>
-            <a:off x="914400" y="2531573"/>
-            <a:ext cx="8229600" cy="1676400"/>
-          </a:xfrm>
-          <a:prstGeom prst="rect">
-            <a:avLst/>
-          </a:prstGeom>
-          <a:noFill/>
-          <a:ln>
-            <a:noFill/>
-          </a:ln>
-        </p:spPr>
-        <p:txBody>
-          <a:bodyPr spcFirstLastPara="1" wrap="square" lIns="91425" tIns="45700" rIns="91425" bIns="45700" anchor="t" anchorCtr="0">
-            <a:noAutofit/>
-          </a:bodyPr>
-          <a:lstStyle>
-            <a:defPPr marR="0" lvl="0" algn="l" rtl="0">
-              <a:lnSpc>
-                <a:spcPct val="100000"/>
-              </a:lnSpc>
-              <a:spcBef>
-                <a:spcPts val="0"/>
-              </a:spcBef>
-              <a:spcAft>
-                <a:spcPts val="0"/>
-              </a:spcAft>
-            </a:defPPr>
-            <a:lvl1pPr marL="457200" marR="0" lvl="0" indent="-342900" algn="l" rtl="0">
-              <a:lnSpc>
-                <a:spcPct val="100000"/>
-              </a:lnSpc>
-              <a:spcBef>
-                <a:spcPts val="360"/>
-              </a:spcBef>
-              <a:spcAft>
-                <a:spcPts val="0"/>
-              </a:spcAft>
-              <a:buClr>
-                <a:schemeClr val="dk1"/>
-              </a:buClr>
-              <a:buSzPts val="1800"/>
-              <a:buFont typeface="Arial" panose="020B0604020202020204"/>
-              <a:buChar char="•"/>
-              <a:defRPr sz="3200" b="0" i="0" u="none" strike="noStrike" cap="none">
-                <a:solidFill>
-                  <a:schemeClr val="dk1"/>
-                </a:solidFill>
-                <a:latin typeface="Calibri" panose="020F0502020204030204"/>
-                <a:ea typeface="Calibri" panose="020F0502020204030204"/>
-                <a:cs typeface="Calibri" panose="020F0502020204030204"/>
-                <a:sym typeface="Calibri" panose="020F0502020204030204"/>
-              </a:defRPr>
-            </a:lvl1pPr>
-            <a:lvl2pPr marL="914400" marR="0" lvl="1" indent="-342900" algn="l" rtl="0">
-              <a:lnSpc>
-                <a:spcPct val="100000"/>
-              </a:lnSpc>
-              <a:spcBef>
-                <a:spcPts val="360"/>
-              </a:spcBef>
-              <a:spcAft>
-                <a:spcPts val="0"/>
-              </a:spcAft>
-              <a:buClr>
-                <a:schemeClr val="dk1"/>
-              </a:buClr>
-              <a:buSzPts val="1800"/>
-              <a:buFont typeface="Arial" panose="020B0604020202020204"/>
-              <a:buChar char="–"/>
-              <a:defRPr sz="2800" b="0" i="0" u="none" strike="noStrike" cap="none">
-                <a:solidFill>
-                  <a:schemeClr val="dk1"/>
-                </a:solidFill>
-                <a:latin typeface="Calibri" panose="020F0502020204030204"/>
-                <a:ea typeface="Calibri" panose="020F0502020204030204"/>
-                <a:cs typeface="Calibri" panose="020F0502020204030204"/>
-                <a:sym typeface="Calibri" panose="020F0502020204030204"/>
-              </a:defRPr>
-            </a:lvl2pPr>
-            <a:lvl3pPr marL="1371600" marR="0" lvl="2" indent="-342900" algn="l" rtl="0">
-              <a:lnSpc>
-                <a:spcPct val="100000"/>
-              </a:lnSpc>
-              <a:spcBef>
-                <a:spcPts val="360"/>
-              </a:spcBef>
-              <a:spcAft>
-                <a:spcPts val="0"/>
-              </a:spcAft>
-              <a:buClr>
-                <a:schemeClr val="dk1"/>
-              </a:buClr>
-              <a:buSzPts val="1800"/>
-              <a:buFont typeface="Arial" panose="020B0604020202020204"/>
-              <a:buChar char="•"/>
-              <a:defRPr sz="2400" b="0" i="0" u="none" strike="noStrike" cap="none">
-                <a:solidFill>
-                  <a:schemeClr val="dk1"/>
-                </a:solidFill>
-                <a:latin typeface="Calibri" panose="020F0502020204030204"/>
-                <a:ea typeface="Calibri" panose="020F0502020204030204"/>
-                <a:cs typeface="Calibri" panose="020F0502020204030204"/>
-                <a:sym typeface="Calibri" panose="020F0502020204030204"/>
-              </a:defRPr>
-            </a:lvl3pPr>
-            <a:lvl4pPr marL="1828800" marR="0" lvl="3" indent="-342900" algn="l" rtl="0">
-              <a:lnSpc>
-                <a:spcPct val="100000"/>
-              </a:lnSpc>
-              <a:spcBef>
-                <a:spcPts val="360"/>
-              </a:spcBef>
-              <a:spcAft>
-                <a:spcPts val="0"/>
-              </a:spcAft>
-              <a:buClr>
-                <a:schemeClr val="dk1"/>
-              </a:buClr>
-              <a:buSzPts val="1800"/>
-              <a:buFont typeface="Arial" panose="020B0604020202020204"/>
-              <a:buChar char="–"/>
-              <a:defRPr sz="2000" b="0" i="0" u="none" strike="noStrike" cap="none">
-                <a:solidFill>
-                  <a:schemeClr val="dk1"/>
-                </a:solidFill>
-                <a:latin typeface="Calibri" panose="020F0502020204030204"/>
-                <a:ea typeface="Calibri" panose="020F0502020204030204"/>
-                <a:cs typeface="Calibri" panose="020F0502020204030204"/>
-                <a:sym typeface="Calibri" panose="020F0502020204030204"/>
-              </a:defRPr>
-            </a:lvl4pPr>
-            <a:lvl5pPr marL="2286000" marR="0" lvl="4" indent="-342900" algn="l" rtl="0">
-              <a:lnSpc>
-                <a:spcPct val="100000"/>
-              </a:lnSpc>
-              <a:spcBef>
-                <a:spcPts val="360"/>
-              </a:spcBef>
-              <a:spcAft>
-                <a:spcPts val="0"/>
-              </a:spcAft>
-              <a:buClr>
-                <a:schemeClr val="dk1"/>
-              </a:buClr>
-              <a:buSzPts val="1800"/>
-              <a:buFont typeface="Arial" panose="020B0604020202020204"/>
-              <a:buChar char="»"/>
-              <a:defRPr sz="2000" b="0" i="0" u="none" strike="noStrike" cap="none">
-                <a:solidFill>
-                  <a:schemeClr val="dk1"/>
-                </a:solidFill>
-                <a:latin typeface="Calibri" panose="020F0502020204030204"/>
-                <a:ea typeface="Calibri" panose="020F0502020204030204"/>
-                <a:cs typeface="Calibri" panose="020F0502020204030204"/>
-                <a:sym typeface="Calibri" panose="020F0502020204030204"/>
-              </a:defRPr>
-            </a:lvl5pPr>
-            <a:lvl6pPr marL="2743200" marR="0" lvl="5" indent="-342900" algn="l" rtl="0">
-              <a:lnSpc>
-                <a:spcPct val="100000"/>
-              </a:lnSpc>
-              <a:spcBef>
-                <a:spcPts val="360"/>
-              </a:spcBef>
-              <a:spcAft>
-                <a:spcPts val="0"/>
-              </a:spcAft>
-              <a:buClr>
-                <a:schemeClr val="dk1"/>
-              </a:buClr>
-              <a:buSzPts val="1800"/>
-              <a:buFont typeface="Arial" panose="020B0604020202020204"/>
-              <a:buChar char="•"/>
-              <a:defRPr sz="2000" b="0" i="0" u="none" strike="noStrike" cap="none">
-                <a:solidFill>
-                  <a:schemeClr val="dk1"/>
-                </a:solidFill>
-                <a:latin typeface="Calibri" panose="020F0502020204030204"/>
-                <a:ea typeface="Calibri" panose="020F0502020204030204"/>
-                <a:cs typeface="Calibri" panose="020F0502020204030204"/>
-                <a:sym typeface="Calibri" panose="020F0502020204030204"/>
-              </a:defRPr>
-            </a:lvl6pPr>
-            <a:lvl7pPr marL="3200400" marR="0" lvl="6" indent="-342900" algn="l" rtl="0">
-              <a:lnSpc>
-                <a:spcPct val="100000"/>
-              </a:lnSpc>
-              <a:spcBef>
-                <a:spcPts val="360"/>
-              </a:spcBef>
-              <a:spcAft>
-                <a:spcPts val="0"/>
-              </a:spcAft>
-              <a:buClr>
-                <a:schemeClr val="dk1"/>
-              </a:buClr>
-              <a:buSzPts val="1800"/>
-              <a:buFont typeface="Arial" panose="020B0604020202020204"/>
-              <a:buChar char="•"/>
-              <a:defRPr sz="2000" b="0" i="0" u="none" strike="noStrike" cap="none">
-                <a:solidFill>
-                  <a:schemeClr val="dk1"/>
-                </a:solidFill>
-                <a:latin typeface="Calibri" panose="020F0502020204030204"/>
-                <a:ea typeface="Calibri" panose="020F0502020204030204"/>
-                <a:cs typeface="Calibri" panose="020F0502020204030204"/>
-                <a:sym typeface="Calibri" panose="020F0502020204030204"/>
-              </a:defRPr>
-            </a:lvl7pPr>
-            <a:lvl8pPr marL="3657600" marR="0" lvl="7" indent="-342900" algn="l" rtl="0">
-              <a:lnSpc>
-                <a:spcPct val="100000"/>
-              </a:lnSpc>
-              <a:spcBef>
-                <a:spcPts val="360"/>
-              </a:spcBef>
-              <a:spcAft>
-                <a:spcPts val="0"/>
-              </a:spcAft>
-              <a:buClr>
-                <a:schemeClr val="dk1"/>
-              </a:buClr>
-              <a:buSzPts val="1800"/>
-              <a:buFont typeface="Arial" panose="020B0604020202020204"/>
-              <a:buChar char="•"/>
-              <a:defRPr sz="2000" b="0" i="0" u="none" strike="noStrike" cap="none">
-                <a:solidFill>
-                  <a:schemeClr val="dk1"/>
-                </a:solidFill>
-                <a:latin typeface="Calibri" panose="020F0502020204030204"/>
-                <a:ea typeface="Calibri" panose="020F0502020204030204"/>
-                <a:cs typeface="Calibri" panose="020F0502020204030204"/>
-                <a:sym typeface="Calibri" panose="020F0502020204030204"/>
-              </a:defRPr>
-            </a:lvl8pPr>
-            <a:lvl9pPr marL="4114800" marR="0" lvl="8" indent="-342900" algn="l" rtl="0">
-              <a:lnSpc>
-                <a:spcPct val="100000"/>
-              </a:lnSpc>
-              <a:spcBef>
-                <a:spcPts val="360"/>
-              </a:spcBef>
-              <a:spcAft>
-                <a:spcPts val="0"/>
-              </a:spcAft>
-              <a:buClr>
-                <a:schemeClr val="dk1"/>
-              </a:buClr>
-              <a:buSzPts val="1800"/>
-              <a:buFont typeface="Arial" panose="020B0604020202020204"/>
-              <a:buChar char="•"/>
-              <a:defRPr sz="2000" b="0" i="0" u="none" strike="noStrike" cap="none">
-                <a:solidFill>
-                  <a:schemeClr val="dk1"/>
-                </a:solidFill>
-                <a:latin typeface="Calibri" panose="020F0502020204030204"/>
-                <a:ea typeface="Calibri" panose="020F0502020204030204"/>
-                <a:cs typeface="Calibri" panose="020F0502020204030204"/>
-                <a:sym typeface="Calibri" panose="020F0502020204030204"/>
-              </a:defRPr>
-            </a:lvl9pPr>
-          </a:lstStyle>
-          <a:p>
-            <a:pPr marL="0" indent="0" algn="ctr">
-              <a:spcBef>
-                <a:spcPts val="0"/>
-              </a:spcBef>
-              <a:buClr>
-                <a:srgbClr val="FF0000"/>
-              </a:buClr>
-              <a:buSzPts val="4000"/>
-              <a:buFont typeface="Arial" panose="020B0604020202020204"/>
-              <a:buNone/>
-            </a:pPr>
-            <a:r>
-              <a:rPr lang="en-US" b="1" dirty="0">
-                <a:solidFill>
-                  <a:srgbClr val="FF0000"/>
-                </a:solidFill>
-                <a:latin typeface="Times New Roman" panose="02020603050405020304"/>
-                <a:ea typeface="Times New Roman" panose="02020603050405020304"/>
-                <a:cs typeface="Times New Roman" panose="02020603050405020304"/>
-                <a:sym typeface="Times New Roman" panose="02020603050405020304"/>
-              </a:rPr>
-              <a:t>CSB1303 OBJECT ORINETED ANALYSIS AND DESIGN (TCPR) </a:t>
-            </a:r>
-          </a:p>
-          <a:p>
-            <a:pPr marL="0" indent="0" algn="ctr">
-              <a:spcBef>
-                <a:spcPts val="0"/>
-              </a:spcBef>
-              <a:buClr>
-                <a:srgbClr val="FF0000"/>
-              </a:buClr>
-              <a:buSzPts val="4000"/>
-              <a:buFont typeface="Arial" panose="020B0604020202020204"/>
-              <a:buNone/>
-            </a:pPr>
-            <a:r>
-              <a:rPr lang="en-US" b="1" dirty="0">
-                <a:solidFill>
-                  <a:srgbClr val="FF0000"/>
-                </a:solidFill>
-                <a:latin typeface="Times New Roman" panose="02020603050405020304"/>
-                <a:ea typeface="Times New Roman" panose="02020603050405020304"/>
-                <a:cs typeface="Times New Roman" panose="02020603050405020304"/>
-                <a:sym typeface="Times New Roman" panose="02020603050405020304"/>
-              </a:rPr>
-              <a:t>END SEMESTER PROJECT REVIEW</a:t>
-            </a:r>
-          </a:p>
-        </p:txBody>
-      </p:sp>
-      <p:sp>
-        <p:nvSpPr>
-          <p:cNvPr id="7" name="Google Shape;85;p13"/>
-          <p:cNvSpPr/>
-          <p:nvPr/>
-        </p:nvSpPr>
-        <p:spPr>
-          <a:xfrm>
-            <a:off x="152400" y="2051009"/>
-            <a:ext cx="9144000" cy="446400"/>
-          </a:xfrm>
-          <a:prstGeom prst="rect">
-            <a:avLst/>
-          </a:prstGeom>
-          <a:noFill/>
-          <a:ln>
-            <a:noFill/>
-          </a:ln>
-        </p:spPr>
-        <p:txBody>
-          <a:bodyPr spcFirstLastPara="1" wrap="square" lIns="91425" tIns="45700" rIns="91425" bIns="45700" anchor="t" anchorCtr="0">
-            <a:spAutoFit/>
-          </a:bodyPr>
-          <a:lstStyle/>
-          <a:p>
-            <a:pPr marL="0" marR="0" lvl="0" indent="0" algn="ctr" rtl="0">
-              <a:lnSpc>
-                <a:spcPct val="100000"/>
-              </a:lnSpc>
-              <a:spcBef>
-                <a:spcPts val="0"/>
-              </a:spcBef>
-              <a:spcAft>
-                <a:spcPts val="0"/>
-              </a:spcAft>
-              <a:buClr>
-                <a:srgbClr val="0F243E"/>
-              </a:buClr>
-              <a:buSzPts val="2300"/>
-              <a:buFont typeface="Times New Roman" panose="02020603050405020304"/>
-              <a:buNone/>
-            </a:pPr>
-            <a:r>
-              <a:rPr lang="en-US" sz="2300" b="1" i="0" u="none" strike="noStrike" cap="none">
-                <a:solidFill>
-                  <a:srgbClr val="0F243E"/>
-                </a:solidFill>
-                <a:effectLst>
-                  <a:reflection blurRad="12700" stA="28000" endPos="45000" dist="1000" dir="5400000" sy="-100000" algn="bl" rotWithShape="0"/>
-                </a:effectLst>
-                <a:latin typeface="Times New Roman" panose="02020603050405020304"/>
-                <a:ea typeface="Times New Roman" panose="02020603050405020304"/>
-                <a:cs typeface="Times New Roman" panose="02020603050405020304"/>
-                <a:sym typeface="Times New Roman" panose="02020603050405020304"/>
-              </a:rPr>
-              <a:t>DEPARTMENT OF COMPUTER SCIENCE AND ENGINEERING</a:t>
-            </a:r>
-          </a:p>
-        </p:txBody>
-      </p:sp>
-      <p:sp>
-        <p:nvSpPr>
-          <p:cNvPr id="8" name="Google Shape;86;p13"/>
-          <p:cNvSpPr txBox="1"/>
-          <p:nvPr/>
-        </p:nvSpPr>
-        <p:spPr>
-          <a:xfrm>
-            <a:off x="0" y="-184150"/>
-            <a:ext cx="184200" cy="368400"/>
-          </a:xfrm>
-          <a:prstGeom prst="rect">
-            <a:avLst/>
-          </a:prstGeom>
-          <a:noFill/>
-          <a:ln>
-            <a:noFill/>
-          </a:ln>
-        </p:spPr>
-        <p:txBody>
-          <a:bodyPr spcFirstLastPara="1" wrap="square" lIns="91425" tIns="45700" rIns="91425" bIns="45700" anchor="ctr" anchorCtr="0">
-            <a:spAutoFit/>
-          </a:bodyPr>
-          <a:lstStyle/>
-          <a:p>
-            <a:pPr marL="0" marR="0" lvl="0" indent="0" algn="l" rtl="0">
-              <a:lnSpc>
-                <a:spcPct val="100000"/>
-              </a:lnSpc>
-              <a:spcBef>
-                <a:spcPts val="0"/>
-              </a:spcBef>
-              <a:spcAft>
-                <a:spcPts val="0"/>
-              </a:spcAft>
-              <a:buNone/>
-            </a:pPr>
-            <a:endParaRPr sz="1800" b="0" i="0" u="none">
-              <a:solidFill>
-                <a:schemeClr val="dk1"/>
-              </a:solidFill>
-              <a:latin typeface="Calibri" panose="020F0502020204030204"/>
-              <a:ea typeface="Calibri" panose="020F0502020204030204"/>
-              <a:cs typeface="Calibri" panose="020F0502020204030204"/>
-              <a:sym typeface="Calibri" panose="020F0502020204030204"/>
-            </a:endParaRPr>
-          </a:p>
-        </p:txBody>
-      </p:sp>
-      <p:pic>
-        <p:nvPicPr>
-          <p:cNvPr id="9" name="Google Shape;88;p13"/>
-          <p:cNvPicPr preferRelativeResize="0"/>
-          <p:nvPr/>
-        </p:nvPicPr>
-        <p:blipFill rotWithShape="1">
-          <a:blip r:embed="rId3"/>
-          <a:srcRect/>
-          <a:stretch>
-            <a:fillRect/>
-          </a:stretch>
-        </p:blipFill>
-        <p:spPr>
-          <a:xfrm>
-            <a:off x="1371600" y="123825"/>
-            <a:ext cx="6400802" cy="1857376"/>
-          </a:xfrm>
-          <a:prstGeom prst="rect">
-            <a:avLst/>
-          </a:prstGeom>
-          <a:noFill/>
-          <a:ln>
-            <a:noFill/>
-          </a:ln>
-        </p:spPr>
-      </p:pic>
-      <p:sp>
-        <p:nvSpPr>
-          <p:cNvPr id="10" name="Google Shape;89;p13"/>
-          <p:cNvSpPr txBox="1"/>
-          <p:nvPr/>
-        </p:nvSpPr>
-        <p:spPr>
-          <a:xfrm>
-            <a:off x="342900" y="4103775"/>
-            <a:ext cx="8458200" cy="1510444"/>
-          </a:xfrm>
-          <a:prstGeom prst="rect">
-            <a:avLst/>
-          </a:prstGeom>
-          <a:noFill/>
-          <a:ln>
-            <a:noFill/>
-          </a:ln>
-        </p:spPr>
-        <p:txBody>
-          <a:bodyPr spcFirstLastPara="1" wrap="square" lIns="91425" tIns="45700" rIns="91425" bIns="45700" anchor="t" anchorCtr="0">
-            <a:noAutofit/>
-          </a:bodyPr>
-          <a:lstStyle/>
-          <a:p>
-            <a:pPr marL="0" marR="0" lvl="0" indent="0" algn="ctr" rtl="0">
-              <a:lnSpc>
-                <a:spcPct val="100000"/>
-              </a:lnSpc>
-              <a:spcBef>
-                <a:spcPts val="0"/>
-              </a:spcBef>
-              <a:spcAft>
-                <a:spcPts val="0"/>
-              </a:spcAft>
-              <a:buClr>
-                <a:srgbClr val="7030A0"/>
-              </a:buClr>
-              <a:buSzPts val="2000"/>
-              <a:buFont typeface="Times New Roman" panose="02020603050405020304"/>
-              <a:buNone/>
-            </a:pPr>
-            <a:r>
-              <a:rPr lang="en-US" sz="1800" i="0" u="none" dirty="0">
-                <a:solidFill>
-                  <a:srgbClr val="7030A0"/>
-                </a:solidFill>
-                <a:latin typeface="Times New Roman" panose="02020603050405020304"/>
-                <a:ea typeface="Times New Roman" panose="02020603050405020304"/>
-                <a:cs typeface="Times New Roman" panose="02020603050405020304"/>
-                <a:sym typeface="Times New Roman" panose="02020603050405020304"/>
-              </a:rPr>
-              <a:t>Presented By</a:t>
-            </a:r>
-          </a:p>
-          <a:p>
-            <a:pPr lvl="0" algn="ctr">
-              <a:buClr>
-                <a:srgbClr val="7030A0"/>
-              </a:buClr>
-              <a:buSzPts val="2000"/>
-            </a:pPr>
-            <a:r>
-              <a:rPr lang="en-US" sz="1800" dirty="0">
-                <a:solidFill>
-                  <a:srgbClr val="7030A0"/>
-                </a:solidFill>
-                <a:latin typeface="Times New Roman" panose="02020603050405020304"/>
-                <a:ea typeface="Times New Roman" panose="02020603050405020304"/>
-                <a:cs typeface="Times New Roman" panose="02020603050405020304"/>
-                <a:sym typeface="Times New Roman" panose="02020603050405020304"/>
-              </a:rPr>
-              <a:t>Batch No: 3</a:t>
-            </a:r>
-          </a:p>
-          <a:p>
-            <a:pPr lvl="0" algn="ctr">
-              <a:buClr>
-                <a:srgbClr val="7030A0"/>
-              </a:buClr>
-              <a:buSzPts val="2000"/>
-            </a:pPr>
-            <a:r>
-              <a:rPr lang="en-US" sz="1800" i="0" u="none" dirty="0">
-                <a:solidFill>
-                  <a:srgbClr val="7030A0"/>
-                </a:solidFill>
-                <a:latin typeface="Times New Roman" panose="02020603050405020304"/>
-                <a:ea typeface="Times New Roman" panose="02020603050405020304"/>
-                <a:cs typeface="Times New Roman" panose="02020603050405020304"/>
-                <a:sym typeface="Times New Roman" panose="02020603050405020304"/>
-              </a:rPr>
-              <a:t>PRANESH S (8115U23CS082)</a:t>
-            </a:r>
-          </a:p>
-          <a:p>
-            <a:pPr lvl="0" algn="ctr">
-              <a:buClr>
-                <a:srgbClr val="7030A0"/>
-              </a:buClr>
-              <a:buSzPts val="2000"/>
-            </a:pPr>
-            <a:r>
-              <a:rPr lang="en-US" sz="1800" dirty="0">
-                <a:solidFill>
-                  <a:srgbClr val="7030A0"/>
-                </a:solidFill>
-                <a:latin typeface="Times New Roman" panose="02020603050405020304"/>
-                <a:ea typeface="Times New Roman" panose="02020603050405020304"/>
-                <a:cs typeface="Times New Roman" panose="02020603050405020304"/>
-                <a:sym typeface="Times New Roman" panose="02020603050405020304"/>
-              </a:rPr>
-              <a:t>MITHUN B (8115U23CS063)</a:t>
-            </a:r>
-          </a:p>
-          <a:p>
-            <a:pPr lvl="0" algn="ctr">
-              <a:buClr>
-                <a:srgbClr val="7030A0"/>
-              </a:buClr>
-              <a:buSzPts val="2000"/>
-            </a:pPr>
-            <a:r>
-              <a:rPr lang="en-US" sz="1800" i="0" u="none" dirty="0">
-                <a:solidFill>
-                  <a:srgbClr val="7030A0"/>
-                </a:solidFill>
-                <a:latin typeface="Times New Roman" panose="02020603050405020304"/>
-                <a:ea typeface="Times New Roman" panose="02020603050405020304"/>
-                <a:cs typeface="Times New Roman" panose="02020603050405020304"/>
-                <a:sym typeface="Times New Roman" panose="02020603050405020304"/>
-              </a:rPr>
-              <a:t>NAVEEN MU (8115U23CS071)</a:t>
-            </a:r>
-            <a:endParaRPr sz="1800" i="0" u="none" dirty="0">
-              <a:solidFill>
-                <a:srgbClr val="7030A0"/>
-              </a:solidFill>
-              <a:latin typeface="Times New Roman" panose="02020603050405020304"/>
-              <a:ea typeface="Times New Roman" panose="02020603050405020304"/>
-              <a:cs typeface="Times New Roman" panose="02020603050405020304"/>
-              <a:sym typeface="Times New Roman" panose="02020603050405020304"/>
-            </a:endParaRPr>
-          </a:p>
-          <a:p>
-            <a:pPr marL="0" marR="0" lvl="0" indent="0" algn="l" rtl="0">
-              <a:lnSpc>
-                <a:spcPct val="100000"/>
-              </a:lnSpc>
-              <a:spcBef>
-                <a:spcPts val="400"/>
-              </a:spcBef>
-              <a:spcAft>
-                <a:spcPts val="0"/>
-              </a:spcAft>
-              <a:buClr>
-                <a:schemeClr val="dk1"/>
-              </a:buClr>
-              <a:buSzPts val="2000"/>
-              <a:buFont typeface="Arial" panose="020B0604020202020204"/>
-              <a:buNone/>
-            </a:pPr>
-            <a:endParaRPr sz="1800" b="0" i="0" u="none" dirty="0">
-              <a:solidFill>
-                <a:srgbClr val="7030A0"/>
-              </a:solidFill>
-              <a:latin typeface="Times New Roman" panose="02020603050405020304"/>
-              <a:ea typeface="Times New Roman" panose="02020603050405020304"/>
-              <a:cs typeface="Times New Roman" panose="02020603050405020304"/>
-              <a:sym typeface="Times New Roman" panose="02020603050405020304"/>
-            </a:endParaRPr>
-          </a:p>
-          <a:p>
-            <a:pPr marL="0" marR="0" lvl="0" indent="0" algn="l" rtl="0">
-              <a:lnSpc>
-                <a:spcPct val="100000"/>
-              </a:lnSpc>
-              <a:spcBef>
-                <a:spcPts val="0"/>
-              </a:spcBef>
-              <a:spcAft>
-                <a:spcPts val="0"/>
-              </a:spcAft>
-              <a:buNone/>
-            </a:pPr>
-            <a:endParaRPr sz="1800" b="0" i="0" u="none" dirty="0">
-              <a:solidFill>
-                <a:srgbClr val="7030A0"/>
-              </a:solidFill>
-              <a:latin typeface="Times New Roman" panose="02020603050405020304"/>
-              <a:ea typeface="Times New Roman" panose="02020603050405020304"/>
-              <a:cs typeface="Times New Roman" panose="02020603050405020304"/>
-              <a:sym typeface="Times New Roman" panose="02020603050405020304"/>
-            </a:endParaRPr>
-          </a:p>
-        </p:txBody>
-      </p:sp>
-      <p:sp>
-        <p:nvSpPr>
-          <p:cNvPr id="2" name="TextBox 1">
-            <a:extLst>
-              <a:ext uri="{FF2B5EF4-FFF2-40B4-BE49-F238E27FC236}">
-                <a16:creationId xmlns:a16="http://schemas.microsoft.com/office/drawing/2014/main" id="{79809E04-F53D-55ED-52A5-C83D45114F5C}"/>
-              </a:ext>
-            </a:extLst>
-          </p:cNvPr>
-          <p:cNvSpPr txBox="1"/>
-          <p:nvPr/>
-        </p:nvSpPr>
-        <p:spPr>
-          <a:xfrm>
-            <a:off x="4834398" y="5578179"/>
-            <a:ext cx="1971368" cy="553998"/>
-          </a:xfrm>
-          <a:prstGeom prst="rect">
-            <a:avLst/>
-          </a:prstGeom>
-          <a:noFill/>
-        </p:spPr>
-        <p:txBody>
-          <a:bodyPr wrap="square" rtlCol="0">
-            <a:spAutoFit/>
-          </a:bodyPr>
-          <a:lstStyle/>
-          <a:p>
-            <a:r>
-              <a:rPr lang="en-US" sz="3000" b="1" dirty="0">
-                <a:latin typeface="Times New Roman" panose="02020603050405020304" pitchFamily="18" charset="0"/>
-                <a:cs typeface="Times New Roman" panose="02020603050405020304" pitchFamily="18" charset="0"/>
-              </a:rPr>
-              <a:t>16.12.2025</a:t>
-            </a:r>
-          </a:p>
-        </p:txBody>
-      </p:sp>
-    </p:spTree>
-  </p:cSld>
-  <p:clrMapOvr>
-    <a:masterClrMapping/>
-  </p:clrMapOvr>
-</p:sld>
-</file>
-
-<file path=ppt/slides/slide10.xml><?xml version="1.0" encoding="utf-8"?>
-<p:sld xmlns:a="http://schemas.openxmlformats.org/drawingml/2006/main" xmlns:r="http://schemas.openxmlformats.org/officeDocument/2006/relationships" xmlns:p="http://schemas.openxmlformats.org/presentationml/2006/main">
-  <p:cSld>
-    <p:spTree>
-      <p:nvGrpSpPr>
-        <p:cNvPr id="1" name="Shape 116"/>
-        <p:cNvGrpSpPr/>
-        <p:nvPr/>
-      </p:nvGrpSpPr>
-      <p:grpSpPr>
-        <a:xfrm>
-          <a:off x="0" y="0"/>
-          <a:ext cx="0" cy="0"/>
-          <a:chOff x="0" y="0"/>
-          <a:chExt cx="0" cy="0"/>
-        </a:xfrm>
-      </p:grpSpPr>
-      <p:sp>
-        <p:nvSpPr>
-          <p:cNvPr id="117" name="Google Shape;117;p18"/>
+          <p:cNvPr id="94" name="Google Shape;94;p14"/>
           <p:cNvSpPr txBox="1">
             <a:spLocks noGrp="1"/>
           </p:cNvSpPr>
           <p:nvPr>
-            <p:ph type="title"/>
+            <p:ph type="ctrTitle"/>
           </p:nvPr>
         </p:nvSpPr>
         <p:spPr>
           <a:xfrm>
-            <a:off x="457200" y="228600"/>
-            <a:ext cx="8229600" cy="1143000"/>
+            <a:off x="609600" y="2057400"/>
+            <a:ext cx="7924800" cy="1470000"/>
           </a:xfrm>
           <a:prstGeom prst="rect">
             <a:avLst/>
@@ -15558,106 +14547,28 @@
                 <a:spcPts val="0"/>
               </a:spcAft>
               <a:buClr>
-                <a:schemeClr val="dk1"/>
-              </a:buClr>
-              <a:buSzPts val="4000"/>
+                <a:srgbClr val="0070C0"/>
+              </a:buClr>
+              <a:buSzPts val="3600"/>
               <a:buFont typeface="Times New Roman" panose="02020603050405020304"/>
               <a:buNone/>
             </a:pPr>
             <a:r>
-              <a:rPr lang="en-US" b="1" dirty="0">
-                <a:latin typeface="Times New Roman" panose="02020603050405020304" pitchFamily="18" charset="0"/>
-                <a:cs typeface="Times New Roman" panose="02020603050405020304" pitchFamily="18" charset="0"/>
+              <a:rPr lang="en-US" sz="3600" b="1" dirty="0">
+                <a:solidFill>
+                  <a:srgbClr val="0070C0"/>
+                </a:solidFill>
+                <a:latin typeface="Times New Roman" panose="02020603050405020304"/>
+                <a:ea typeface="Times New Roman" panose="02020603050405020304"/>
+                <a:cs typeface="Times New Roman" panose="02020603050405020304"/>
+                <a:sym typeface="Times New Roman" panose="02020603050405020304"/>
               </a:rPr>
-              <a:t>UML Design</a:t>
+              <a:t> ONLINE VOTING SYSTEM </a:t>
             </a:r>
-            <a:endParaRPr b="1" dirty="0">
-              <a:latin typeface="Times New Roman" panose="02020603050405020304" pitchFamily="18" charset="0"/>
-              <a:cs typeface="Times New Roman" panose="02020603050405020304" pitchFamily="18" charset="0"/>
-            </a:endParaRPr>
+            <a:endParaRPr b="1" dirty="0"/>
           </a:p>
         </p:txBody>
       </p:sp>
-      <p:sp>
-        <p:nvSpPr>
-          <p:cNvPr id="118" name="Google Shape;118;p18"/>
-          <p:cNvSpPr txBox="1">
-            <a:spLocks noGrp="1"/>
-          </p:cNvSpPr>
-          <p:nvPr>
-            <p:ph type="body" idx="1"/>
-          </p:nvPr>
-        </p:nvSpPr>
-        <p:spPr>
-          <a:xfrm>
-            <a:off x="457200" y="1179830"/>
-            <a:ext cx="3388360" cy="536575"/>
-          </a:xfrm>
-          <a:prstGeom prst="rect">
-            <a:avLst/>
-          </a:prstGeom>
-          <a:noFill/>
-          <a:ln>
-            <a:noFill/>
-          </a:ln>
-        </p:spPr>
-        <p:txBody>
-          <a:bodyPr spcFirstLastPara="1" wrap="square" lIns="91425" tIns="45700" rIns="91425" bIns="45700" anchor="t" anchorCtr="0">
-            <a:noAutofit/>
-          </a:bodyPr>
-          <a:lstStyle/>
-          <a:p>
-            <a:pPr marL="0" marR="0" lvl="0" indent="0" algn="ctr" rtl="0">
-              <a:lnSpc>
-                <a:spcPct val="100000"/>
-              </a:lnSpc>
-              <a:spcBef>
-                <a:spcPts val="640"/>
-              </a:spcBef>
-              <a:spcAft>
-                <a:spcPts val="0"/>
-              </a:spcAft>
-              <a:buClr>
-                <a:schemeClr val="dk1"/>
-              </a:buClr>
-              <a:buSzPts val="3200"/>
-              <a:buFont typeface="Arial" panose="020B0604020202020204"/>
-              <a:buNone/>
-            </a:pPr>
-            <a:r>
-              <a:rPr lang="en-US" sz="2500" b="1" dirty="0">
-                <a:latin typeface="Times New Roman" panose="02020603050405020304" pitchFamily="18" charset="0"/>
-                <a:cs typeface="Times New Roman" panose="02020603050405020304" pitchFamily="18" charset="0"/>
-              </a:rPr>
-              <a:t>Use Case Diagram</a:t>
-            </a:r>
-          </a:p>
-        </p:txBody>
-      </p:sp>
-      <p:pic>
-        <p:nvPicPr>
-          <p:cNvPr id="2" name="Picture 1"/>
-          <p:cNvPicPr>
-            <a:picLocks noChangeAspect="1"/>
-          </p:cNvPicPr>
-          <p:nvPr/>
-        </p:nvPicPr>
-        <p:blipFill>
-          <a:blip r:embed="rId3"/>
-          <a:stretch>
-            <a:fillRect/>
-          </a:stretch>
-        </p:blipFill>
-        <p:spPr>
-          <a:xfrm>
-            <a:off x="1156335" y="1821815"/>
-            <a:ext cx="7193280" cy="4040505"/>
-          </a:xfrm>
-          <a:prstGeom prst="rect">
-            <a:avLst/>
-          </a:prstGeom>
-        </p:spPr>
-      </p:pic>
     </p:spTree>
   </p:cSld>
   <p:clrMapOvr>
@@ -15666,7 +14577,7 @@
 </p:sld>
 </file>
 
-<file path=ppt/slides/slide11.xml><?xml version="1.0" encoding="utf-8"?>
+<file path=ppt/slides/slide10.xml><?xml version="1.0" encoding="utf-8"?>
 <p:sld xmlns:a="http://schemas.openxmlformats.org/drawingml/2006/main" xmlns:r="http://schemas.openxmlformats.org/officeDocument/2006/relationships" xmlns:p="http://schemas.openxmlformats.org/presentationml/2006/main">
   <p:cSld>
     <p:spTree>
@@ -15712,6 +14623,10 @@
               </a:rPr>
               <a:t>Class Diagram</a:t>
             </a:r>
+            <a:endParaRPr lang="en-US" sz="2500" b="1">
+              <a:latin typeface="Times New Roman" panose="02020603050405020304" pitchFamily="18" charset="0"/>
+              <a:cs typeface="Times New Roman" panose="02020603050405020304" pitchFamily="18" charset="0"/>
+            </a:endParaRPr>
           </a:p>
         </p:txBody>
       </p:sp>
@@ -15724,7 +14639,7 @@
           <p:nvPr/>
         </p:nvPicPr>
         <p:blipFill>
-          <a:blip r:embed="rId2"/>
+          <a:blip r:embed="rId1"/>
           <a:stretch>
             <a:fillRect/>
           </a:stretch>
@@ -15733,6 +14648,91 @@
           <a:xfrm>
             <a:off x="1022350" y="1247140"/>
             <a:ext cx="7002780" cy="5058410"/>
+          </a:xfrm>
+          <a:prstGeom prst="rect">
+            <a:avLst/>
+          </a:prstGeom>
+        </p:spPr>
+      </p:pic>
+    </p:spTree>
+  </p:cSld>
+  <p:clrMapOvr>
+    <a:masterClrMapping/>
+  </p:clrMapOvr>
+</p:sld>
+</file>
+
+<file path=ppt/slides/slide11.xml><?xml version="1.0" encoding="utf-8"?>
+<p:sld xmlns:a="http://schemas.openxmlformats.org/drawingml/2006/main" xmlns:r="http://schemas.openxmlformats.org/officeDocument/2006/relationships" xmlns:p="http://schemas.openxmlformats.org/presentationml/2006/main">
+  <p:cSld>
+    <p:spTree>
+      <p:nvGrpSpPr>
+        <p:cNvPr id="1" name=""/>
+        <p:cNvGrpSpPr/>
+        <p:nvPr/>
+      </p:nvGrpSpPr>
+      <p:grpSpPr>
+        <a:xfrm>
+          <a:off x="0" y="0"/>
+          <a:ext cx="0" cy="0"/>
+          <a:chOff x="0" y="0"/>
+          <a:chExt cx="0" cy="0"/>
+        </a:xfrm>
+      </p:grpSpPr>
+      <p:sp>
+        <p:nvSpPr>
+          <p:cNvPr id="4" name="Text Box 3"/>
+          <p:cNvSpPr txBox="1"/>
+          <p:nvPr/>
+        </p:nvSpPr>
+        <p:spPr>
+          <a:xfrm>
+            <a:off x="588010" y="530225"/>
+            <a:ext cx="2844800" cy="475615"/>
+          </a:xfrm>
+          <a:prstGeom prst="rect">
+            <a:avLst/>
+          </a:prstGeom>
+          <a:noFill/>
+        </p:spPr>
+        <p:txBody>
+          <a:bodyPr wrap="square" rtlCol="0">
+            <a:spAutoFit/>
+          </a:bodyPr>
+          <a:lstStyle/>
+          <a:p>
+            <a:r>
+              <a:rPr lang="en-US" sz="2500" b="1">
+                <a:latin typeface="Times New Roman" panose="02020603050405020304" pitchFamily="18" charset="0"/>
+                <a:cs typeface="Times New Roman" panose="02020603050405020304" pitchFamily="18" charset="0"/>
+              </a:rPr>
+              <a:t>Activity Diagram</a:t>
+            </a:r>
+            <a:endParaRPr lang="en-US" sz="2500" b="1">
+              <a:latin typeface="Times New Roman" panose="02020603050405020304" pitchFamily="18" charset="0"/>
+              <a:cs typeface="Times New Roman" panose="02020603050405020304" pitchFamily="18" charset="0"/>
+            </a:endParaRPr>
+          </a:p>
+        </p:txBody>
+      </p:sp>
+      <p:pic>
+        <p:nvPicPr>
+          <p:cNvPr id="5" name="Picture 4"/>
+          <p:cNvPicPr>
+            <a:picLocks noChangeAspect="1"/>
+          </p:cNvPicPr>
+          <p:nvPr/>
+        </p:nvPicPr>
+        <p:blipFill>
+          <a:blip r:embed="rId1"/>
+          <a:stretch>
+            <a:fillRect/>
+          </a:stretch>
+        </p:blipFill>
+        <p:spPr>
+          <a:xfrm>
+            <a:off x="666750" y="1095375"/>
+            <a:ext cx="7414895" cy="5034915"/>
           </a:xfrm>
           <a:prstGeom prst="rect">
             <a:avLst/>
@@ -15791,8 +14791,12 @@
                 <a:latin typeface="Times New Roman" panose="02020603050405020304" pitchFamily="18" charset="0"/>
                 <a:cs typeface="Times New Roman" panose="02020603050405020304" pitchFamily="18" charset="0"/>
               </a:rPr>
-              <a:t>Activity Diagram</a:t>
+              <a:t>Sequence Diagram</a:t>
             </a:r>
+            <a:endParaRPr lang="en-US" sz="2500" b="1">
+              <a:latin typeface="Times New Roman" panose="02020603050405020304" pitchFamily="18" charset="0"/>
+              <a:cs typeface="Times New Roman" panose="02020603050405020304" pitchFamily="18" charset="0"/>
+            </a:endParaRPr>
           </a:p>
         </p:txBody>
       </p:sp>
@@ -15805,15 +14809,15 @@
           <p:nvPr/>
         </p:nvPicPr>
         <p:blipFill>
-          <a:blip r:embed="rId2"/>
+          <a:blip r:embed="rId1"/>
           <a:stretch>
             <a:fillRect/>
           </a:stretch>
         </p:blipFill>
         <p:spPr>
           <a:xfrm>
-            <a:off x="666750" y="1095375"/>
-            <a:ext cx="7414895" cy="5034915"/>
+            <a:off x="588010" y="1098550"/>
+            <a:ext cx="8032750" cy="5171440"/>
           </a:xfrm>
           <a:prstGeom prst="rect">
             <a:avLst/>
@@ -15854,7 +14858,7 @@
         <p:spPr>
           <a:xfrm>
             <a:off x="588010" y="530225"/>
-            <a:ext cx="2844800" cy="475615"/>
+            <a:ext cx="3693795" cy="475615"/>
           </a:xfrm>
           <a:prstGeom prst="rect">
             <a:avLst/>
@@ -15872,8 +14876,12 @@
                 <a:latin typeface="Times New Roman" panose="02020603050405020304" pitchFamily="18" charset="0"/>
                 <a:cs typeface="Times New Roman" panose="02020603050405020304" pitchFamily="18" charset="0"/>
               </a:rPr>
-              <a:t>Sequence Diagram</a:t>
+              <a:t>Collaboration Diagram</a:t>
             </a:r>
+            <a:endParaRPr lang="en-US" sz="2500" b="1">
+              <a:latin typeface="Times New Roman" panose="02020603050405020304" pitchFamily="18" charset="0"/>
+              <a:cs typeface="Times New Roman" panose="02020603050405020304" pitchFamily="18" charset="0"/>
+            </a:endParaRPr>
           </a:p>
         </p:txBody>
       </p:sp>
@@ -15886,15 +14894,15 @@
           <p:nvPr/>
         </p:nvPicPr>
         <p:blipFill>
-          <a:blip r:embed="rId2"/>
+          <a:blip r:embed="rId1"/>
           <a:stretch>
             <a:fillRect/>
           </a:stretch>
         </p:blipFill>
         <p:spPr>
           <a:xfrm>
-            <a:off x="588010" y="1098550"/>
-            <a:ext cx="8032750" cy="5171440"/>
+            <a:off x="895350" y="1290320"/>
+            <a:ext cx="7642225" cy="4777740"/>
           </a:xfrm>
           <a:prstGeom prst="rect">
             <a:avLst/>
@@ -15953,29 +14961,32 @@
                 <a:latin typeface="Times New Roman" panose="02020603050405020304" pitchFamily="18" charset="0"/>
                 <a:cs typeface="Times New Roman" panose="02020603050405020304" pitchFamily="18" charset="0"/>
               </a:rPr>
-              <a:t>Collaboration Diagram</a:t>
+              <a:t>State Chart Diagram</a:t>
             </a:r>
+            <a:endParaRPr lang="en-US" sz="2500" b="1">
+              <a:latin typeface="Times New Roman" panose="02020603050405020304" pitchFamily="18" charset="0"/>
+              <a:cs typeface="Times New Roman" panose="02020603050405020304" pitchFamily="18" charset="0"/>
+            </a:endParaRPr>
           </a:p>
         </p:txBody>
       </p:sp>
       <p:pic>
         <p:nvPicPr>
           <p:cNvPr id="5" name="Picture 4"/>
-          <p:cNvPicPr>
-            <a:picLocks noChangeAspect="1"/>
-          </p:cNvPicPr>
+          <p:cNvPicPr/>
           <p:nvPr/>
         </p:nvPicPr>
         <p:blipFill>
-          <a:blip r:embed="rId2"/>
+          <a:blip r:embed="rId1"/>
+          <a:srcRect l="3627" t="2047" r="4979" b="1433"/>
           <a:stretch>
             <a:fillRect/>
           </a:stretch>
         </p:blipFill>
         <p:spPr>
           <a:xfrm>
-            <a:off x="895350" y="1290320"/>
-            <a:ext cx="7642225" cy="4777740"/>
+            <a:off x="2383155" y="1108075"/>
+            <a:ext cx="4848860" cy="4791075"/>
           </a:xfrm>
           <a:prstGeom prst="rect">
             <a:avLst/>
@@ -16034,28 +15045,33 @@
                 <a:latin typeface="Times New Roman" panose="02020603050405020304" pitchFamily="18" charset="0"/>
                 <a:cs typeface="Times New Roman" panose="02020603050405020304" pitchFamily="18" charset="0"/>
               </a:rPr>
-              <a:t>State Chart Diagram</a:t>
+              <a:t>Component Diagram</a:t>
             </a:r>
+            <a:endParaRPr lang="en-US" sz="2500" b="1">
+              <a:latin typeface="Times New Roman" panose="02020603050405020304" pitchFamily="18" charset="0"/>
+              <a:cs typeface="Times New Roman" panose="02020603050405020304" pitchFamily="18" charset="0"/>
+            </a:endParaRPr>
           </a:p>
         </p:txBody>
       </p:sp>
       <p:pic>
         <p:nvPicPr>
-          <p:cNvPr id="5" name="Picture 4"/>
-          <p:cNvPicPr/>
+          <p:cNvPr id="6" name="Picture 5"/>
+          <p:cNvPicPr>
+            <a:picLocks noChangeAspect="1"/>
+          </p:cNvPicPr>
           <p:nvPr/>
         </p:nvPicPr>
         <p:blipFill>
-          <a:blip r:embed="rId2"/>
-          <a:srcRect l="3627" t="2047" r="4979" b="1433"/>
+          <a:blip r:embed="rId1"/>
           <a:stretch>
             <a:fillRect/>
           </a:stretch>
         </p:blipFill>
         <p:spPr>
           <a:xfrm>
-            <a:off x="2383155" y="1108075"/>
-            <a:ext cx="4848860" cy="4791075"/>
+            <a:off x="1800225" y="971550"/>
+            <a:ext cx="6075045" cy="5342255"/>
           </a:xfrm>
           <a:prstGeom prst="rect">
             <a:avLst/>
@@ -16114,29 +15130,33 @@
                 <a:latin typeface="Times New Roman" panose="02020603050405020304" pitchFamily="18" charset="0"/>
                 <a:cs typeface="Times New Roman" panose="02020603050405020304" pitchFamily="18" charset="0"/>
               </a:rPr>
-              <a:t>Component Diagram</a:t>
+              <a:t>Deployement Diagram</a:t>
             </a:r>
+            <a:endParaRPr lang="en-US" sz="2500" b="1">
+              <a:latin typeface="Times New Roman" panose="02020603050405020304" pitchFamily="18" charset="0"/>
+              <a:cs typeface="Times New Roman" panose="02020603050405020304" pitchFamily="18" charset="0"/>
+            </a:endParaRPr>
           </a:p>
         </p:txBody>
       </p:sp>
       <p:pic>
         <p:nvPicPr>
-          <p:cNvPr id="6" name="Picture 5"/>
+          <p:cNvPr id="5" name="Picture 4"/>
           <p:cNvPicPr>
             <a:picLocks noChangeAspect="1"/>
           </p:cNvPicPr>
           <p:nvPr/>
         </p:nvPicPr>
         <p:blipFill>
-          <a:blip r:embed="rId2"/>
+          <a:blip r:embed="rId1"/>
           <a:stretch>
             <a:fillRect/>
           </a:stretch>
         </p:blipFill>
         <p:spPr>
           <a:xfrm>
-            <a:off x="1800225" y="971550"/>
-            <a:ext cx="6075045" cy="5342255"/>
+            <a:off x="1852295" y="1243965"/>
+            <a:ext cx="6382385" cy="5494655"/>
           </a:xfrm>
           <a:prstGeom prst="rect">
             <a:avLst/>
@@ -16195,8 +15215,12 @@
                 <a:latin typeface="Times New Roman" panose="02020603050405020304" pitchFamily="18" charset="0"/>
                 <a:cs typeface="Times New Roman" panose="02020603050405020304" pitchFamily="18" charset="0"/>
               </a:rPr>
-              <a:t>Deployement Diagram</a:t>
+              <a:t>Package Diagram</a:t>
             </a:r>
+            <a:endParaRPr lang="en-US" sz="2500" b="1">
+              <a:latin typeface="Times New Roman" panose="02020603050405020304" pitchFamily="18" charset="0"/>
+              <a:cs typeface="Times New Roman" panose="02020603050405020304" pitchFamily="18" charset="0"/>
+            </a:endParaRPr>
           </a:p>
         </p:txBody>
       </p:sp>
@@ -16209,88 +15233,7 @@
           <p:nvPr/>
         </p:nvPicPr>
         <p:blipFill>
-          <a:blip r:embed="rId2"/>
-          <a:stretch>
-            <a:fillRect/>
-          </a:stretch>
-        </p:blipFill>
-        <p:spPr>
-          <a:xfrm>
-            <a:off x="1852295" y="1243965"/>
-            <a:ext cx="6382385" cy="5494655"/>
-          </a:xfrm>
-          <a:prstGeom prst="rect">
-            <a:avLst/>
-          </a:prstGeom>
-        </p:spPr>
-      </p:pic>
-    </p:spTree>
-  </p:cSld>
-  <p:clrMapOvr>
-    <a:masterClrMapping/>
-  </p:clrMapOvr>
-</p:sld>
-</file>
-
-<file path=ppt/slides/slide18.xml><?xml version="1.0" encoding="utf-8"?>
-<p:sld xmlns:a="http://schemas.openxmlformats.org/drawingml/2006/main" xmlns:r="http://schemas.openxmlformats.org/officeDocument/2006/relationships" xmlns:p="http://schemas.openxmlformats.org/presentationml/2006/main">
-  <p:cSld>
-    <p:spTree>
-      <p:nvGrpSpPr>
-        <p:cNvPr id="1" name=""/>
-        <p:cNvGrpSpPr/>
-        <p:nvPr/>
-      </p:nvGrpSpPr>
-      <p:grpSpPr>
-        <a:xfrm>
-          <a:off x="0" y="0"/>
-          <a:ext cx="0" cy="0"/>
-          <a:chOff x="0" y="0"/>
-          <a:chExt cx="0" cy="0"/>
-        </a:xfrm>
-      </p:grpSpPr>
-      <p:sp>
-        <p:nvSpPr>
-          <p:cNvPr id="4" name="Text Box 3"/>
-          <p:cNvSpPr txBox="1"/>
-          <p:nvPr/>
-        </p:nvSpPr>
-        <p:spPr>
-          <a:xfrm>
-            <a:off x="588010" y="530225"/>
-            <a:ext cx="3693795" cy="475615"/>
-          </a:xfrm>
-          <a:prstGeom prst="rect">
-            <a:avLst/>
-          </a:prstGeom>
-          <a:noFill/>
-        </p:spPr>
-        <p:txBody>
-          <a:bodyPr wrap="square" rtlCol="0">
-            <a:spAutoFit/>
-          </a:bodyPr>
-          <a:lstStyle/>
-          <a:p>
-            <a:r>
-              <a:rPr lang="en-US" sz="2500" b="1">
-                <a:latin typeface="Times New Roman" panose="02020603050405020304" pitchFamily="18" charset="0"/>
-                <a:cs typeface="Times New Roman" panose="02020603050405020304" pitchFamily="18" charset="0"/>
-              </a:rPr>
-              <a:t>Package Diagram</a:t>
-            </a:r>
-          </a:p>
-        </p:txBody>
-      </p:sp>
-      <p:pic>
-        <p:nvPicPr>
-          <p:cNvPr id="5" name="Picture 4"/>
-          <p:cNvPicPr>
-            <a:picLocks noChangeAspect="1"/>
-          </p:cNvPicPr>
-          <p:nvPr/>
-        </p:nvPicPr>
-        <p:blipFill>
-          <a:blip r:embed="rId2"/>
+          <a:blip r:embed="rId1"/>
           <a:stretch>
             <a:fillRect/>
           </a:stretch>
@@ -16313,7 +15256,7 @@
 </p:sld>
 </file>
 
-<file path=ppt/slides/slide19.xml><?xml version="1.0" encoding="utf-8"?>
+<file path=ppt/slides/slide18.xml><?xml version="1.0" encoding="utf-8"?>
 <p:sld xmlns:a="http://schemas.openxmlformats.org/drawingml/2006/main" xmlns:r="http://schemas.openxmlformats.org/officeDocument/2006/relationships" xmlns:p="http://schemas.openxmlformats.org/presentationml/2006/main">
   <p:cSld>
     <p:spTree>
@@ -16418,6 +15361,10 @@
               </a:rPr>
               <a:t>1. User Registration &amp; Authentication</a:t>
             </a:r>
+            <a:endParaRPr lang="en-US" altLang="en-US" sz="2500" b="1">
+              <a:latin typeface="Times New Roman" panose="02020603050405020304" pitchFamily="18" charset="0"/>
+              <a:cs typeface="Times New Roman" panose="02020603050405020304" pitchFamily="18" charset="0"/>
+            </a:endParaRPr>
           </a:p>
           <a:p>
             <a:pPr algn="just"/>
@@ -16554,6 +15501,10 @@
               </a:rPr>
               <a:t>2. Candidate Management</a:t>
             </a:r>
+            <a:endParaRPr lang="en-US" altLang="en-US" sz="2500" b="1">
+              <a:latin typeface="Times New Roman" panose="02020603050405020304" pitchFamily="18" charset="0"/>
+              <a:cs typeface="Times New Roman" panose="02020603050405020304" pitchFamily="18" charset="0"/>
+            </a:endParaRPr>
           </a:p>
           <a:p>
             <a:pPr algn="just"/>
@@ -16574,6 +15525,10 @@
               </a:rPr>
               <a:t>Adds and updates candidates</a:t>
             </a:r>
+            <a:endParaRPr lang="en-US" altLang="en-US" sz="2500">
+              <a:latin typeface="Times New Roman" panose="02020603050405020304" pitchFamily="18" charset="0"/>
+              <a:cs typeface="Times New Roman" panose="02020603050405020304" pitchFamily="18" charset="0"/>
+            </a:endParaRPr>
           </a:p>
           <a:p>
             <a:pPr marL="342900" indent="-342900" algn="just">
@@ -16597,6 +15552,10 @@
               </a:rPr>
               <a:t>Prevents duplicate entries</a:t>
             </a:r>
+            <a:endParaRPr lang="en-US" altLang="en-US" sz="2500">
+              <a:latin typeface="Times New Roman" panose="02020603050405020304" pitchFamily="18" charset="0"/>
+              <a:cs typeface="Times New Roman" panose="02020603050405020304" pitchFamily="18" charset="0"/>
+            </a:endParaRPr>
           </a:p>
           <a:p>
             <a:pPr marL="342900" indent="-342900" algn="just">
@@ -16620,6 +15579,10 @@
               </a:rPr>
               <a:t>Displays candidate details</a:t>
             </a:r>
+            <a:endParaRPr lang="en-US" altLang="en-US" sz="2500">
+              <a:latin typeface="Times New Roman" panose="02020603050405020304" pitchFamily="18" charset="0"/>
+              <a:cs typeface="Times New Roman" panose="02020603050405020304" pitchFamily="18" charset="0"/>
+            </a:endParaRPr>
           </a:p>
         </p:txBody>
       </p:sp>
@@ -16631,94 +15594,7 @@
 </p:sld>
 </file>
 
-<file path=ppt/slides/slide2.xml><?xml version="1.0" encoding="utf-8"?>
-<p:sld xmlns:a="http://schemas.openxmlformats.org/drawingml/2006/main" xmlns:r="http://schemas.openxmlformats.org/officeDocument/2006/relationships" xmlns:p="http://schemas.openxmlformats.org/presentationml/2006/main">
-  <p:cSld>
-    <p:spTree>
-      <p:nvGrpSpPr>
-        <p:cNvPr id="1" name="Shape 93"/>
-        <p:cNvGrpSpPr/>
-        <p:nvPr/>
-      </p:nvGrpSpPr>
-      <p:grpSpPr>
-        <a:xfrm>
-          <a:off x="0" y="0"/>
-          <a:ext cx="0" cy="0"/>
-          <a:chOff x="0" y="0"/>
-          <a:chExt cx="0" cy="0"/>
-        </a:xfrm>
-      </p:grpSpPr>
-      <p:sp>
-        <p:nvSpPr>
-          <p:cNvPr id="94" name="Google Shape;94;p14"/>
-          <p:cNvSpPr txBox="1">
-            <a:spLocks noGrp="1"/>
-          </p:cNvSpPr>
-          <p:nvPr>
-            <p:ph type="ctrTitle"/>
-          </p:nvPr>
-        </p:nvSpPr>
-        <p:spPr>
-          <a:xfrm>
-            <a:off x="609600" y="2057400"/>
-            <a:ext cx="7924800" cy="1470000"/>
-          </a:xfrm>
-          <a:prstGeom prst="rect">
-            <a:avLst/>
-          </a:prstGeom>
-          <a:noFill/>
-          <a:ln>
-            <a:noFill/>
-          </a:ln>
-        </p:spPr>
-        <p:txBody>
-          <a:bodyPr spcFirstLastPara="1" wrap="square" lIns="91425" tIns="45700" rIns="91425" bIns="45700" anchor="ctr" anchorCtr="0">
-            <a:noAutofit/>
-          </a:bodyPr>
-          <a:lstStyle/>
-          <a:p>
-            <a:pPr marL="0" lvl="0" indent="0" algn="ctr" rtl="0">
-              <a:lnSpc>
-                <a:spcPct val="100000"/>
-              </a:lnSpc>
-              <a:spcBef>
-                <a:spcPts val="0"/>
-              </a:spcBef>
-              <a:spcAft>
-                <a:spcPts val="0"/>
-              </a:spcAft>
-              <a:buClr>
-                <a:srgbClr val="0070C0"/>
-              </a:buClr>
-              <a:buSzPts val="3600"/>
-              <a:buFont typeface="Times New Roman" panose="02020603050405020304"/>
-              <a:buNone/>
-            </a:pPr>
-            <a:r>
-              <a:rPr lang="en-US" sz="3600" b="1" dirty="0">
-                <a:solidFill>
-                  <a:srgbClr val="0070C0"/>
-                </a:solidFill>
-                <a:latin typeface="Times New Roman" panose="02020603050405020304"/>
-                <a:ea typeface="Times New Roman" panose="02020603050405020304"/>
-                <a:cs typeface="Times New Roman" panose="02020603050405020304"/>
-                <a:sym typeface="Times New Roman" panose="02020603050405020304"/>
-              </a:rPr>
-              <a:t> ONLINE VOTING SYSTEM </a:t>
-            </a:r>
-            <a:endParaRPr b="1" dirty="0"/>
-          </a:p>
-        </p:txBody>
-      </p:sp>
-    </p:spTree>
-  </p:cSld>
-  <p:clrMapOvr>
-    <a:masterClrMapping/>
-  </p:clrMapOvr>
-</p:sld>
-</file>
-
-<file path=ppt/slides/slide20.xml><?xml version="1.0" encoding="utf-8"?>
+<file path=ppt/slides/slide19.xml><?xml version="1.0" encoding="utf-8"?>
 <p:sld xmlns:a="http://schemas.openxmlformats.org/drawingml/2006/main" xmlns:r="http://schemas.openxmlformats.org/officeDocument/2006/relationships" xmlns:p="http://schemas.openxmlformats.org/presentationml/2006/main">
   <p:cSld>
     <p:spTree>
@@ -16765,6 +15641,10 @@
               </a:rPr>
               <a:t>3. Voting Module</a:t>
             </a:r>
+            <a:endParaRPr lang="en-US" altLang="en-US" sz="2500" b="1">
+              <a:latin typeface="Times New Roman" panose="02020603050405020304" pitchFamily="18" charset="0"/>
+              <a:cs typeface="Times New Roman" panose="02020603050405020304" pitchFamily="18" charset="0"/>
+            </a:endParaRPr>
           </a:p>
           <a:p>
             <a:pPr algn="just"/>
@@ -16785,6 +15665,10 @@
               </a:rPr>
               <a:t>Allows secure voting</a:t>
             </a:r>
+            <a:endParaRPr lang="en-US" altLang="en-US" sz="2500">
+              <a:latin typeface="Times New Roman" panose="02020603050405020304" pitchFamily="18" charset="0"/>
+              <a:cs typeface="Times New Roman" panose="02020603050405020304" pitchFamily="18" charset="0"/>
+            </a:endParaRPr>
           </a:p>
           <a:p>
             <a:pPr marL="342900" indent="-342900" algn="just">
@@ -16808,6 +15692,10 @@
               </a:rPr>
               <a:t>Restricts multiple votes</a:t>
             </a:r>
+            <a:endParaRPr lang="en-US" altLang="en-US" sz="2500">
+              <a:latin typeface="Times New Roman" panose="02020603050405020304" pitchFamily="18" charset="0"/>
+              <a:cs typeface="Times New Roman" panose="02020603050405020304" pitchFamily="18" charset="0"/>
+            </a:endParaRPr>
           </a:p>
           <a:p>
             <a:pPr marL="342900" indent="-342900" algn="just">
@@ -16831,6 +15719,10 @@
               </a:rPr>
               <a:t>Stores encrypted votes</a:t>
             </a:r>
+            <a:endParaRPr lang="en-US" altLang="en-US" sz="2500">
+              <a:latin typeface="Times New Roman" panose="02020603050405020304" pitchFamily="18" charset="0"/>
+              <a:cs typeface="Times New Roman" panose="02020603050405020304" pitchFamily="18" charset="0"/>
+            </a:endParaRPr>
           </a:p>
         </p:txBody>
       </p:sp>
@@ -16864,6 +15756,10 @@
               </a:rPr>
               <a:t>4. Result Calculation</a:t>
             </a:r>
+            <a:endParaRPr lang="en-US" altLang="en-US" sz="2500" b="1">
+              <a:latin typeface="Times New Roman" panose="02020603050405020304" pitchFamily="18" charset="0"/>
+              <a:cs typeface="Times New Roman" panose="02020603050405020304" pitchFamily="18" charset="0"/>
+            </a:endParaRPr>
           </a:p>
           <a:p>
             <a:pPr algn="just"/>
@@ -16884,6 +15780,10 @@
               </a:rPr>
               <a:t>Counts votes automatically</a:t>
             </a:r>
+            <a:endParaRPr lang="en-US" altLang="en-US" sz="2500">
+              <a:latin typeface="Times New Roman" panose="02020603050405020304" pitchFamily="18" charset="0"/>
+              <a:cs typeface="Times New Roman" panose="02020603050405020304" pitchFamily="18" charset="0"/>
+            </a:endParaRPr>
           </a:p>
           <a:p>
             <a:pPr marL="342900" indent="-342900" algn="just">
@@ -16907,6 +15807,10 @@
               </a:rPr>
               <a:t>Generates accurate results</a:t>
             </a:r>
+            <a:endParaRPr lang="en-US" altLang="en-US" sz="2500">
+              <a:latin typeface="Times New Roman" panose="02020603050405020304" pitchFamily="18" charset="0"/>
+              <a:cs typeface="Times New Roman" panose="02020603050405020304" pitchFamily="18" charset="0"/>
+            </a:endParaRPr>
           </a:p>
           <a:p>
             <a:pPr marL="342900" indent="-342900" algn="just">
@@ -16930,6 +15834,10 @@
               </a:rPr>
               <a:t>Supports result export</a:t>
             </a:r>
+            <a:endParaRPr lang="en-US" altLang="en-US" sz="2500">
+              <a:latin typeface="Times New Roman" panose="02020603050405020304" pitchFamily="18" charset="0"/>
+              <a:cs typeface="Times New Roman" panose="02020603050405020304" pitchFamily="18" charset="0"/>
+            </a:endParaRPr>
           </a:p>
         </p:txBody>
       </p:sp>
@@ -16941,7 +15849,198 @@
 </p:sld>
 </file>
 
-<file path=ppt/slides/slide21.xml><?xml version="1.0" encoding="utf-8"?>
+<file path=ppt/slides/slide2.xml><?xml version="1.0" encoding="utf-8"?>
+<p:sld xmlns:a="http://schemas.openxmlformats.org/drawingml/2006/main" xmlns:r="http://schemas.openxmlformats.org/officeDocument/2006/relationships" xmlns:p="http://schemas.openxmlformats.org/presentationml/2006/main">
+  <p:cSld>
+    <p:spTree>
+      <p:nvGrpSpPr>
+        <p:cNvPr id="1" name="Shape 98"/>
+        <p:cNvGrpSpPr/>
+        <p:nvPr/>
+      </p:nvGrpSpPr>
+      <p:grpSpPr>
+        <a:xfrm>
+          <a:off x="0" y="0"/>
+          <a:ext cx="0" cy="0"/>
+          <a:chOff x="0" y="0"/>
+          <a:chExt cx="0" cy="0"/>
+        </a:xfrm>
+      </p:grpSpPr>
+      <p:sp>
+        <p:nvSpPr>
+          <p:cNvPr id="99" name="Google Shape;99;p15"/>
+          <p:cNvSpPr txBox="1">
+            <a:spLocks noGrp="1"/>
+          </p:cNvSpPr>
+          <p:nvPr>
+            <p:ph type="title"/>
+          </p:nvPr>
+        </p:nvSpPr>
+        <p:spPr>
+          <a:xfrm>
+            <a:off x="457200" y="274637"/>
+            <a:ext cx="8229600" cy="1143000"/>
+          </a:xfrm>
+          <a:prstGeom prst="rect">
+            <a:avLst/>
+          </a:prstGeom>
+          <a:noFill/>
+          <a:ln>
+            <a:noFill/>
+          </a:ln>
+        </p:spPr>
+        <p:txBody>
+          <a:bodyPr spcFirstLastPara="1" wrap="square" lIns="91425" tIns="45700" rIns="91425" bIns="45700" anchor="ctr" anchorCtr="0">
+            <a:noAutofit/>
+          </a:bodyPr>
+          <a:lstStyle/>
+          <a:p>
+            <a:pPr marL="0" lvl="0" indent="0" algn="ctr" rtl="0">
+              <a:lnSpc>
+                <a:spcPct val="100000"/>
+              </a:lnSpc>
+              <a:spcBef>
+                <a:spcPts val="0"/>
+              </a:spcBef>
+              <a:spcAft>
+                <a:spcPts val="0"/>
+              </a:spcAft>
+              <a:buClr>
+                <a:schemeClr val="dk1"/>
+              </a:buClr>
+              <a:buSzPts val="4000"/>
+              <a:buFont typeface="Times New Roman" panose="02020603050405020304"/>
+              <a:buNone/>
+            </a:pPr>
+            <a:r>
+              <a:rPr lang="en-US" sz="4000" b="1" i="0" u="none">
+                <a:solidFill>
+                  <a:schemeClr val="dk1"/>
+                </a:solidFill>
+                <a:latin typeface="Times New Roman" panose="02020603050405020304"/>
+                <a:ea typeface="Times New Roman" panose="02020603050405020304"/>
+                <a:cs typeface="Times New Roman" panose="02020603050405020304"/>
+                <a:sym typeface="Times New Roman" panose="02020603050405020304"/>
+              </a:rPr>
+              <a:t>Introduction</a:t>
+            </a:r>
+            <a:endParaRPr lang="en-US" sz="4000" b="1" i="0" u="none">
+              <a:solidFill>
+                <a:schemeClr val="dk1"/>
+              </a:solidFill>
+              <a:latin typeface="Times New Roman" panose="02020603050405020304"/>
+              <a:ea typeface="Times New Roman" panose="02020603050405020304"/>
+              <a:cs typeface="Times New Roman" panose="02020603050405020304"/>
+              <a:sym typeface="Times New Roman" panose="02020603050405020304"/>
+            </a:endParaRPr>
+          </a:p>
+        </p:txBody>
+      </p:sp>
+      <p:sp>
+        <p:nvSpPr>
+          <p:cNvPr id="100" name="Google Shape;100;p15"/>
+          <p:cNvSpPr txBox="1">
+            <a:spLocks noGrp="1"/>
+          </p:cNvSpPr>
+          <p:nvPr>
+            <p:ph type="body" idx="1"/>
+          </p:nvPr>
+        </p:nvSpPr>
+        <p:spPr>
+          <a:xfrm>
+            <a:off x="457200" y="1600200"/>
+            <a:ext cx="8229600" cy="2531110"/>
+          </a:xfrm>
+          <a:prstGeom prst="rect">
+            <a:avLst/>
+          </a:prstGeom>
+          <a:noFill/>
+          <a:ln>
+            <a:noFill/>
+          </a:ln>
+        </p:spPr>
+        <p:txBody>
+          <a:bodyPr spcFirstLastPara="1" wrap="square" lIns="91425" tIns="45700" rIns="91425" bIns="45700" anchor="t" anchorCtr="0">
+            <a:noAutofit/>
+          </a:bodyPr>
+          <a:lstStyle/>
+          <a:p>
+            <a:pPr marL="342900" algn="just">
+              <a:lnSpc>
+                <a:spcPct val="150000"/>
+              </a:lnSpc>
+              <a:spcBef>
+                <a:spcPts val="0"/>
+              </a:spcBef>
+              <a:buSzPts val="2800"/>
+            </a:pPr>
+            <a:r>
+              <a:rPr lang="en-US" altLang="en-US" sz="2500" dirty="0">
+                <a:latin typeface="Times New Roman" panose="02020603050405020304" pitchFamily="18" charset="0"/>
+                <a:cs typeface="Times New Roman" panose="02020603050405020304" pitchFamily="18" charset="0"/>
+              </a:rPr>
+              <a:t>The Online Voting System is a web-based application designed to conduct elections electronically. </a:t>
+            </a:r>
+            <a:endParaRPr lang="en-US" altLang="en-US" sz="2500" dirty="0">
+              <a:latin typeface="Times New Roman" panose="02020603050405020304" pitchFamily="18" charset="0"/>
+              <a:cs typeface="Times New Roman" panose="02020603050405020304" pitchFamily="18" charset="0"/>
+            </a:endParaRPr>
+          </a:p>
+          <a:p>
+            <a:pPr marL="342900" algn="just">
+              <a:lnSpc>
+                <a:spcPct val="150000"/>
+              </a:lnSpc>
+              <a:spcBef>
+                <a:spcPts val="0"/>
+              </a:spcBef>
+              <a:buSzPts val="2800"/>
+            </a:pPr>
+            <a:r>
+              <a:rPr lang="en-US" altLang="en-US" sz="2500" dirty="0">
+                <a:latin typeface="Times New Roman" panose="02020603050405020304" pitchFamily="18" charset="0"/>
+                <a:cs typeface="Times New Roman" panose="02020603050405020304" pitchFamily="18" charset="0"/>
+              </a:rPr>
+              <a:t>It enables registered voters to cast their votes securely from any location. </a:t>
+            </a:r>
+            <a:endParaRPr lang="en-US" altLang="en-US" sz="2500" dirty="0">
+              <a:latin typeface="Times New Roman" panose="02020603050405020304" pitchFamily="18" charset="0"/>
+              <a:cs typeface="Times New Roman" panose="02020603050405020304" pitchFamily="18" charset="0"/>
+            </a:endParaRPr>
+          </a:p>
+          <a:p>
+            <a:pPr marL="342900" algn="just">
+              <a:lnSpc>
+                <a:spcPct val="150000"/>
+              </a:lnSpc>
+              <a:spcBef>
+                <a:spcPts val="0"/>
+              </a:spcBef>
+              <a:buSzPts val="2800"/>
+            </a:pPr>
+            <a:r>
+              <a:rPr lang="en-US" altLang="en-US" sz="2500" dirty="0">
+                <a:latin typeface="Times New Roman" panose="02020603050405020304" pitchFamily="18" charset="0"/>
+                <a:cs typeface="Times New Roman" panose="02020603050405020304" pitchFamily="18" charset="0"/>
+              </a:rPr>
+              <a:t>The system reduces manual effort, voting time, and paperwork involved in traditional elections.</a:t>
+            </a:r>
+            <a:endParaRPr lang="en-US" altLang="en-US" sz="2500" dirty="0">
+              <a:latin typeface="Times New Roman" panose="02020603050405020304" pitchFamily="18" charset="0"/>
+              <a:cs typeface="Times New Roman" panose="02020603050405020304" pitchFamily="18" charset="0"/>
+            </a:endParaRPr>
+          </a:p>
+        </p:txBody>
+      </p:sp>
+    </p:spTree>
+  </p:cSld>
+  <p:clrMapOvr>
+    <a:masterClrMapping/>
+  </p:clrMapOvr>
+</p:sld>
+</file>
+
+<file path=ppt/slides/slide20.xml><?xml version="1.0" encoding="utf-8"?>
 <p:sld xmlns:a="http://schemas.openxmlformats.org/drawingml/2006/main" xmlns:r="http://schemas.openxmlformats.org/officeDocument/2006/relationships" xmlns:p="http://schemas.openxmlformats.org/presentationml/2006/main">
   <p:cSld>
     <p:spTree>
@@ -16987,6 +16086,10 @@
               </a:rPr>
               <a:t>5. Admin Management</a:t>
             </a:r>
+            <a:endParaRPr lang="en-US" altLang="en-US" sz="2500" b="1">
+              <a:latin typeface="Times New Roman" panose="02020603050405020304" pitchFamily="18" charset="0"/>
+              <a:cs typeface="Times New Roman" panose="02020603050405020304" pitchFamily="18" charset="0"/>
+            </a:endParaRPr>
           </a:p>
           <a:p>
             <a:endParaRPr lang="en-US" altLang="en-US" sz="2500">
@@ -17006,6 +16109,10 @@
               </a:rPr>
               <a:t>Controls system operations</a:t>
             </a:r>
+            <a:endParaRPr lang="en-US" altLang="en-US" sz="2500">
+              <a:latin typeface="Times New Roman" panose="02020603050405020304" pitchFamily="18" charset="0"/>
+              <a:cs typeface="Times New Roman" panose="02020603050405020304" pitchFamily="18" charset="0"/>
+            </a:endParaRPr>
           </a:p>
           <a:p>
             <a:pPr marL="342900" indent="-342900">
@@ -17029,6 +16136,10 @@
               </a:rPr>
               <a:t>Manages elections and users</a:t>
             </a:r>
+            <a:endParaRPr lang="en-US" altLang="en-US" sz="2500">
+              <a:latin typeface="Times New Roman" panose="02020603050405020304" pitchFamily="18" charset="0"/>
+              <a:cs typeface="Times New Roman" panose="02020603050405020304" pitchFamily="18" charset="0"/>
+            </a:endParaRPr>
           </a:p>
           <a:p>
             <a:pPr marL="342900" indent="-342900">
@@ -17052,6 +16163,10 @@
               </a:rPr>
               <a:t>Monitors system security</a:t>
             </a:r>
+            <a:endParaRPr lang="en-US" altLang="en-US" sz="2500">
+              <a:latin typeface="Times New Roman" panose="02020603050405020304" pitchFamily="18" charset="0"/>
+              <a:cs typeface="Times New Roman" panose="02020603050405020304" pitchFamily="18" charset="0"/>
+            </a:endParaRPr>
           </a:p>
         </p:txBody>
       </p:sp>
@@ -17063,7 +16178,7 @@
 </p:sld>
 </file>
 
-<file path=ppt/slides/slide22.xml><?xml version="1.0" encoding="utf-8"?>
+<file path=ppt/slides/slide21.xml><?xml version="1.0" encoding="utf-8"?>
 <p:sld xmlns:a="http://schemas.openxmlformats.org/drawingml/2006/main" xmlns:r="http://schemas.openxmlformats.org/officeDocument/2006/relationships" xmlns:p="http://schemas.openxmlformats.org/presentationml/2006/main">
   <p:cSld>
     <p:spTree>
@@ -17202,6 +16317,13 @@
               </a:rPr>
               <a:t>Built using Node.js  with  CSS for responsive design</a:t>
             </a:r>
+            <a:endParaRPr lang="en-US" altLang="en-US" sz="2500" dirty="0">
+              <a:solidFill>
+                <a:schemeClr val="tx1"/>
+              </a:solidFill>
+              <a:latin typeface="Times New Roman" panose="02020603050405020304" pitchFamily="18" charset="0"/>
+              <a:cs typeface="Times New Roman" panose="02020603050405020304" pitchFamily="18" charset="0"/>
+            </a:endParaRPr>
           </a:p>
           <a:p>
             <a:pPr marL="0" lvl="0" indent="0" algn="just" eaLnBrk="0" fontAlgn="base" hangingPunct="0">
@@ -17239,6 +16361,13 @@
               </a:rPr>
               <a:t>Developed using Node.js API routes for handling application logic</a:t>
             </a:r>
+            <a:endParaRPr lang="en-US" altLang="en-US" sz="2500" dirty="0">
+              <a:solidFill>
+                <a:schemeClr val="tx1"/>
+              </a:solidFill>
+              <a:latin typeface="Times New Roman" panose="02020603050405020304" pitchFamily="18" charset="0"/>
+              <a:cs typeface="Times New Roman" panose="02020603050405020304" pitchFamily="18" charset="0"/>
+            </a:endParaRPr>
           </a:p>
           <a:p>
             <a:pPr marL="0" lvl="0" indent="0" algn="just" eaLnBrk="0" fontAlgn="base" hangingPunct="0">
@@ -17276,6 +16405,13 @@
               </a:rPr>
               <a:t>Java Script is used for safer and cleaner code</a:t>
             </a:r>
+            <a:endParaRPr lang="en-US" altLang="en-US" sz="2500" dirty="0">
+              <a:solidFill>
+                <a:schemeClr val="tx1"/>
+              </a:solidFill>
+              <a:latin typeface="Times New Roman" panose="02020603050405020304" pitchFamily="18" charset="0"/>
+              <a:cs typeface="Times New Roman" panose="02020603050405020304" pitchFamily="18" charset="0"/>
+            </a:endParaRPr>
           </a:p>
           <a:p>
             <a:pPr marL="0" lvl="0" indent="0" algn="just" eaLnBrk="0" fontAlgn="base" hangingPunct="0">
@@ -17313,6 +16449,13 @@
               </a:rPr>
               <a:t>MongoDB is used to store the event of the System</a:t>
             </a:r>
+            <a:endParaRPr lang="en-US" altLang="en-US" sz="2500" dirty="0">
+              <a:solidFill>
+                <a:schemeClr val="tx1"/>
+              </a:solidFill>
+              <a:latin typeface="Times New Roman" panose="02020603050405020304" pitchFamily="18" charset="0"/>
+              <a:cs typeface="Times New Roman" panose="02020603050405020304" pitchFamily="18" charset="0"/>
+            </a:endParaRPr>
           </a:p>
         </p:txBody>
       </p:sp>
@@ -17324,7 +16467,7 @@
 </p:sld>
 </file>
 
-<file path=ppt/slides/slide23.xml><?xml version="1.0" encoding="utf-8"?>
+<file path=ppt/slides/slide22.xml><?xml version="1.0" encoding="utf-8"?>
 <p:sld xmlns:a="http://schemas.openxmlformats.org/drawingml/2006/main" xmlns:r="http://schemas.openxmlformats.org/officeDocument/2006/relationships" xmlns:p="http://schemas.openxmlformats.org/presentationml/2006/main">
   <p:cSld>
     <p:spTree>
@@ -17401,23 +16544,11 @@
       </p:sp>
       <p:graphicFrame>
         <p:nvGraphicFramePr>
-          <p:cNvPr id="5" name="Table 4">
-            <a:extLst>
-              <a:ext uri="{FF2B5EF4-FFF2-40B4-BE49-F238E27FC236}">
-                <a16:creationId xmlns:a16="http://schemas.microsoft.com/office/drawing/2014/main" id="{DE6E8332-80C0-7441-8593-658BA0498112}"/>
-              </a:ext>
-            </a:extLst>
-          </p:cNvPr>
+          <p:cNvPr id="5" name="Table 4"/>
           <p:cNvGraphicFramePr>
             <a:graphicFrameLocks noGrp="1"/>
           </p:cNvGraphicFramePr>
-          <p:nvPr>
-            <p:extLst>
-              <p:ext uri="{D42A27DB-BD31-4B8C-83A1-F6EECF244321}">
-                <p14:modId xmlns:p14="http://schemas.microsoft.com/office/powerpoint/2010/main" val="3136373252"/>
-              </p:ext>
-            </p:extLst>
-          </p:nvPr>
+          <p:nvPr/>
         </p:nvGraphicFramePr>
         <p:xfrm>
           <a:off x="811161" y="1465825"/>
@@ -17430,48 +16561,12 @@
                 <a:tableStyleId>{5940675A-B579-460E-94D1-54222C63F5DA}</a:tableStyleId>
               </a:tblPr>
               <a:tblGrid>
-                <a:gridCol w="1197897">
-                  <a:extLst>
-                    <a:ext uri="{9D8B030D-6E8A-4147-A177-3AD203B41FA5}">
-                      <a16:colId xmlns:a16="http://schemas.microsoft.com/office/drawing/2014/main" val="218904375"/>
-                    </a:ext>
-                  </a:extLst>
-                </a:gridCol>
-                <a:gridCol w="1197897">
-                  <a:extLst>
-                    <a:ext uri="{9D8B030D-6E8A-4147-A177-3AD203B41FA5}">
-                      <a16:colId xmlns:a16="http://schemas.microsoft.com/office/drawing/2014/main" val="1944600662"/>
-                    </a:ext>
-                  </a:extLst>
-                </a:gridCol>
-                <a:gridCol w="1197897">
-                  <a:extLst>
-                    <a:ext uri="{9D8B030D-6E8A-4147-A177-3AD203B41FA5}">
-                      <a16:colId xmlns:a16="http://schemas.microsoft.com/office/drawing/2014/main" val="1543936250"/>
-                    </a:ext>
-                  </a:extLst>
-                </a:gridCol>
-                <a:gridCol w="1197897">
-                  <a:extLst>
-                    <a:ext uri="{9D8B030D-6E8A-4147-A177-3AD203B41FA5}">
-                      <a16:colId xmlns:a16="http://schemas.microsoft.com/office/drawing/2014/main" val="2211480928"/>
-                    </a:ext>
-                  </a:extLst>
-                </a:gridCol>
-                <a:gridCol w="1197897">
-                  <a:extLst>
-                    <a:ext uri="{9D8B030D-6E8A-4147-A177-3AD203B41FA5}">
-                      <a16:colId xmlns:a16="http://schemas.microsoft.com/office/drawing/2014/main" val="3369207054"/>
-                    </a:ext>
-                  </a:extLst>
-                </a:gridCol>
-                <a:gridCol w="1197897">
-                  <a:extLst>
-                    <a:ext uri="{9D8B030D-6E8A-4147-A177-3AD203B41FA5}">
-                      <a16:colId xmlns:a16="http://schemas.microsoft.com/office/drawing/2014/main" val="210521906"/>
-                    </a:ext>
-                  </a:extLst>
-                </a:gridCol>
+                <a:gridCol w="1197897"/>
+                <a:gridCol w="1197897"/>
+                <a:gridCol w="1197897"/>
+                <a:gridCol w="1197897"/>
+                <a:gridCol w="1197897"/>
+                <a:gridCol w="1197897"/>
               </a:tblGrid>
               <a:tr h="765483">
                 <a:tc>
@@ -17576,11 +16671,6 @@
                   </a:txBody>
                   <a:tcPr anchor="ctr"/>
                 </a:tc>
-                <a:extLst>
-                  <a:ext uri="{0D108BD9-81ED-4DB2-BD59-A6C34878D82A}">
-                    <a16:rowId xmlns:a16="http://schemas.microsoft.com/office/drawing/2014/main" val="3035239807"/>
-                  </a:ext>
-                </a:extLst>
               </a:tr>
               <a:tr h="1180486">
                 <a:tc>
@@ -17595,6 +16685,7 @@
                         <a:rPr lang="en-US" dirty="0"/>
                         <a:t>UA01</a:t>
                       </a:r>
+                      <a:endParaRPr lang="en-US" dirty="0"/>
                     </a:p>
                   </a:txBody>
                   <a:tcPr anchor="ctr"/>
@@ -17608,6 +16699,7 @@
                         <a:rPr lang="en-US" dirty="0"/>
                         <a:t>Valid User Login</a:t>
                       </a:r>
+                      <a:endParaRPr lang="en-US" dirty="0"/>
                     </a:p>
                   </a:txBody>
                   <a:tcPr/>
@@ -17624,6 +16716,7 @@
                         <a:rPr lang="en-US" dirty="0"/>
                         <a:t>Correct username and password</a:t>
                       </a:r>
+                      <a:endParaRPr lang="en-US" dirty="0"/>
                     </a:p>
                   </a:txBody>
                   <a:tcPr anchor="ctr"/>
@@ -17637,6 +16730,7 @@
                         <a:rPr lang="en-US" dirty="0"/>
                         <a:t>User successfully logged in and redirected to dashboard</a:t>
                       </a:r>
+                      <a:endParaRPr lang="en-US" dirty="0"/>
                     </a:p>
                   </a:txBody>
                   <a:tcPr/>
@@ -17650,6 +16744,7 @@
                         <a:rPr lang="en-US" dirty="0"/>
                         <a:t>Works as expected</a:t>
                       </a:r>
+                      <a:endParaRPr lang="en-US" dirty="0"/>
                     </a:p>
                   </a:txBody>
                   <a:tcPr/>
@@ -17663,15 +16758,11 @@
                         <a:rPr lang="en-US" dirty="0"/>
                         <a:t>Pass</a:t>
                       </a:r>
+                      <a:endParaRPr lang="en-US" dirty="0"/>
                     </a:p>
                   </a:txBody>
                   <a:tcPr/>
                 </a:tc>
-                <a:extLst>
-                  <a:ext uri="{0D108BD9-81ED-4DB2-BD59-A6C34878D82A}">
-                    <a16:rowId xmlns:a16="http://schemas.microsoft.com/office/drawing/2014/main" val="746274320"/>
-                  </a:ext>
-                </a:extLst>
               </a:tr>
             </a:tbl>
           </a:graphicData>
@@ -17679,13 +16770,7 @@
       </p:graphicFrame>
       <p:sp>
         <p:nvSpPr>
-          <p:cNvPr id="6" name="TextBox 5">
-            <a:extLst>
-              <a:ext uri="{FF2B5EF4-FFF2-40B4-BE49-F238E27FC236}">
-                <a16:creationId xmlns:a16="http://schemas.microsoft.com/office/drawing/2014/main" id="{CC78FB3C-42CA-412A-6E11-2AB306232ACA}"/>
-              </a:ext>
-            </a:extLst>
-          </p:cNvPr>
+          <p:cNvPr id="6" name="TextBox 5"/>
           <p:cNvSpPr txBox="1"/>
           <p:nvPr/>
         </p:nvSpPr>
@@ -17712,18 +16797,16 @@
               </a:rPr>
               <a:t>User Authentication Test Case</a:t>
             </a:r>
+            <a:endParaRPr lang="en-US" sz="2500" b="1" dirty="0">
+              <a:latin typeface="Times New Roman" panose="02020603050405020304" pitchFamily="18" charset="0"/>
+              <a:cs typeface="Times New Roman" panose="02020603050405020304" pitchFamily="18" charset="0"/>
+            </a:endParaRPr>
           </a:p>
         </p:txBody>
       </p:sp>
       <p:sp>
         <p:nvSpPr>
-          <p:cNvPr id="7" name="TextBox 6">
-            <a:extLst>
-              <a:ext uri="{FF2B5EF4-FFF2-40B4-BE49-F238E27FC236}">
-                <a16:creationId xmlns:a16="http://schemas.microsoft.com/office/drawing/2014/main" id="{BBF3C0D3-9A87-129E-574C-A019BB775480}"/>
-              </a:ext>
-            </a:extLst>
-          </p:cNvPr>
+          <p:cNvPr id="7" name="TextBox 6"/>
           <p:cNvSpPr txBox="1"/>
           <p:nvPr/>
         </p:nvSpPr>
@@ -17750,28 +16833,20 @@
               </a:rPr>
               <a:t>Voting Module Test Case</a:t>
             </a:r>
+            <a:endParaRPr lang="en-US" sz="2500" b="1" dirty="0">
+              <a:latin typeface="Times New Roman" panose="02020603050405020304" pitchFamily="18" charset="0"/>
+              <a:cs typeface="Times New Roman" panose="02020603050405020304" pitchFamily="18" charset="0"/>
+            </a:endParaRPr>
           </a:p>
         </p:txBody>
       </p:sp>
       <p:graphicFrame>
         <p:nvGraphicFramePr>
-          <p:cNvPr id="8" name="Table 7">
-            <a:extLst>
-              <a:ext uri="{FF2B5EF4-FFF2-40B4-BE49-F238E27FC236}">
-                <a16:creationId xmlns:a16="http://schemas.microsoft.com/office/drawing/2014/main" id="{44465670-5769-CA2C-E010-49DF70965B9B}"/>
-              </a:ext>
-            </a:extLst>
-          </p:cNvPr>
+          <p:cNvPr id="8" name="Table 7"/>
           <p:cNvGraphicFramePr>
             <a:graphicFrameLocks noGrp="1"/>
           </p:cNvGraphicFramePr>
-          <p:nvPr>
-            <p:extLst>
-              <p:ext uri="{D42A27DB-BD31-4B8C-83A1-F6EECF244321}">
-                <p14:modId xmlns:p14="http://schemas.microsoft.com/office/powerpoint/2010/main" val="4224308646"/>
-              </p:ext>
-            </p:extLst>
-          </p:nvPr>
+          <p:nvPr/>
         </p:nvGraphicFramePr>
         <p:xfrm>
           <a:off x="914399" y="4483619"/>
@@ -17784,48 +16859,12 @@
                 <a:tableStyleId>{5940675A-B579-460E-94D1-54222C63F5DA}</a:tableStyleId>
               </a:tblPr>
               <a:tblGrid>
-                <a:gridCol w="1180691">
-                  <a:extLst>
-                    <a:ext uri="{9D8B030D-6E8A-4147-A177-3AD203B41FA5}">
-                      <a16:colId xmlns:a16="http://schemas.microsoft.com/office/drawing/2014/main" val="4105468486"/>
-                    </a:ext>
-                  </a:extLst>
-                </a:gridCol>
-                <a:gridCol w="1180691">
-                  <a:extLst>
-                    <a:ext uri="{9D8B030D-6E8A-4147-A177-3AD203B41FA5}">
-                      <a16:colId xmlns:a16="http://schemas.microsoft.com/office/drawing/2014/main" val="3809159319"/>
-                    </a:ext>
-                  </a:extLst>
-                </a:gridCol>
-                <a:gridCol w="1180691">
-                  <a:extLst>
-                    <a:ext uri="{9D8B030D-6E8A-4147-A177-3AD203B41FA5}">
-                      <a16:colId xmlns:a16="http://schemas.microsoft.com/office/drawing/2014/main" val="2830234064"/>
-                    </a:ext>
-                  </a:extLst>
-                </a:gridCol>
-                <a:gridCol w="1180691">
-                  <a:extLst>
-                    <a:ext uri="{9D8B030D-6E8A-4147-A177-3AD203B41FA5}">
-                      <a16:colId xmlns:a16="http://schemas.microsoft.com/office/drawing/2014/main" val="3608816218"/>
-                    </a:ext>
-                  </a:extLst>
-                </a:gridCol>
-                <a:gridCol w="1180691">
-                  <a:extLst>
-                    <a:ext uri="{9D8B030D-6E8A-4147-A177-3AD203B41FA5}">
-                      <a16:colId xmlns:a16="http://schemas.microsoft.com/office/drawing/2014/main" val="1179287547"/>
-                    </a:ext>
-                  </a:extLst>
-                </a:gridCol>
-                <a:gridCol w="1180691">
-                  <a:extLst>
-                    <a:ext uri="{9D8B030D-6E8A-4147-A177-3AD203B41FA5}">
-                      <a16:colId xmlns:a16="http://schemas.microsoft.com/office/drawing/2014/main" val="527526284"/>
-                    </a:ext>
-                  </a:extLst>
-                </a:gridCol>
+                <a:gridCol w="1180691"/>
+                <a:gridCol w="1180691"/>
+                <a:gridCol w="1180691"/>
+                <a:gridCol w="1180691"/>
+                <a:gridCol w="1180691"/>
+                <a:gridCol w="1180691"/>
               </a:tblGrid>
               <a:tr h="452969">
                 <a:tc>
@@ -17930,11 +16969,6 @@
                   </a:txBody>
                   <a:tcPr anchor="ctr"/>
                 </a:tc>
-                <a:extLst>
-                  <a:ext uri="{0D108BD9-81ED-4DB2-BD59-A6C34878D82A}">
-                    <a16:rowId xmlns:a16="http://schemas.microsoft.com/office/drawing/2014/main" val="3768672878"/>
-                  </a:ext>
-                </a:extLst>
               </a:tr>
               <a:tr h="1385554">
                 <a:tc>
@@ -17949,6 +16983,7 @@
                         <a:rPr lang="en-US"/>
                         <a:t>VM01</a:t>
                       </a:r>
+                      <a:endParaRPr lang="en-US"/>
                     </a:p>
                   </a:txBody>
                   <a:tcPr anchor="ctr"/>
@@ -17965,6 +17000,7 @@
                         <a:rPr lang="en-US"/>
                         <a:t>Cast Vote Successfully</a:t>
                       </a:r>
+                      <a:endParaRPr lang="en-US"/>
                     </a:p>
                   </a:txBody>
                   <a:tcPr anchor="ctr"/>
@@ -17981,6 +17017,7 @@
                         <a:rPr lang="en-US"/>
                         <a:t>Valid voter ID and candidate selection</a:t>
                       </a:r>
+                      <a:endParaRPr lang="en-US"/>
                     </a:p>
                   </a:txBody>
                   <a:tcPr anchor="ctr"/>
@@ -17997,6 +17034,7 @@
                         <a:rPr lang="en-US" dirty="0"/>
                         <a:t>Vote recorded successfully and confirmation message displayed</a:t>
                       </a:r>
+                      <a:endParaRPr lang="en-US" dirty="0"/>
                     </a:p>
                   </a:txBody>
                   <a:tcPr anchor="ctr"/>
@@ -18013,6 +17051,7 @@
                         <a:rPr lang="en-US"/>
                         <a:t>Works as expected</a:t>
                       </a:r>
+                      <a:endParaRPr lang="en-US"/>
                     </a:p>
                   </a:txBody>
                   <a:tcPr anchor="ctr"/>
@@ -18029,15 +17068,11 @@
                         <a:rPr lang="en-US" dirty="0"/>
                         <a:t>Pass</a:t>
                       </a:r>
+                      <a:endParaRPr lang="en-US" dirty="0"/>
                     </a:p>
                   </a:txBody>
                   <a:tcPr anchor="ctr"/>
                 </a:tc>
-                <a:extLst>
-                  <a:ext uri="{0D108BD9-81ED-4DB2-BD59-A6C34878D82A}">
-                    <a16:rowId xmlns:a16="http://schemas.microsoft.com/office/drawing/2014/main" val="1718320526"/>
-                  </a:ext>
-                </a:extLst>
               </a:tr>
             </a:tbl>
           </a:graphicData>
@@ -18051,7 +17086,7 @@
 </p:sld>
 </file>
 
-<file path=ppt/slides/slide24.xml><?xml version="1.0" encoding="utf-8"?>
+<file path=ppt/slides/slide23.xml><?xml version="1.0" encoding="utf-8"?>
 <p:sld xmlns:a="http://schemas.openxmlformats.org/drawingml/2006/main" xmlns:r="http://schemas.openxmlformats.org/officeDocument/2006/relationships" xmlns:p="http://schemas.openxmlformats.org/presentationml/2006/main">
   <p:cSld>
     <p:spTree>
@@ -18155,6 +17190,10 @@
               </a:rPr>
               <a:t>Login Page</a:t>
             </a:r>
+            <a:endParaRPr lang="en-US" altLang="en-US" sz="2500" b="1">
+              <a:latin typeface="Times New Roman" panose="02020603050405020304" pitchFamily="18" charset="0"/>
+              <a:cs typeface="Times New Roman" panose="02020603050405020304" pitchFamily="18" charset="0"/>
+            </a:endParaRPr>
           </a:p>
         </p:txBody>
       </p:sp>
@@ -18167,7 +17206,7 @@
           <p:nvPr/>
         </p:nvPicPr>
         <p:blipFill>
-          <a:blip r:embed="rId3"/>
+          <a:blip r:embed="rId1"/>
           <a:stretch>
             <a:fillRect/>
           </a:stretch>
@@ -18190,7 +17229,7 @@
 </p:sld>
 </file>
 
-<file path=ppt/slides/slide25.xml><?xml version="1.0" encoding="utf-8"?>
+<file path=ppt/slides/slide24.xml><?xml version="1.0" encoding="utf-8"?>
 <p:sld xmlns:a="http://schemas.openxmlformats.org/drawingml/2006/main" xmlns:r="http://schemas.openxmlformats.org/officeDocument/2006/relationships" xmlns:p="http://schemas.openxmlformats.org/presentationml/2006/main">
   <p:cSld>
     <p:spTree>
@@ -18236,6 +17275,10 @@
               </a:rPr>
               <a:t>User Profile</a:t>
             </a:r>
+            <a:endParaRPr lang="en-US" altLang="en-US" sz="2500" b="1">
+              <a:latin typeface="Times New Roman" panose="02020603050405020304" pitchFamily="18" charset="0"/>
+              <a:cs typeface="Times New Roman" panose="02020603050405020304" pitchFamily="18" charset="0"/>
+            </a:endParaRPr>
           </a:p>
         </p:txBody>
       </p:sp>
@@ -18248,7 +17291,7 @@
           <p:nvPr/>
         </p:nvPicPr>
         <p:blipFill>
-          <a:blip r:embed="rId2"/>
+          <a:blip r:embed="rId1"/>
           <a:srcRect t="3692"/>
           <a:stretch>
             <a:fillRect/>
@@ -18293,6 +17336,10 @@
               </a:rPr>
               <a:t>Cast of Vote</a:t>
             </a:r>
+            <a:endParaRPr lang="en-US" altLang="en-US" sz="2500" b="1">
+              <a:latin typeface="Times New Roman" panose="02020603050405020304" pitchFamily="18" charset="0"/>
+              <a:cs typeface="Times New Roman" panose="02020603050405020304" pitchFamily="18" charset="0"/>
+            </a:endParaRPr>
           </a:p>
         </p:txBody>
       </p:sp>
@@ -18305,7 +17352,7 @@
           <p:nvPr/>
         </p:nvPicPr>
         <p:blipFill>
-          <a:blip r:embed="rId3"/>
+          <a:blip r:embed="rId2"/>
           <a:stretch>
             <a:fillRect/>
           </a:stretch>
@@ -18328,7 +17375,7 @@
 </p:sld>
 </file>
 
-<file path=ppt/slides/slide26.xml><?xml version="1.0" encoding="utf-8"?>
+<file path=ppt/slides/slide25.xml><?xml version="1.0" encoding="utf-8"?>
 <p:sld xmlns:a="http://schemas.openxmlformats.org/drawingml/2006/main" xmlns:r="http://schemas.openxmlformats.org/officeDocument/2006/relationships" xmlns:p="http://schemas.openxmlformats.org/presentationml/2006/main">
   <p:cSld>
     <p:spTree>
@@ -18374,6 +17421,10 @@
               </a:rPr>
               <a:t>Admin login</a:t>
             </a:r>
+            <a:endParaRPr lang="en-US" altLang="en-US" sz="2500" b="1">
+              <a:latin typeface="Times New Roman" panose="02020603050405020304" pitchFamily="18" charset="0"/>
+              <a:cs typeface="Times New Roman" panose="02020603050405020304" pitchFamily="18" charset="0"/>
+            </a:endParaRPr>
           </a:p>
         </p:txBody>
       </p:sp>
@@ -18386,7 +17437,7 @@
           <p:nvPr/>
         </p:nvPicPr>
         <p:blipFill>
-          <a:blip r:embed="rId2"/>
+          <a:blip r:embed="rId1"/>
           <a:stretch>
             <a:fillRect/>
           </a:stretch>
@@ -18430,6 +17481,10 @@
               </a:rPr>
               <a:t>Add or Delete Candidates</a:t>
             </a:r>
+            <a:endParaRPr lang="en-US" altLang="en-US" sz="2500" b="1">
+              <a:latin typeface="Times New Roman" panose="02020603050405020304" pitchFamily="18" charset="0"/>
+              <a:cs typeface="Times New Roman" panose="02020603050405020304" pitchFamily="18" charset="0"/>
+            </a:endParaRPr>
           </a:p>
         </p:txBody>
       </p:sp>
@@ -18442,7 +17497,7 @@
           <p:nvPr/>
         </p:nvPicPr>
         <p:blipFill>
-          <a:blip r:embed="rId3"/>
+          <a:blip r:embed="rId2"/>
           <a:stretch>
             <a:fillRect/>
           </a:stretch>
@@ -18465,7 +17520,7 @@
 </p:sld>
 </file>
 
-<file path=ppt/slides/slide27.xml><?xml version="1.0" encoding="utf-8"?>
+<file path=ppt/slides/slide26.xml><?xml version="1.0" encoding="utf-8"?>
 <p:sld xmlns:a="http://schemas.openxmlformats.org/drawingml/2006/main" xmlns:r="http://schemas.openxmlformats.org/officeDocument/2006/relationships" xmlns:p="http://schemas.openxmlformats.org/presentationml/2006/main">
   <p:cSld>
     <p:spTree>
@@ -18587,6 +17642,10 @@
               </a:rPr>
               <a:t>The Online Voting System provides a secure, efficient, and user-friendly platform for conducting elections. </a:t>
             </a:r>
+            <a:endParaRPr lang="en-US" altLang="en-US" sz="2500" dirty="0">
+              <a:latin typeface="Times New Roman" panose="02020603050405020304" pitchFamily="18" charset="0"/>
+              <a:cs typeface="Times New Roman" panose="02020603050405020304" pitchFamily="18" charset="0"/>
+            </a:endParaRPr>
           </a:p>
           <a:p>
             <a:pPr algn="just">
@@ -18600,6 +17659,10 @@
               </a:rPr>
               <a:t>It eliminates manual errors and reduces the time required for vote counting and result declaration. </a:t>
             </a:r>
+            <a:endParaRPr lang="en-US" altLang="en-US" sz="2500" dirty="0">
+              <a:latin typeface="Times New Roman" panose="02020603050405020304" pitchFamily="18" charset="0"/>
+              <a:cs typeface="Times New Roman" panose="02020603050405020304" pitchFamily="18" charset="0"/>
+            </a:endParaRPr>
           </a:p>
           <a:p>
             <a:pPr algn="just">
@@ -18660,6 +17723,10 @@
               </a:rPr>
               <a:t>The system can be enhanced by integrating biometric authentication. </a:t>
             </a:r>
+            <a:endParaRPr lang="en-US" altLang="en-US" sz="2500" dirty="0">
+              <a:latin typeface="Times New Roman" panose="02020603050405020304" pitchFamily="18" charset="0"/>
+              <a:cs typeface="Times New Roman" panose="02020603050405020304" pitchFamily="18" charset="0"/>
+            </a:endParaRPr>
           </a:p>
           <a:p>
             <a:pPr marL="342900" indent="-342900" algn="just">
@@ -18673,6 +17740,10 @@
               </a:rPr>
               <a:t>Mobile application support can be added to improve accessibility for users.</a:t>
             </a:r>
+            <a:endParaRPr lang="en-US" altLang="en-US" sz="2500" dirty="0">
+              <a:latin typeface="Times New Roman" panose="02020603050405020304" pitchFamily="18" charset="0"/>
+              <a:cs typeface="Times New Roman" panose="02020603050405020304" pitchFamily="18" charset="0"/>
+            </a:endParaRPr>
           </a:p>
           <a:p>
             <a:pPr marL="342900" indent="-342900" algn="just">
@@ -18694,7 +17765,7 @@
 </p:sld>
 </file>
 
-<file path=ppt/slides/slide28.xml><?xml version="1.0" encoding="utf-8"?>
+<file path=ppt/slides/slide27.xml><?xml version="1.0" encoding="utf-8"?>
 <p:sld xmlns:a="http://schemas.openxmlformats.org/drawingml/2006/main" xmlns:r="http://schemas.openxmlformats.org/officeDocument/2006/relationships" xmlns:p="http://schemas.openxmlformats.org/presentationml/2006/main">
   <p:cSld>
     <p:spTree>
@@ -18713,20 +17784,14 @@
       </p:grpSpPr>
       <p:pic>
         <p:nvPicPr>
-          <p:cNvPr id="3" name="Picture 2">
-            <a:extLst>
-              <a:ext uri="{FF2B5EF4-FFF2-40B4-BE49-F238E27FC236}">
-                <a16:creationId xmlns:a16="http://schemas.microsoft.com/office/drawing/2014/main" id="{66664D87-A3AE-8B8F-012E-E62B2AC6ED37}"/>
-              </a:ext>
-            </a:extLst>
-          </p:cNvPr>
+          <p:cNvPr id="3" name="Picture 2"/>
           <p:cNvPicPr>
             <a:picLocks noChangeAspect="1"/>
           </p:cNvPicPr>
           <p:nvPr/>
         </p:nvPicPr>
         <p:blipFill>
-          <a:blip r:embed="rId3"/>
+          <a:blip r:embed="rId1"/>
           <a:stretch>
             <a:fillRect/>
           </a:stretch>
@@ -18750,176 +17815,6 @@
 </file>
 
 <file path=ppt/slides/slide3.xml><?xml version="1.0" encoding="utf-8"?>
-<p:sld xmlns:a="http://schemas.openxmlformats.org/drawingml/2006/main" xmlns:r="http://schemas.openxmlformats.org/officeDocument/2006/relationships" xmlns:p="http://schemas.openxmlformats.org/presentationml/2006/main">
-  <p:cSld>
-    <p:spTree>
-      <p:nvGrpSpPr>
-        <p:cNvPr id="1" name="Shape 98"/>
-        <p:cNvGrpSpPr/>
-        <p:nvPr/>
-      </p:nvGrpSpPr>
-      <p:grpSpPr>
-        <a:xfrm>
-          <a:off x="0" y="0"/>
-          <a:ext cx="0" cy="0"/>
-          <a:chOff x="0" y="0"/>
-          <a:chExt cx="0" cy="0"/>
-        </a:xfrm>
-      </p:grpSpPr>
-      <p:sp>
-        <p:nvSpPr>
-          <p:cNvPr id="99" name="Google Shape;99;p15"/>
-          <p:cNvSpPr txBox="1">
-            <a:spLocks noGrp="1"/>
-          </p:cNvSpPr>
-          <p:nvPr>
-            <p:ph type="title"/>
-          </p:nvPr>
-        </p:nvSpPr>
-        <p:spPr>
-          <a:xfrm>
-            <a:off x="457200" y="274637"/>
-            <a:ext cx="8229600" cy="1143000"/>
-          </a:xfrm>
-          <a:prstGeom prst="rect">
-            <a:avLst/>
-          </a:prstGeom>
-          <a:noFill/>
-          <a:ln>
-            <a:noFill/>
-          </a:ln>
-        </p:spPr>
-        <p:txBody>
-          <a:bodyPr spcFirstLastPara="1" wrap="square" lIns="91425" tIns="45700" rIns="91425" bIns="45700" anchor="ctr" anchorCtr="0">
-            <a:noAutofit/>
-          </a:bodyPr>
-          <a:lstStyle/>
-          <a:p>
-            <a:pPr marL="0" lvl="0" indent="0" algn="ctr" rtl="0">
-              <a:lnSpc>
-                <a:spcPct val="100000"/>
-              </a:lnSpc>
-              <a:spcBef>
-                <a:spcPts val="0"/>
-              </a:spcBef>
-              <a:spcAft>
-                <a:spcPts val="0"/>
-              </a:spcAft>
-              <a:buClr>
-                <a:schemeClr val="dk1"/>
-              </a:buClr>
-              <a:buSzPts val="4000"/>
-              <a:buFont typeface="Times New Roman" panose="02020603050405020304"/>
-              <a:buNone/>
-            </a:pPr>
-            <a:r>
-              <a:rPr lang="en-US" sz="4000" b="1" i="0" u="none">
-                <a:solidFill>
-                  <a:schemeClr val="dk1"/>
-                </a:solidFill>
-                <a:latin typeface="Times New Roman" panose="02020603050405020304"/>
-                <a:ea typeface="Times New Roman" panose="02020603050405020304"/>
-                <a:cs typeface="Times New Roman" panose="02020603050405020304"/>
-                <a:sym typeface="Times New Roman" panose="02020603050405020304"/>
-              </a:rPr>
-              <a:t>Introduction</a:t>
-            </a:r>
-          </a:p>
-        </p:txBody>
-      </p:sp>
-      <p:sp>
-        <p:nvSpPr>
-          <p:cNvPr id="100" name="Google Shape;100;p15"/>
-          <p:cNvSpPr txBox="1">
-            <a:spLocks noGrp="1"/>
-          </p:cNvSpPr>
-          <p:nvPr>
-            <p:ph type="body" idx="1"/>
-          </p:nvPr>
-        </p:nvSpPr>
-        <p:spPr>
-          <a:xfrm>
-            <a:off x="457200" y="1600200"/>
-            <a:ext cx="8229600" cy="2531110"/>
-          </a:xfrm>
-          <a:prstGeom prst="rect">
-            <a:avLst/>
-          </a:prstGeom>
-          <a:noFill/>
-          <a:ln>
-            <a:noFill/>
-          </a:ln>
-        </p:spPr>
-        <p:txBody>
-          <a:bodyPr spcFirstLastPara="1" wrap="square" lIns="91425" tIns="45700" rIns="91425" bIns="45700" anchor="t" anchorCtr="0">
-            <a:noAutofit/>
-          </a:bodyPr>
-          <a:lstStyle/>
-          <a:p>
-            <a:pPr marL="342900" algn="just">
-              <a:lnSpc>
-                <a:spcPct val="150000"/>
-              </a:lnSpc>
-              <a:spcBef>
-                <a:spcPts val="0"/>
-              </a:spcBef>
-              <a:buSzPts val="2800"/>
-            </a:pPr>
-            <a:r>
-              <a:rPr lang="en-US" altLang="en-US" sz="2500" dirty="0">
-                <a:latin typeface="Times New Roman" panose="02020603050405020304" pitchFamily="18" charset="0"/>
-                <a:cs typeface="Times New Roman" panose="02020603050405020304" pitchFamily="18" charset="0"/>
-              </a:rPr>
-              <a:t>The Online Voting System is a web-based application designed to conduct elections electronically. </a:t>
-            </a:r>
-          </a:p>
-          <a:p>
-            <a:pPr marL="342900" algn="just">
-              <a:lnSpc>
-                <a:spcPct val="150000"/>
-              </a:lnSpc>
-              <a:spcBef>
-                <a:spcPts val="0"/>
-              </a:spcBef>
-              <a:buSzPts val="2800"/>
-            </a:pPr>
-            <a:r>
-              <a:rPr lang="en-US" altLang="en-US" sz="2500" dirty="0">
-                <a:latin typeface="Times New Roman" panose="02020603050405020304" pitchFamily="18" charset="0"/>
-                <a:cs typeface="Times New Roman" panose="02020603050405020304" pitchFamily="18" charset="0"/>
-              </a:rPr>
-              <a:t>It enables registered voters to cast their votes securely from any location. </a:t>
-            </a:r>
-          </a:p>
-          <a:p>
-            <a:pPr marL="342900" algn="just">
-              <a:lnSpc>
-                <a:spcPct val="150000"/>
-              </a:lnSpc>
-              <a:spcBef>
-                <a:spcPts val="0"/>
-              </a:spcBef>
-              <a:buSzPts val="2800"/>
-            </a:pPr>
-            <a:r>
-              <a:rPr lang="en-US" altLang="en-US" sz="2500" dirty="0">
-                <a:latin typeface="Times New Roman" panose="02020603050405020304" pitchFamily="18" charset="0"/>
-                <a:cs typeface="Times New Roman" panose="02020603050405020304" pitchFamily="18" charset="0"/>
-              </a:rPr>
-              <a:t>The system reduces manual effort, voting time, and paperwork involved in traditional elections.</a:t>
-            </a:r>
-          </a:p>
-        </p:txBody>
-      </p:sp>
-    </p:spTree>
-  </p:cSld>
-  <p:clrMapOvr>
-    <a:masterClrMapping/>
-  </p:clrMapOvr>
-</p:sld>
-</file>
-
-<file path=ppt/slides/slide4.xml><?xml version="1.0" encoding="utf-8"?>
 <p:sld xmlns:a="http://schemas.openxmlformats.org/drawingml/2006/main" xmlns:r="http://schemas.openxmlformats.org/officeDocument/2006/relationships" xmlns:p="http://schemas.openxmlformats.org/presentationml/2006/main">
   <p:cSld>
     <p:spTree>
@@ -18987,6 +17882,15 @@
               </a:rPr>
               <a:t>Overview of the Project</a:t>
             </a:r>
+            <a:endParaRPr lang="en-US" sz="4000" b="1">
+              <a:solidFill>
+                <a:schemeClr val="dk1"/>
+              </a:solidFill>
+              <a:latin typeface="Times New Roman" panose="02020603050405020304"/>
+              <a:ea typeface="Times New Roman" panose="02020603050405020304"/>
+              <a:cs typeface="Times New Roman" panose="02020603050405020304"/>
+              <a:sym typeface="Times New Roman" panose="02020603050405020304"/>
+            </a:endParaRPr>
           </a:p>
         </p:txBody>
       </p:sp>
@@ -19023,6 +17927,10 @@
               </a:rPr>
               <a:t>The project provides a secure and user-friendly platform for conducting elections online. </a:t>
             </a:r>
+            <a:endParaRPr lang="en-US" altLang="en-US" sz="2500">
+              <a:latin typeface="Times New Roman" panose="02020603050405020304" pitchFamily="18" charset="0"/>
+              <a:cs typeface="Times New Roman" panose="02020603050405020304" pitchFamily="18" charset="0"/>
+            </a:endParaRPr>
           </a:p>
           <a:p>
             <a:pPr marL="0" indent="0" algn="just">
@@ -19046,6 +17954,10 @@
               </a:rPr>
               <a:t>It manages voter registration, candidate information, and vote casting efficiently. </a:t>
             </a:r>
+            <a:endParaRPr lang="en-US" altLang="en-US" sz="2500">
+              <a:latin typeface="Times New Roman" panose="02020603050405020304" pitchFamily="18" charset="0"/>
+              <a:cs typeface="Times New Roman" panose="02020603050405020304" pitchFamily="18" charset="0"/>
+            </a:endParaRPr>
           </a:p>
           <a:p>
             <a:pPr marL="457200" indent="-457200" algn="just">
@@ -19069,6 +17981,10 @@
               </a:rPr>
               <a:t>The system prevents duplicate voting and maintains data integrity. </a:t>
             </a:r>
+            <a:endParaRPr lang="en-US" altLang="en-US" sz="2500">
+              <a:latin typeface="Times New Roman" panose="02020603050405020304" pitchFamily="18" charset="0"/>
+              <a:cs typeface="Times New Roman" panose="02020603050405020304" pitchFamily="18" charset="0"/>
+            </a:endParaRPr>
           </a:p>
           <a:p>
             <a:pPr marL="0" indent="0" algn="just">
@@ -19092,6 +18008,470 @@
               </a:rPr>
               <a:t>Election results are generated automatically and accurately after voting ends.</a:t>
             </a:r>
+            <a:endParaRPr lang="en-US" altLang="en-US" sz="2500">
+              <a:latin typeface="Times New Roman" panose="02020603050405020304" pitchFamily="18" charset="0"/>
+              <a:cs typeface="Times New Roman" panose="02020603050405020304" pitchFamily="18" charset="0"/>
+            </a:endParaRPr>
+          </a:p>
+        </p:txBody>
+      </p:sp>
+    </p:spTree>
+  </p:cSld>
+  <p:clrMapOvr>
+    <a:masterClrMapping/>
+  </p:clrMapOvr>
+</p:sld>
+</file>
+
+<file path=ppt/slides/slide4.xml><?xml version="1.0" encoding="utf-8"?>
+<p:sld xmlns:a="http://schemas.openxmlformats.org/drawingml/2006/main" xmlns:r="http://schemas.openxmlformats.org/officeDocument/2006/relationships" xmlns:p="http://schemas.openxmlformats.org/presentationml/2006/main">
+  <p:cSld>
+    <p:spTree>
+      <p:nvGrpSpPr>
+        <p:cNvPr id="1" name="Shape 110"/>
+        <p:cNvGrpSpPr/>
+        <p:nvPr/>
+      </p:nvGrpSpPr>
+      <p:grpSpPr>
+        <a:xfrm>
+          <a:off x="0" y="0"/>
+          <a:ext cx="0" cy="0"/>
+          <a:chOff x="0" y="0"/>
+          <a:chExt cx="0" cy="0"/>
+        </a:xfrm>
+      </p:grpSpPr>
+      <p:sp>
+        <p:nvSpPr>
+          <p:cNvPr id="111" name="Google Shape;111;p17"/>
+          <p:cNvSpPr txBox="1">
+            <a:spLocks noGrp="1"/>
+          </p:cNvSpPr>
+          <p:nvPr>
+            <p:ph type="title"/>
+          </p:nvPr>
+        </p:nvSpPr>
+        <p:spPr>
+          <a:xfrm>
+            <a:off x="457200" y="274637"/>
+            <a:ext cx="8229600" cy="1143000"/>
+          </a:xfrm>
+          <a:prstGeom prst="rect">
+            <a:avLst/>
+          </a:prstGeom>
+          <a:noFill/>
+          <a:ln>
+            <a:noFill/>
+          </a:ln>
+        </p:spPr>
+        <p:txBody>
+          <a:bodyPr spcFirstLastPara="1" wrap="square" lIns="91425" tIns="45700" rIns="91425" bIns="45700" anchor="ctr" anchorCtr="0">
+            <a:normAutofit/>
+          </a:bodyPr>
+          <a:lstStyle/>
+          <a:p>
+            <a:pPr marL="0" lvl="0" indent="0" algn="ctr" rtl="0">
+              <a:lnSpc>
+                <a:spcPct val="100000"/>
+              </a:lnSpc>
+              <a:spcBef>
+                <a:spcPts val="0"/>
+              </a:spcBef>
+              <a:spcAft>
+                <a:spcPts val="0"/>
+              </a:spcAft>
+              <a:buClr>
+                <a:schemeClr val="dk1"/>
+              </a:buClr>
+              <a:buSzPts val="4000"/>
+              <a:buFont typeface="Times New Roman" panose="02020603050405020304"/>
+              <a:buNone/>
+            </a:pPr>
+            <a:r>
+              <a:rPr lang="en-US" sz="4000" b="1" i="0" u="none" dirty="0">
+                <a:solidFill>
+                  <a:schemeClr val="dk1"/>
+                </a:solidFill>
+                <a:latin typeface="Times New Roman" panose="02020603050405020304"/>
+                <a:ea typeface="Times New Roman" panose="02020603050405020304"/>
+                <a:cs typeface="Times New Roman" panose="02020603050405020304"/>
+                <a:sym typeface="Times New Roman" panose="02020603050405020304"/>
+              </a:rPr>
+              <a:t>System Requirements Specification</a:t>
+            </a:r>
+            <a:endParaRPr dirty="0"/>
+          </a:p>
+        </p:txBody>
+      </p:sp>
+      <p:sp>
+        <p:nvSpPr>
+          <p:cNvPr id="112" name="Google Shape;112;p17"/>
+          <p:cNvSpPr txBox="1">
+            <a:spLocks noGrp="1"/>
+          </p:cNvSpPr>
+          <p:nvPr>
+            <p:ph type="body" idx="1"/>
+          </p:nvPr>
+        </p:nvSpPr>
+        <p:spPr>
+          <a:xfrm>
+            <a:off x="457200" y="1551940"/>
+            <a:ext cx="4114800" cy="3220085"/>
+          </a:xfrm>
+          <a:prstGeom prst="rect">
+            <a:avLst/>
+          </a:prstGeom>
+          <a:noFill/>
+          <a:ln>
+            <a:noFill/>
+          </a:ln>
+        </p:spPr>
+        <p:txBody>
+          <a:bodyPr spcFirstLastPara="1" wrap="square" lIns="91425" tIns="45700" rIns="91425" bIns="45700" anchor="t" anchorCtr="0">
+            <a:normAutofit fontScale="90000" lnSpcReduction="10000"/>
+          </a:bodyPr>
+          <a:lstStyle/>
+          <a:p>
+            <a:pPr marL="0" lvl="0" indent="0" algn="ctr">
+              <a:spcBef>
+                <a:spcPts val="560"/>
+              </a:spcBef>
+              <a:buSzPts val="2800"/>
+              <a:buNone/>
+            </a:pPr>
+            <a:endParaRPr lang="en-US" dirty="0">
+              <a:latin typeface="Times New Roman" panose="02020603050405020304"/>
+              <a:ea typeface="Times New Roman" panose="02020603050405020304"/>
+              <a:cs typeface="Times New Roman" panose="02020603050405020304"/>
+              <a:sym typeface="Times New Roman" panose="02020603050405020304"/>
+            </a:endParaRPr>
+          </a:p>
+          <a:p>
+            <a:pPr marL="0" marR="0" lvl="0" indent="0" algn="l" rtl="0">
+              <a:lnSpc>
+                <a:spcPct val="100000"/>
+              </a:lnSpc>
+              <a:spcBef>
+                <a:spcPts val="0"/>
+              </a:spcBef>
+              <a:spcAft>
+                <a:spcPts val="0"/>
+              </a:spcAft>
+              <a:buClr>
+                <a:schemeClr val="dk1"/>
+              </a:buClr>
+              <a:buSzPts val="3200"/>
+              <a:buNone/>
+            </a:pPr>
+            <a:r>
+              <a:rPr lang="en-US" altLang="en-US" sz="2825" b="1" dirty="0">
+                <a:latin typeface="Times New Roman" panose="02020603050405020304" pitchFamily="18" charset="0"/>
+                <a:cs typeface="Times New Roman" panose="02020603050405020304" pitchFamily="18" charset="0"/>
+              </a:rPr>
+              <a:t>Functional Requirements </a:t>
+            </a:r>
+            <a:endParaRPr lang="en-US" altLang="en-US" sz="2825" b="1" dirty="0">
+              <a:latin typeface="Times New Roman" panose="02020603050405020304" pitchFamily="18" charset="0"/>
+              <a:cs typeface="Times New Roman" panose="02020603050405020304" pitchFamily="18" charset="0"/>
+            </a:endParaRPr>
+          </a:p>
+          <a:p>
+            <a:pPr marL="0" marR="0" lvl="0" indent="0" algn="l" rtl="0">
+              <a:lnSpc>
+                <a:spcPct val="100000"/>
+              </a:lnSpc>
+              <a:spcBef>
+                <a:spcPts val="0"/>
+              </a:spcBef>
+              <a:spcAft>
+                <a:spcPts val="0"/>
+              </a:spcAft>
+              <a:buClr>
+                <a:schemeClr val="dk1"/>
+              </a:buClr>
+              <a:buSzPts val="3200"/>
+              <a:buNone/>
+            </a:pPr>
+            <a:endParaRPr lang="en-US" altLang="en-US" sz="2825" dirty="0">
+              <a:latin typeface="Times New Roman" panose="02020603050405020304" pitchFamily="18" charset="0"/>
+              <a:cs typeface="Times New Roman" panose="02020603050405020304" pitchFamily="18" charset="0"/>
+            </a:endParaRPr>
+          </a:p>
+          <a:p>
+            <a:pPr marR="0" lvl="0" indent="-457200" algn="just" rtl="0">
+              <a:lnSpc>
+                <a:spcPct val="100000"/>
+              </a:lnSpc>
+              <a:spcBef>
+                <a:spcPts val="0"/>
+              </a:spcBef>
+              <a:spcAft>
+                <a:spcPts val="0"/>
+              </a:spcAft>
+              <a:buClr>
+                <a:schemeClr val="dk1"/>
+              </a:buClr>
+              <a:buSzPts val="3200"/>
+              <a:buFont typeface="Arial" panose="020B0604020202020204" pitchFamily="34" charset="0"/>
+              <a:buChar char="•"/>
+            </a:pPr>
+            <a:r>
+              <a:rPr lang="en-US" altLang="en-US" sz="2825" dirty="0">
+                <a:latin typeface="Times New Roman" panose="02020603050405020304" pitchFamily="18" charset="0"/>
+                <a:cs typeface="Times New Roman" panose="02020603050405020304" pitchFamily="18" charset="0"/>
+              </a:rPr>
+              <a:t>User registration</a:t>
+            </a:r>
+            <a:endParaRPr lang="en-US" altLang="en-US" sz="2825" dirty="0">
+              <a:latin typeface="Times New Roman" panose="02020603050405020304" pitchFamily="18" charset="0"/>
+              <a:cs typeface="Times New Roman" panose="02020603050405020304" pitchFamily="18" charset="0"/>
+            </a:endParaRPr>
+          </a:p>
+          <a:p>
+            <a:pPr marR="0" lvl="0" indent="-457200" algn="just" rtl="0">
+              <a:lnSpc>
+                <a:spcPct val="100000"/>
+              </a:lnSpc>
+              <a:spcBef>
+                <a:spcPts val="0"/>
+              </a:spcBef>
+              <a:spcAft>
+                <a:spcPts val="0"/>
+              </a:spcAft>
+              <a:buClr>
+                <a:schemeClr val="dk1"/>
+              </a:buClr>
+              <a:buSzPts val="3200"/>
+              <a:buFont typeface="Arial" panose="020B0604020202020204" pitchFamily="34" charset="0"/>
+              <a:buChar char="•"/>
+            </a:pPr>
+            <a:r>
+              <a:rPr lang="en-US" altLang="en-US" sz="2825" dirty="0">
+                <a:latin typeface="Times New Roman" panose="02020603050405020304" pitchFamily="18" charset="0"/>
+                <a:cs typeface="Times New Roman" panose="02020603050405020304" pitchFamily="18" charset="0"/>
+              </a:rPr>
+              <a:t>Voter authentication</a:t>
+            </a:r>
+            <a:endParaRPr lang="en-US" altLang="en-US" sz="2825" dirty="0">
+              <a:latin typeface="Times New Roman" panose="02020603050405020304" pitchFamily="18" charset="0"/>
+              <a:cs typeface="Times New Roman" panose="02020603050405020304" pitchFamily="18" charset="0"/>
+            </a:endParaRPr>
+          </a:p>
+          <a:p>
+            <a:pPr marR="0" lvl="0" indent="-457200" algn="just" rtl="0">
+              <a:lnSpc>
+                <a:spcPct val="100000"/>
+              </a:lnSpc>
+              <a:spcBef>
+                <a:spcPts val="0"/>
+              </a:spcBef>
+              <a:spcAft>
+                <a:spcPts val="0"/>
+              </a:spcAft>
+              <a:buClr>
+                <a:schemeClr val="dk1"/>
+              </a:buClr>
+              <a:buSzPts val="3200"/>
+              <a:buFont typeface="Arial" panose="020B0604020202020204" pitchFamily="34" charset="0"/>
+              <a:buChar char="•"/>
+            </a:pPr>
+            <a:r>
+              <a:rPr lang="en-US" altLang="en-US" sz="2825" dirty="0">
+                <a:latin typeface="Times New Roman" panose="02020603050405020304" pitchFamily="18" charset="0"/>
+                <a:cs typeface="Times New Roman" panose="02020603050405020304" pitchFamily="18" charset="0"/>
+              </a:rPr>
+              <a:t>Candidate display</a:t>
+            </a:r>
+            <a:endParaRPr lang="en-US" altLang="en-US" sz="2825" dirty="0">
+              <a:latin typeface="Times New Roman" panose="02020603050405020304" pitchFamily="18" charset="0"/>
+              <a:cs typeface="Times New Roman" panose="02020603050405020304" pitchFamily="18" charset="0"/>
+            </a:endParaRPr>
+          </a:p>
+          <a:p>
+            <a:pPr marR="0" lvl="0" indent="-457200" algn="just" rtl="0">
+              <a:lnSpc>
+                <a:spcPct val="100000"/>
+              </a:lnSpc>
+              <a:spcBef>
+                <a:spcPts val="0"/>
+              </a:spcBef>
+              <a:spcAft>
+                <a:spcPts val="0"/>
+              </a:spcAft>
+              <a:buClr>
+                <a:schemeClr val="dk1"/>
+              </a:buClr>
+              <a:buSzPts val="3200"/>
+              <a:buFont typeface="Arial" panose="020B0604020202020204" pitchFamily="34" charset="0"/>
+              <a:buChar char="•"/>
+            </a:pPr>
+            <a:r>
+              <a:rPr lang="en-US" altLang="en-US" sz="2825" dirty="0">
+                <a:latin typeface="Times New Roman" panose="02020603050405020304" pitchFamily="18" charset="0"/>
+                <a:cs typeface="Times New Roman" panose="02020603050405020304" pitchFamily="18" charset="0"/>
+              </a:rPr>
+              <a:t>Secure vote storage</a:t>
+            </a:r>
+            <a:endParaRPr lang="en-US" altLang="en-US" sz="2825" dirty="0">
+              <a:latin typeface="Times New Roman" panose="02020603050405020304" pitchFamily="18" charset="0"/>
+              <a:cs typeface="Times New Roman" panose="02020603050405020304" pitchFamily="18" charset="0"/>
+            </a:endParaRPr>
+          </a:p>
+          <a:p>
+            <a:pPr marR="0" lvl="0" indent="-457200" algn="just" rtl="0">
+              <a:lnSpc>
+                <a:spcPct val="100000"/>
+              </a:lnSpc>
+              <a:spcBef>
+                <a:spcPts val="0"/>
+              </a:spcBef>
+              <a:spcAft>
+                <a:spcPts val="0"/>
+              </a:spcAft>
+              <a:buClr>
+                <a:schemeClr val="dk1"/>
+              </a:buClr>
+              <a:buSzPts val="3200"/>
+              <a:buFont typeface="Arial" panose="020B0604020202020204" pitchFamily="34" charset="0"/>
+              <a:buChar char="•"/>
+            </a:pPr>
+            <a:r>
+              <a:rPr lang="en-US" altLang="en-US" sz="2825" dirty="0">
+                <a:latin typeface="Times New Roman" panose="02020603050405020304" pitchFamily="18" charset="0"/>
+                <a:cs typeface="Times New Roman" panose="02020603050405020304" pitchFamily="18" charset="0"/>
+              </a:rPr>
+              <a:t>Result generation</a:t>
+            </a:r>
+            <a:endParaRPr lang="en-US" altLang="en-US" sz="2825" dirty="0">
+              <a:latin typeface="Times New Roman" panose="02020603050405020304" pitchFamily="18" charset="0"/>
+              <a:cs typeface="Times New Roman" panose="02020603050405020304" pitchFamily="18" charset="0"/>
+            </a:endParaRPr>
+          </a:p>
+        </p:txBody>
+      </p:sp>
+      <p:sp>
+        <p:nvSpPr>
+          <p:cNvPr id="2" name="Text Box 1"/>
+          <p:cNvSpPr txBox="1"/>
+          <p:nvPr/>
+        </p:nvSpPr>
+        <p:spPr>
+          <a:xfrm>
+            <a:off x="4449445" y="1937385"/>
+            <a:ext cx="4535170" cy="2834640"/>
+          </a:xfrm>
+          <a:prstGeom prst="rect">
+            <a:avLst/>
+          </a:prstGeom>
+          <a:noFill/>
+        </p:spPr>
+        <p:txBody>
+          <a:bodyPr wrap="square" rtlCol="0">
+            <a:spAutoFit/>
+          </a:bodyPr>
+          <a:lstStyle/>
+          <a:p>
+            <a:r>
+              <a:rPr lang="en-US" altLang="en-US" sz="2500" b="1">
+                <a:latin typeface="Times New Roman" panose="02020603050405020304" pitchFamily="18" charset="0"/>
+                <a:cs typeface="Times New Roman" panose="02020603050405020304" pitchFamily="18" charset="0"/>
+              </a:rPr>
+              <a:t>Non-Functional Requirements </a:t>
+            </a:r>
+            <a:endParaRPr lang="en-US" altLang="en-US" sz="2500" b="1">
+              <a:latin typeface="Times New Roman" panose="02020603050405020304" pitchFamily="18" charset="0"/>
+              <a:cs typeface="Times New Roman" panose="02020603050405020304" pitchFamily="18" charset="0"/>
+            </a:endParaRPr>
+          </a:p>
+          <a:p>
+            <a:endParaRPr lang="en-US" altLang="en-US" sz="2830" b="1">
+              <a:latin typeface="Times New Roman" panose="02020603050405020304" pitchFamily="18" charset="0"/>
+              <a:cs typeface="Times New Roman" panose="02020603050405020304" pitchFamily="18" charset="0"/>
+            </a:endParaRPr>
+          </a:p>
+          <a:p>
+            <a:pPr marL="457200" indent="-457200">
+              <a:buFont typeface="Arial" panose="020B0604020202020204" pitchFamily="34" charset="0"/>
+              <a:buChar char="•"/>
+            </a:pPr>
+            <a:r>
+              <a:rPr lang="en-US" altLang="en-US" sz="2500">
+                <a:latin typeface="Times New Roman" panose="02020603050405020304" pitchFamily="18" charset="0"/>
+                <a:cs typeface="Times New Roman" panose="02020603050405020304" pitchFamily="18" charset="0"/>
+              </a:rPr>
+              <a:t>High security</a:t>
+            </a:r>
+            <a:endParaRPr lang="en-US" altLang="en-US" sz="2500">
+              <a:latin typeface="Times New Roman" panose="02020603050405020304" pitchFamily="18" charset="0"/>
+              <a:cs typeface="Times New Roman" panose="02020603050405020304" pitchFamily="18" charset="0"/>
+            </a:endParaRPr>
+          </a:p>
+          <a:p>
+            <a:pPr marL="457200" indent="-457200">
+              <a:buFont typeface="Arial" panose="020B0604020202020204" pitchFamily="34" charset="0"/>
+              <a:buChar char="•"/>
+            </a:pPr>
+            <a:r>
+              <a:rPr lang="en-US" altLang="en-US" sz="2500">
+                <a:latin typeface="Times New Roman" panose="02020603050405020304" pitchFamily="18" charset="0"/>
+                <a:cs typeface="Times New Roman" panose="02020603050405020304" pitchFamily="18" charset="0"/>
+              </a:rPr>
+              <a:t>System reliability</a:t>
+            </a:r>
+            <a:endParaRPr lang="en-US" altLang="en-US" sz="2500">
+              <a:latin typeface="Times New Roman" panose="02020603050405020304" pitchFamily="18" charset="0"/>
+              <a:cs typeface="Times New Roman" panose="02020603050405020304" pitchFamily="18" charset="0"/>
+            </a:endParaRPr>
+          </a:p>
+          <a:p>
+            <a:pPr marL="457200" indent="-457200">
+              <a:buFont typeface="Arial" panose="020B0604020202020204" pitchFamily="34" charset="0"/>
+              <a:buChar char="•"/>
+            </a:pPr>
+            <a:r>
+              <a:rPr lang="en-US" altLang="en-US" sz="2500">
+                <a:latin typeface="Times New Roman" panose="02020603050405020304" pitchFamily="18" charset="0"/>
+                <a:cs typeface="Times New Roman" panose="02020603050405020304" pitchFamily="18" charset="0"/>
+              </a:rPr>
+              <a:t>Fast response</a:t>
+            </a:r>
+            <a:endParaRPr lang="en-US" altLang="en-US" sz="2500">
+              <a:latin typeface="Times New Roman" panose="02020603050405020304" pitchFamily="18" charset="0"/>
+              <a:cs typeface="Times New Roman" panose="02020603050405020304" pitchFamily="18" charset="0"/>
+            </a:endParaRPr>
+          </a:p>
+          <a:p>
+            <a:pPr marL="457200" indent="-457200">
+              <a:buFont typeface="Arial" panose="020B0604020202020204" pitchFamily="34" charset="0"/>
+              <a:buChar char="•"/>
+            </a:pPr>
+            <a:r>
+              <a:rPr lang="en-US" altLang="en-US" sz="2500">
+                <a:latin typeface="Times New Roman" panose="02020603050405020304" pitchFamily="18" charset="0"/>
+                <a:cs typeface="Times New Roman" panose="02020603050405020304" pitchFamily="18" charset="0"/>
+              </a:rPr>
+              <a:t>User-friendly interface</a:t>
+            </a:r>
+            <a:endParaRPr lang="en-US" altLang="en-US" sz="2500">
+              <a:latin typeface="Times New Roman" panose="02020603050405020304" pitchFamily="18" charset="0"/>
+              <a:cs typeface="Times New Roman" panose="02020603050405020304" pitchFamily="18" charset="0"/>
+            </a:endParaRPr>
+          </a:p>
+          <a:p>
+            <a:pPr marL="457200" indent="-457200">
+              <a:buFont typeface="Arial" panose="020B0604020202020204" pitchFamily="34" charset="0"/>
+              <a:buChar char="•"/>
+            </a:pPr>
+            <a:r>
+              <a:rPr lang="en-US" altLang="en-US" sz="2500">
+                <a:latin typeface="Times New Roman" panose="02020603050405020304" pitchFamily="18" charset="0"/>
+                <a:cs typeface="Times New Roman" panose="02020603050405020304" pitchFamily="18" charset="0"/>
+              </a:rPr>
+              <a:t>High scalability</a:t>
+            </a:r>
+            <a:endParaRPr lang="en-US" altLang="en-US" sz="2500">
+              <a:latin typeface="Times New Roman" panose="02020603050405020304" pitchFamily="18" charset="0"/>
+              <a:cs typeface="Times New Roman" panose="02020603050405020304" pitchFamily="18" charset="0"/>
+            </a:endParaRPr>
           </a:p>
         </p:txBody>
       </p:sp>
@@ -19167,418 +18547,6 @@
               <a:buNone/>
             </a:pPr>
             <a:r>
-              <a:rPr lang="en-US" sz="4000" b="1" i="0" u="none" dirty="0">
-                <a:solidFill>
-                  <a:schemeClr val="dk1"/>
-                </a:solidFill>
-                <a:latin typeface="Times New Roman" panose="02020603050405020304"/>
-                <a:ea typeface="Times New Roman" panose="02020603050405020304"/>
-                <a:cs typeface="Times New Roman" panose="02020603050405020304"/>
-                <a:sym typeface="Times New Roman" panose="02020603050405020304"/>
-              </a:rPr>
-              <a:t>System Requirements Specification</a:t>
-            </a:r>
-            <a:endParaRPr dirty="0"/>
-          </a:p>
-        </p:txBody>
-      </p:sp>
-      <p:sp>
-        <p:nvSpPr>
-          <p:cNvPr id="112" name="Google Shape;112;p17"/>
-          <p:cNvSpPr txBox="1">
-            <a:spLocks noGrp="1"/>
-          </p:cNvSpPr>
-          <p:nvPr>
-            <p:ph type="body" idx="1"/>
-          </p:nvPr>
-        </p:nvSpPr>
-        <p:spPr>
-          <a:xfrm>
-            <a:off x="457200" y="1551940"/>
-            <a:ext cx="4114800" cy="3220085"/>
-          </a:xfrm>
-          <a:prstGeom prst="rect">
-            <a:avLst/>
-          </a:prstGeom>
-          <a:noFill/>
-          <a:ln>
-            <a:noFill/>
-          </a:ln>
-        </p:spPr>
-        <p:txBody>
-          <a:bodyPr spcFirstLastPara="1" wrap="square" lIns="91425" tIns="45700" rIns="91425" bIns="45700" anchor="t" anchorCtr="0">
-            <a:normAutofit fontScale="90000" lnSpcReduction="10000"/>
-          </a:bodyPr>
-          <a:lstStyle/>
-          <a:p>
-            <a:pPr marL="0" lvl="0" indent="0" algn="ctr">
-              <a:spcBef>
-                <a:spcPts val="560"/>
-              </a:spcBef>
-              <a:buSzPts val="2800"/>
-              <a:buNone/>
-            </a:pPr>
-            <a:endParaRPr lang="en-US" dirty="0">
-              <a:latin typeface="Times New Roman" panose="02020603050405020304"/>
-              <a:ea typeface="Times New Roman" panose="02020603050405020304"/>
-              <a:cs typeface="Times New Roman" panose="02020603050405020304"/>
-              <a:sym typeface="Times New Roman" panose="02020603050405020304"/>
-            </a:endParaRPr>
-          </a:p>
-          <a:p>
-            <a:pPr marL="0" marR="0" lvl="0" indent="0" algn="l" rtl="0">
-              <a:lnSpc>
-                <a:spcPct val="100000"/>
-              </a:lnSpc>
-              <a:spcBef>
-                <a:spcPts val="0"/>
-              </a:spcBef>
-              <a:spcAft>
-                <a:spcPts val="0"/>
-              </a:spcAft>
-              <a:buClr>
-                <a:schemeClr val="dk1"/>
-              </a:buClr>
-              <a:buSzPts val="3200"/>
-              <a:buNone/>
-            </a:pPr>
-            <a:r>
-              <a:rPr lang="en-US" altLang="en-US" sz="2825" b="1" dirty="0">
-                <a:latin typeface="Times New Roman" panose="02020603050405020304" pitchFamily="18" charset="0"/>
-                <a:cs typeface="Times New Roman" panose="02020603050405020304" pitchFamily="18" charset="0"/>
-              </a:rPr>
-              <a:t>Functional Requirements </a:t>
-            </a:r>
-          </a:p>
-          <a:p>
-            <a:pPr marL="0" marR="0" lvl="0" indent="0" algn="l" rtl="0">
-              <a:lnSpc>
-                <a:spcPct val="100000"/>
-              </a:lnSpc>
-              <a:spcBef>
-                <a:spcPts val="0"/>
-              </a:spcBef>
-              <a:spcAft>
-                <a:spcPts val="0"/>
-              </a:spcAft>
-              <a:buClr>
-                <a:schemeClr val="dk1"/>
-              </a:buClr>
-              <a:buSzPts val="3200"/>
-              <a:buNone/>
-            </a:pPr>
-            <a:endParaRPr lang="en-US" altLang="en-US" sz="2825" dirty="0">
-              <a:latin typeface="Times New Roman" panose="02020603050405020304" pitchFamily="18" charset="0"/>
-              <a:cs typeface="Times New Roman" panose="02020603050405020304" pitchFamily="18" charset="0"/>
-            </a:endParaRPr>
-          </a:p>
-          <a:p>
-            <a:pPr marR="0" lvl="0" indent="-457200" algn="just" rtl="0">
-              <a:lnSpc>
-                <a:spcPct val="100000"/>
-              </a:lnSpc>
-              <a:spcBef>
-                <a:spcPts val="0"/>
-              </a:spcBef>
-              <a:spcAft>
-                <a:spcPts val="0"/>
-              </a:spcAft>
-              <a:buClr>
-                <a:schemeClr val="dk1"/>
-              </a:buClr>
-              <a:buSzPts val="3200"/>
-              <a:buFont typeface="Arial" panose="020B0604020202020204" pitchFamily="34" charset="0"/>
-              <a:buChar char="•"/>
-            </a:pPr>
-            <a:r>
-              <a:rPr lang="en-US" altLang="en-US" sz="2825" dirty="0">
-                <a:latin typeface="Times New Roman" panose="02020603050405020304" pitchFamily="18" charset="0"/>
-                <a:cs typeface="Times New Roman" panose="02020603050405020304" pitchFamily="18" charset="0"/>
-              </a:rPr>
-              <a:t>User registration</a:t>
-            </a:r>
-          </a:p>
-          <a:p>
-            <a:pPr marR="0" lvl="0" indent="-457200" algn="just" rtl="0">
-              <a:lnSpc>
-                <a:spcPct val="100000"/>
-              </a:lnSpc>
-              <a:spcBef>
-                <a:spcPts val="0"/>
-              </a:spcBef>
-              <a:spcAft>
-                <a:spcPts val="0"/>
-              </a:spcAft>
-              <a:buClr>
-                <a:schemeClr val="dk1"/>
-              </a:buClr>
-              <a:buSzPts val="3200"/>
-              <a:buFont typeface="Arial" panose="020B0604020202020204" pitchFamily="34" charset="0"/>
-              <a:buChar char="•"/>
-            </a:pPr>
-            <a:r>
-              <a:rPr lang="en-US" altLang="en-US" sz="2825" dirty="0">
-                <a:latin typeface="Times New Roman" panose="02020603050405020304" pitchFamily="18" charset="0"/>
-                <a:cs typeface="Times New Roman" panose="02020603050405020304" pitchFamily="18" charset="0"/>
-              </a:rPr>
-              <a:t>Voter authentication</a:t>
-            </a:r>
-          </a:p>
-          <a:p>
-            <a:pPr marR="0" lvl="0" indent="-457200" algn="just" rtl="0">
-              <a:lnSpc>
-                <a:spcPct val="100000"/>
-              </a:lnSpc>
-              <a:spcBef>
-                <a:spcPts val="0"/>
-              </a:spcBef>
-              <a:spcAft>
-                <a:spcPts val="0"/>
-              </a:spcAft>
-              <a:buClr>
-                <a:schemeClr val="dk1"/>
-              </a:buClr>
-              <a:buSzPts val="3200"/>
-              <a:buFont typeface="Arial" panose="020B0604020202020204" pitchFamily="34" charset="0"/>
-              <a:buChar char="•"/>
-            </a:pPr>
-            <a:r>
-              <a:rPr lang="en-US" altLang="en-US" sz="2825" dirty="0">
-                <a:latin typeface="Times New Roman" panose="02020603050405020304" pitchFamily="18" charset="0"/>
-                <a:cs typeface="Times New Roman" panose="02020603050405020304" pitchFamily="18" charset="0"/>
-              </a:rPr>
-              <a:t>Candidate display</a:t>
-            </a:r>
-          </a:p>
-          <a:p>
-            <a:pPr marR="0" lvl="0" indent="-457200" algn="just" rtl="0">
-              <a:lnSpc>
-                <a:spcPct val="100000"/>
-              </a:lnSpc>
-              <a:spcBef>
-                <a:spcPts val="0"/>
-              </a:spcBef>
-              <a:spcAft>
-                <a:spcPts val="0"/>
-              </a:spcAft>
-              <a:buClr>
-                <a:schemeClr val="dk1"/>
-              </a:buClr>
-              <a:buSzPts val="3200"/>
-              <a:buFont typeface="Arial" panose="020B0604020202020204" pitchFamily="34" charset="0"/>
-              <a:buChar char="•"/>
-            </a:pPr>
-            <a:r>
-              <a:rPr lang="en-US" altLang="en-US" sz="2825" dirty="0">
-                <a:latin typeface="Times New Roman" panose="02020603050405020304" pitchFamily="18" charset="0"/>
-                <a:cs typeface="Times New Roman" panose="02020603050405020304" pitchFamily="18" charset="0"/>
-              </a:rPr>
-              <a:t>Secure vote storage</a:t>
-            </a:r>
-          </a:p>
-          <a:p>
-            <a:pPr marR="0" lvl="0" indent="-457200" algn="just" rtl="0">
-              <a:lnSpc>
-                <a:spcPct val="100000"/>
-              </a:lnSpc>
-              <a:spcBef>
-                <a:spcPts val="0"/>
-              </a:spcBef>
-              <a:spcAft>
-                <a:spcPts val="0"/>
-              </a:spcAft>
-              <a:buClr>
-                <a:schemeClr val="dk1"/>
-              </a:buClr>
-              <a:buSzPts val="3200"/>
-              <a:buFont typeface="Arial" panose="020B0604020202020204" pitchFamily="34" charset="0"/>
-              <a:buChar char="•"/>
-            </a:pPr>
-            <a:r>
-              <a:rPr lang="en-US" altLang="en-US" sz="2825" dirty="0">
-                <a:latin typeface="Times New Roman" panose="02020603050405020304" pitchFamily="18" charset="0"/>
-                <a:cs typeface="Times New Roman" panose="02020603050405020304" pitchFamily="18" charset="0"/>
-              </a:rPr>
-              <a:t>Result generation</a:t>
-            </a:r>
-          </a:p>
-        </p:txBody>
-      </p:sp>
-      <p:sp>
-        <p:nvSpPr>
-          <p:cNvPr id="2" name="Text Box 1"/>
-          <p:cNvSpPr txBox="1"/>
-          <p:nvPr/>
-        </p:nvSpPr>
-        <p:spPr>
-          <a:xfrm>
-            <a:off x="4449445" y="1937385"/>
-            <a:ext cx="4535170" cy="2834640"/>
-          </a:xfrm>
-          <a:prstGeom prst="rect">
-            <a:avLst/>
-          </a:prstGeom>
-          <a:noFill/>
-        </p:spPr>
-        <p:txBody>
-          <a:bodyPr wrap="square" rtlCol="0">
-            <a:spAutoFit/>
-          </a:bodyPr>
-          <a:lstStyle/>
-          <a:p>
-            <a:r>
-              <a:rPr lang="en-US" altLang="en-US" sz="2500" b="1">
-                <a:latin typeface="Times New Roman" panose="02020603050405020304" pitchFamily="18" charset="0"/>
-                <a:cs typeface="Times New Roman" panose="02020603050405020304" pitchFamily="18" charset="0"/>
-              </a:rPr>
-              <a:t>Non-Functional Requirements </a:t>
-            </a:r>
-          </a:p>
-          <a:p>
-            <a:endParaRPr lang="en-US" altLang="en-US" sz="2830" b="1">
-              <a:latin typeface="Times New Roman" panose="02020603050405020304" pitchFamily="18" charset="0"/>
-              <a:cs typeface="Times New Roman" panose="02020603050405020304" pitchFamily="18" charset="0"/>
-            </a:endParaRPr>
-          </a:p>
-          <a:p>
-            <a:pPr marL="457200" indent="-457200">
-              <a:buFont typeface="Arial" panose="020B0604020202020204" pitchFamily="34" charset="0"/>
-              <a:buChar char="•"/>
-            </a:pPr>
-            <a:r>
-              <a:rPr lang="en-US" altLang="en-US" sz="2500">
-                <a:latin typeface="Times New Roman" panose="02020603050405020304" pitchFamily="18" charset="0"/>
-                <a:cs typeface="Times New Roman" panose="02020603050405020304" pitchFamily="18" charset="0"/>
-              </a:rPr>
-              <a:t>High security</a:t>
-            </a:r>
-          </a:p>
-          <a:p>
-            <a:pPr marL="457200" indent="-457200">
-              <a:buFont typeface="Arial" panose="020B0604020202020204" pitchFamily="34" charset="0"/>
-              <a:buChar char="•"/>
-            </a:pPr>
-            <a:r>
-              <a:rPr lang="en-US" altLang="en-US" sz="2500">
-                <a:latin typeface="Times New Roman" panose="02020603050405020304" pitchFamily="18" charset="0"/>
-                <a:cs typeface="Times New Roman" panose="02020603050405020304" pitchFamily="18" charset="0"/>
-              </a:rPr>
-              <a:t>System reliability</a:t>
-            </a:r>
-          </a:p>
-          <a:p>
-            <a:pPr marL="457200" indent="-457200">
-              <a:buFont typeface="Arial" panose="020B0604020202020204" pitchFamily="34" charset="0"/>
-              <a:buChar char="•"/>
-            </a:pPr>
-            <a:r>
-              <a:rPr lang="en-US" altLang="en-US" sz="2500">
-                <a:latin typeface="Times New Roman" panose="02020603050405020304" pitchFamily="18" charset="0"/>
-                <a:cs typeface="Times New Roman" panose="02020603050405020304" pitchFamily="18" charset="0"/>
-              </a:rPr>
-              <a:t>Fast response</a:t>
-            </a:r>
-          </a:p>
-          <a:p>
-            <a:pPr marL="457200" indent="-457200">
-              <a:buFont typeface="Arial" panose="020B0604020202020204" pitchFamily="34" charset="0"/>
-              <a:buChar char="•"/>
-            </a:pPr>
-            <a:r>
-              <a:rPr lang="en-US" altLang="en-US" sz="2500">
-                <a:latin typeface="Times New Roman" panose="02020603050405020304" pitchFamily="18" charset="0"/>
-                <a:cs typeface="Times New Roman" panose="02020603050405020304" pitchFamily="18" charset="0"/>
-              </a:rPr>
-              <a:t>User-friendly interface</a:t>
-            </a:r>
-          </a:p>
-          <a:p>
-            <a:pPr marL="457200" indent="-457200">
-              <a:buFont typeface="Arial" panose="020B0604020202020204" pitchFamily="34" charset="0"/>
-              <a:buChar char="•"/>
-            </a:pPr>
-            <a:r>
-              <a:rPr lang="en-US" altLang="en-US" sz="2500">
-                <a:latin typeface="Times New Roman" panose="02020603050405020304" pitchFamily="18" charset="0"/>
-                <a:cs typeface="Times New Roman" panose="02020603050405020304" pitchFamily="18" charset="0"/>
-              </a:rPr>
-              <a:t>High scalability</a:t>
-            </a:r>
-          </a:p>
-        </p:txBody>
-      </p:sp>
-    </p:spTree>
-  </p:cSld>
-  <p:clrMapOvr>
-    <a:masterClrMapping/>
-  </p:clrMapOvr>
-</p:sld>
-</file>
-
-<file path=ppt/slides/slide6.xml><?xml version="1.0" encoding="utf-8"?>
-<p:sld xmlns:a="http://schemas.openxmlformats.org/drawingml/2006/main" xmlns:r="http://schemas.openxmlformats.org/officeDocument/2006/relationships" xmlns:p="http://schemas.openxmlformats.org/presentationml/2006/main">
-  <p:cSld>
-    <p:spTree>
-      <p:nvGrpSpPr>
-        <p:cNvPr id="1" name="Shape 110"/>
-        <p:cNvGrpSpPr/>
-        <p:nvPr/>
-      </p:nvGrpSpPr>
-      <p:grpSpPr>
-        <a:xfrm>
-          <a:off x="0" y="0"/>
-          <a:ext cx="0" cy="0"/>
-          <a:chOff x="0" y="0"/>
-          <a:chExt cx="0" cy="0"/>
-        </a:xfrm>
-      </p:grpSpPr>
-      <p:sp>
-        <p:nvSpPr>
-          <p:cNvPr id="111" name="Google Shape;111;p17"/>
-          <p:cNvSpPr txBox="1">
-            <a:spLocks noGrp="1"/>
-          </p:cNvSpPr>
-          <p:nvPr>
-            <p:ph type="title"/>
-          </p:nvPr>
-        </p:nvSpPr>
-        <p:spPr>
-          <a:xfrm>
-            <a:off x="457200" y="274637"/>
-            <a:ext cx="8229600" cy="1143000"/>
-          </a:xfrm>
-          <a:prstGeom prst="rect">
-            <a:avLst/>
-          </a:prstGeom>
-          <a:noFill/>
-          <a:ln>
-            <a:noFill/>
-          </a:ln>
-        </p:spPr>
-        <p:txBody>
-          <a:bodyPr spcFirstLastPara="1" wrap="square" lIns="91425" tIns="45700" rIns="91425" bIns="45700" anchor="ctr" anchorCtr="0">
-            <a:normAutofit/>
-          </a:bodyPr>
-          <a:lstStyle/>
-          <a:p>
-            <a:pPr marL="0" lvl="0" indent="0" algn="ctr" rtl="0">
-              <a:lnSpc>
-                <a:spcPct val="100000"/>
-              </a:lnSpc>
-              <a:spcBef>
-                <a:spcPts val="0"/>
-              </a:spcBef>
-              <a:spcAft>
-                <a:spcPts val="0"/>
-              </a:spcAft>
-              <a:buClr>
-                <a:schemeClr val="dk1"/>
-              </a:buClr>
-              <a:buSzPts val="4000"/>
-              <a:buFont typeface="Times New Roman" panose="02020603050405020304"/>
-              <a:buNone/>
-            </a:pPr>
-            <a:r>
               <a:rPr lang="en-US" sz="4000" b="1" dirty="0">
                 <a:latin typeface="Times New Roman" panose="02020603050405020304"/>
                 <a:cs typeface="Times New Roman" panose="02020603050405020304"/>
@@ -19619,6 +18587,10 @@
               </a:rPr>
               <a:t>Draw of the Existing System</a:t>
             </a:r>
+            <a:endParaRPr lang="en-US" sz="2500" b="1">
+              <a:latin typeface="Times New Roman" panose="02020603050405020304" pitchFamily="18" charset="0"/>
+              <a:cs typeface="Times New Roman" panose="02020603050405020304" pitchFamily="18" charset="0"/>
+            </a:endParaRPr>
           </a:p>
         </p:txBody>
       </p:sp>
@@ -19683,6 +18655,10 @@
               </a:rPr>
               <a:t>The existing voting system requires manual processes, which consume more time.</a:t>
             </a:r>
+            <a:endParaRPr lang="en-US" altLang="zh-CN" sz="2500">
+              <a:latin typeface="Times New Roman" panose="02020603050405020304" pitchFamily="18" charset="0"/>
+              <a:cs typeface="Times New Roman" panose="02020603050405020304" pitchFamily="18" charset="0"/>
+            </a:endParaRPr>
           </a:p>
           <a:p>
             <a:pPr marL="342900" indent="-342900" algn="just">
@@ -19699,6 +18675,10 @@
               </a:rPr>
               <a:t>Vote counting is slow and may lead to human errors.</a:t>
             </a:r>
+            <a:endParaRPr lang="en-US" altLang="zh-CN" sz="2500">
+              <a:latin typeface="Times New Roman" panose="02020603050405020304" pitchFamily="18" charset="0"/>
+              <a:cs typeface="Times New Roman" panose="02020603050405020304" pitchFamily="18" charset="0"/>
+            </a:endParaRPr>
           </a:p>
           <a:p>
             <a:pPr marL="342900" indent="-342900" algn="just">
@@ -19715,6 +18695,10 @@
               </a:rPr>
               <a:t>Managing voters and ballots involves high operational cost.</a:t>
             </a:r>
+            <a:endParaRPr lang="en-US" altLang="zh-CN" sz="2500">
+              <a:latin typeface="Times New Roman" panose="02020603050405020304" pitchFamily="18" charset="0"/>
+              <a:cs typeface="Times New Roman" panose="02020603050405020304" pitchFamily="18" charset="0"/>
+            </a:endParaRPr>
           </a:p>
         </p:txBody>
       </p:sp>
@@ -19726,7 +18710,7 @@
 </p:sld>
 </file>
 
-<file path=ppt/slides/slide7.xml><?xml version="1.0" encoding="utf-8"?>
+<file path=ppt/slides/slide6.xml><?xml version="1.0" encoding="utf-8"?>
 <p:sld xmlns:a="http://schemas.openxmlformats.org/drawingml/2006/main" xmlns:r="http://schemas.openxmlformats.org/officeDocument/2006/relationships" xmlns:p="http://schemas.openxmlformats.org/presentationml/2006/main">
   <p:cSld>
     <p:spTree>
@@ -19772,6 +18756,10 @@
               </a:rPr>
               <a:t>What to Achieve in the New System</a:t>
             </a:r>
+            <a:endParaRPr lang="en-US" altLang="en-US" sz="2500" b="1">
+              <a:latin typeface="Times New Roman" panose="02020603050405020304" pitchFamily="18" charset="0"/>
+              <a:cs typeface="Times New Roman" panose="02020603050405020304" pitchFamily="18" charset="0"/>
+            </a:endParaRPr>
           </a:p>
         </p:txBody>
       </p:sp>
@@ -19808,6 +18796,10 @@
               </a:rPr>
               <a:t>The new system aims to provide a secure and reliable online voting platform.</a:t>
             </a:r>
+            <a:endParaRPr lang="en-US" altLang="en-US" sz="2500">
+              <a:latin typeface="Times New Roman" panose="02020603050405020304" pitchFamily="18" charset="0"/>
+              <a:cs typeface="Times New Roman" panose="02020603050405020304" pitchFamily="18" charset="0"/>
+            </a:endParaRPr>
           </a:p>
           <a:p>
             <a:pPr marL="342900" indent="-342900" algn="just">
@@ -19831,6 +18823,10 @@
               </a:rPr>
               <a:t>It ensures faster vote counting with accurate and tamper-proof results.</a:t>
             </a:r>
+            <a:endParaRPr lang="en-US" altLang="en-US" sz="2500">
+              <a:latin typeface="Times New Roman" panose="02020603050405020304" pitchFamily="18" charset="0"/>
+              <a:cs typeface="Times New Roman" panose="02020603050405020304" pitchFamily="18" charset="0"/>
+            </a:endParaRPr>
           </a:p>
           <a:p>
             <a:pPr marL="342900" indent="-342900" algn="just">
@@ -19854,6 +18850,10 @@
               </a:rPr>
               <a:t>The system improves accessibility, transparency, and overall election efficiency.</a:t>
             </a:r>
+            <a:endParaRPr lang="en-US" altLang="en-US" sz="2500">
+              <a:latin typeface="Times New Roman" panose="02020603050405020304" pitchFamily="18" charset="0"/>
+              <a:cs typeface="Times New Roman" panose="02020603050405020304" pitchFamily="18" charset="0"/>
+            </a:endParaRPr>
           </a:p>
         </p:txBody>
       </p:sp>
@@ -19865,7 +18865,7 @@
 </p:sld>
 </file>
 
-<file path=ppt/slides/slide8.xml><?xml version="1.0" encoding="utf-8"?>
+<file path=ppt/slides/slide7.xml><?xml version="1.0" encoding="utf-8"?>
 <p:sld xmlns:a="http://schemas.openxmlformats.org/drawingml/2006/main" xmlns:r="http://schemas.openxmlformats.org/officeDocument/2006/relationships" xmlns:p="http://schemas.openxmlformats.org/presentationml/2006/main">
   <p:cSld>
     <p:spTree>
@@ -19911,6 +18911,10 @@
               </a:rPr>
               <a:t>Scope and Objectives of the Project</a:t>
             </a:r>
+            <a:endParaRPr lang="en-US" altLang="en-US" sz="2500" b="1">
+              <a:latin typeface="Times New Roman" panose="02020603050405020304" pitchFamily="18" charset="0"/>
+              <a:cs typeface="Times New Roman" panose="02020603050405020304" pitchFamily="18" charset="0"/>
+            </a:endParaRPr>
           </a:p>
         </p:txBody>
       </p:sp>
@@ -19947,6 +18951,10 @@
               </a:rPr>
               <a:t>Develop a secure and user-friendly online voting system for registered voters.</a:t>
             </a:r>
+            <a:endParaRPr lang="en-US" altLang="en-US" sz="2500">
+              <a:latin typeface="Times New Roman" panose="02020603050405020304" pitchFamily="18" charset="0"/>
+              <a:cs typeface="Times New Roman" panose="02020603050405020304" pitchFamily="18" charset="0"/>
+            </a:endParaRPr>
           </a:p>
           <a:p>
             <a:pPr marL="342900" indent="-342900" algn="just">
@@ -19970,6 +18978,10 @@
               </a:rPr>
               <a:t>Enable administrators to efficiently manage elections, candidates, and voter information.</a:t>
             </a:r>
+            <a:endParaRPr lang="en-US" altLang="en-US" sz="2500">
+              <a:latin typeface="Times New Roman" panose="02020603050405020304" pitchFamily="18" charset="0"/>
+              <a:cs typeface="Times New Roman" panose="02020603050405020304" pitchFamily="18" charset="0"/>
+            </a:endParaRPr>
           </a:p>
           <a:p>
             <a:pPr marL="342900" indent="-342900" algn="just">
@@ -19993,6 +19005,10 @@
               </a:rPr>
               <a:t>Ensure accurate, real-time vote counting and transparent result generation.</a:t>
             </a:r>
+            <a:endParaRPr lang="en-US" altLang="en-US" sz="2500">
+              <a:latin typeface="Times New Roman" panose="02020603050405020304" pitchFamily="18" charset="0"/>
+              <a:cs typeface="Times New Roman" panose="02020603050405020304" pitchFamily="18" charset="0"/>
+            </a:endParaRPr>
           </a:p>
           <a:p>
             <a:pPr marL="342900" indent="-342900" algn="just">
@@ -20016,6 +19032,10 @@
               </a:rPr>
               <a:t>Maintain data security, privacy, and integrity throughout the voting process.</a:t>
             </a:r>
+            <a:endParaRPr lang="en-US" altLang="en-US" sz="2500">
+              <a:latin typeface="Times New Roman" panose="02020603050405020304" pitchFamily="18" charset="0"/>
+              <a:cs typeface="Times New Roman" panose="02020603050405020304" pitchFamily="18" charset="0"/>
+            </a:endParaRPr>
           </a:p>
         </p:txBody>
       </p:sp>
@@ -20027,7 +19047,7 @@
 </p:sld>
 </file>
 
-<file path=ppt/slides/slide9.xml><?xml version="1.0" encoding="utf-8"?>
+<file path=ppt/slides/slide8.xml><?xml version="1.0" encoding="utf-8"?>
 <p:sld xmlns:a="http://schemas.openxmlformats.org/drawingml/2006/main" xmlns:r="http://schemas.openxmlformats.org/officeDocument/2006/relationships" xmlns:p="http://schemas.openxmlformats.org/presentationml/2006/main">
   <p:cSld>
     <p:spTree>
@@ -20073,6 +19093,10 @@
               </a:rPr>
               <a:t>Identifications</a:t>
             </a:r>
+            <a:endParaRPr lang="en-US" altLang="en-US" sz="2500" b="1" dirty="0">
+              <a:latin typeface="Times New Roman" panose="02020603050405020304" pitchFamily="18" charset="0"/>
+              <a:cs typeface="Times New Roman" panose="02020603050405020304" pitchFamily="18" charset="0"/>
+            </a:endParaRPr>
           </a:p>
         </p:txBody>
       </p:sp>
@@ -20105,6 +19129,10 @@
               </a:rPr>
               <a:t>Use Cases</a:t>
             </a:r>
+            <a:endParaRPr lang="en-US" altLang="en-US" sz="2500" b="1">
+              <a:latin typeface="Times New Roman" panose="02020603050405020304" pitchFamily="18" charset="0"/>
+              <a:cs typeface="Times New Roman" panose="02020603050405020304" pitchFamily="18" charset="0"/>
+            </a:endParaRPr>
           </a:p>
         </p:txBody>
       </p:sp>
@@ -20141,6 +19169,10 @@
               </a:rPr>
               <a:t>User Registration</a:t>
             </a:r>
+            <a:endParaRPr lang="en-US" altLang="en-US" sz="2500" dirty="0">
+              <a:latin typeface="Times New Roman" panose="02020603050405020304" pitchFamily="18" charset="0"/>
+              <a:cs typeface="Times New Roman" panose="02020603050405020304" pitchFamily="18" charset="0"/>
+            </a:endParaRPr>
           </a:p>
           <a:p>
             <a:pPr marL="514350" lvl="2" indent="-514350">
@@ -20154,6 +19186,10 @@
               </a:rPr>
               <a:t>Login / Authentication</a:t>
             </a:r>
+            <a:endParaRPr lang="en-US" altLang="en-US" sz="2500" dirty="0">
+              <a:latin typeface="Times New Roman" panose="02020603050405020304" pitchFamily="18" charset="0"/>
+              <a:cs typeface="Times New Roman" panose="02020603050405020304" pitchFamily="18" charset="0"/>
+            </a:endParaRPr>
           </a:p>
           <a:p>
             <a:pPr marL="514350" lvl="2" indent="-514350">
@@ -20167,6 +19203,10 @@
               </a:rPr>
               <a:t>Cast Vote</a:t>
             </a:r>
+            <a:endParaRPr lang="en-US" altLang="en-US" sz="2500" dirty="0">
+              <a:latin typeface="Times New Roman" panose="02020603050405020304" pitchFamily="18" charset="0"/>
+              <a:cs typeface="Times New Roman" panose="02020603050405020304" pitchFamily="18" charset="0"/>
+            </a:endParaRPr>
           </a:p>
           <a:p>
             <a:pPr marL="514350" lvl="2" indent="-514350">
@@ -20180,6 +19220,10 @@
               </a:rPr>
               <a:t>View Election Results</a:t>
             </a:r>
+            <a:endParaRPr lang="en-US" altLang="en-US" sz="2500" dirty="0">
+              <a:latin typeface="Times New Roman" panose="02020603050405020304" pitchFamily="18" charset="0"/>
+              <a:cs typeface="Times New Roman" panose="02020603050405020304" pitchFamily="18" charset="0"/>
+            </a:endParaRPr>
           </a:p>
           <a:p>
             <a:pPr marL="514350" lvl="2" indent="-514350">
@@ -20193,6 +19237,10 @@
               </a:rPr>
               <a:t>Manage Voters</a:t>
             </a:r>
+            <a:endParaRPr lang="en-US" altLang="en-US" sz="2500" dirty="0">
+              <a:latin typeface="Times New Roman" panose="02020603050405020304" pitchFamily="18" charset="0"/>
+              <a:cs typeface="Times New Roman" panose="02020603050405020304" pitchFamily="18" charset="0"/>
+            </a:endParaRPr>
           </a:p>
           <a:p>
             <a:pPr marL="514350" lvl="2" indent="-514350">
@@ -20206,6 +19254,10 @@
               </a:rPr>
               <a:t>Manage Candidates</a:t>
             </a:r>
+            <a:endParaRPr lang="en-US" altLang="en-US" sz="2500" dirty="0">
+              <a:latin typeface="Times New Roman" panose="02020603050405020304" pitchFamily="18" charset="0"/>
+              <a:cs typeface="Times New Roman" panose="02020603050405020304" pitchFamily="18" charset="0"/>
+            </a:endParaRPr>
           </a:p>
           <a:p>
             <a:pPr marL="514350" lvl="2" indent="-514350">
@@ -20219,6 +19271,10 @@
               </a:rPr>
               <a:t>Create and Monitor Elections</a:t>
             </a:r>
+            <a:endParaRPr lang="en-US" altLang="en-US" sz="2500" dirty="0">
+              <a:latin typeface="Times New Roman" panose="02020603050405020304" pitchFamily="18" charset="0"/>
+              <a:cs typeface="Times New Roman" panose="02020603050405020304" pitchFamily="18" charset="0"/>
+            </a:endParaRPr>
           </a:p>
         </p:txBody>
       </p:sp>
@@ -20255,6 +19311,10 @@
               </a:rPr>
               <a:t>Voter</a:t>
             </a:r>
+            <a:endParaRPr lang="en-US" altLang="en-US" sz="2500" dirty="0">
+              <a:latin typeface="Times New Roman" panose="02020603050405020304" pitchFamily="18" charset="0"/>
+              <a:cs typeface="Times New Roman" panose="02020603050405020304" pitchFamily="18" charset="0"/>
+            </a:endParaRPr>
           </a:p>
           <a:p>
             <a:pPr marL="514350" indent="-514350" algn="just">
@@ -20268,6 +19328,10 @@
               </a:rPr>
               <a:t>Administrator</a:t>
             </a:r>
+            <a:endParaRPr lang="en-US" altLang="en-US" sz="2500" dirty="0">
+              <a:latin typeface="Times New Roman" panose="02020603050405020304" pitchFamily="18" charset="0"/>
+              <a:cs typeface="Times New Roman" panose="02020603050405020304" pitchFamily="18" charset="0"/>
+            </a:endParaRPr>
           </a:p>
         </p:txBody>
       </p:sp>
@@ -20300,9 +19364,182 @@
               </a:rPr>
               <a:t>Actors</a:t>
             </a:r>
+            <a:endParaRPr lang="en-US" sz="2500" b="1">
+              <a:latin typeface="Times New Roman" panose="02020603050405020304" pitchFamily="18" charset="0"/>
+              <a:cs typeface="Times New Roman" panose="02020603050405020304" pitchFamily="18" charset="0"/>
+            </a:endParaRPr>
           </a:p>
         </p:txBody>
       </p:sp>
+    </p:spTree>
+  </p:cSld>
+  <p:clrMapOvr>
+    <a:masterClrMapping/>
+  </p:clrMapOvr>
+</p:sld>
+</file>
+
+<file path=ppt/slides/slide9.xml><?xml version="1.0" encoding="utf-8"?>
+<p:sld xmlns:a="http://schemas.openxmlformats.org/drawingml/2006/main" xmlns:r="http://schemas.openxmlformats.org/officeDocument/2006/relationships" xmlns:p="http://schemas.openxmlformats.org/presentationml/2006/main">
+  <p:cSld>
+    <p:spTree>
+      <p:nvGrpSpPr>
+        <p:cNvPr id="1" name="Shape 116"/>
+        <p:cNvGrpSpPr/>
+        <p:nvPr/>
+      </p:nvGrpSpPr>
+      <p:grpSpPr>
+        <a:xfrm>
+          <a:off x="0" y="0"/>
+          <a:ext cx="0" cy="0"/>
+          <a:chOff x="0" y="0"/>
+          <a:chExt cx="0" cy="0"/>
+        </a:xfrm>
+      </p:grpSpPr>
+      <p:sp>
+        <p:nvSpPr>
+          <p:cNvPr id="117" name="Google Shape;117;p18"/>
+          <p:cNvSpPr txBox="1">
+            <a:spLocks noGrp="1"/>
+          </p:cNvSpPr>
+          <p:nvPr>
+            <p:ph type="title"/>
+          </p:nvPr>
+        </p:nvSpPr>
+        <p:spPr>
+          <a:xfrm>
+            <a:off x="457200" y="228600"/>
+            <a:ext cx="8229600" cy="1143000"/>
+          </a:xfrm>
+          <a:prstGeom prst="rect">
+            <a:avLst/>
+          </a:prstGeom>
+          <a:noFill/>
+          <a:ln>
+            <a:noFill/>
+          </a:ln>
+        </p:spPr>
+        <p:txBody>
+          <a:bodyPr spcFirstLastPara="1" wrap="square" lIns="91425" tIns="45700" rIns="91425" bIns="45700" anchor="ctr" anchorCtr="0">
+            <a:noAutofit/>
+          </a:bodyPr>
+          <a:lstStyle/>
+          <a:p>
+            <a:pPr marL="0" lvl="0" indent="0" algn="ctr" rtl="0">
+              <a:lnSpc>
+                <a:spcPct val="100000"/>
+              </a:lnSpc>
+              <a:spcBef>
+                <a:spcPts val="0"/>
+              </a:spcBef>
+              <a:spcAft>
+                <a:spcPts val="0"/>
+              </a:spcAft>
+              <a:buClr>
+                <a:schemeClr val="dk1"/>
+              </a:buClr>
+              <a:buSzPts val="4000"/>
+              <a:buFont typeface="Times New Roman" panose="02020603050405020304"/>
+              <a:buNone/>
+            </a:pPr>
+            <a:r>
+              <a:rPr lang="en-US" b="1" dirty="0">
+                <a:latin typeface="Times New Roman" panose="02020603050405020304" pitchFamily="18" charset="0"/>
+                <a:cs typeface="Times New Roman" panose="02020603050405020304" pitchFamily="18" charset="0"/>
+              </a:rPr>
+              <a:t>UML Design</a:t>
+            </a:r>
+            <a:endParaRPr b="1" dirty="0">
+              <a:latin typeface="Times New Roman" panose="02020603050405020304" pitchFamily="18" charset="0"/>
+              <a:cs typeface="Times New Roman" panose="02020603050405020304" pitchFamily="18" charset="0"/>
+            </a:endParaRPr>
+          </a:p>
+        </p:txBody>
+      </p:sp>
+      <p:sp>
+        <p:nvSpPr>
+          <p:cNvPr id="118" name="Google Shape;118;p18"/>
+          <p:cNvSpPr txBox="1">
+            <a:spLocks noGrp="1"/>
+          </p:cNvSpPr>
+          <p:nvPr>
+            <p:ph type="body" idx="1"/>
+          </p:nvPr>
+        </p:nvSpPr>
+        <p:spPr>
+          <a:xfrm>
+            <a:off x="457200" y="1179830"/>
+            <a:ext cx="3388360" cy="536575"/>
+          </a:xfrm>
+          <a:prstGeom prst="rect">
+            <a:avLst/>
+          </a:prstGeom>
+          <a:noFill/>
+          <a:ln>
+            <a:noFill/>
+          </a:ln>
+        </p:spPr>
+        <p:txBody>
+          <a:bodyPr spcFirstLastPara="1" wrap="square" lIns="91425" tIns="45700" rIns="91425" bIns="45700" anchor="t" anchorCtr="0">
+            <a:noAutofit/>
+          </a:bodyPr>
+          <a:lstStyle/>
+          <a:p>
+            <a:pPr marL="0" marR="0" lvl="0" indent="0" algn="ctr" rtl="0">
+              <a:lnSpc>
+                <a:spcPct val="100000"/>
+              </a:lnSpc>
+              <a:spcBef>
+                <a:spcPts val="640"/>
+              </a:spcBef>
+              <a:spcAft>
+                <a:spcPts val="0"/>
+              </a:spcAft>
+              <a:buClr>
+                <a:schemeClr val="dk1"/>
+              </a:buClr>
+              <a:buSzPts val="3200"/>
+              <a:buFont typeface="Arial" panose="020B0604020202020204"/>
+              <a:buNone/>
+            </a:pPr>
+            <a:r>
+              <a:rPr lang="en-US" sz="2500" b="1" dirty="0">
+                <a:latin typeface="Times New Roman" panose="02020603050405020304" pitchFamily="18" charset="0"/>
+                <a:cs typeface="Times New Roman" panose="02020603050405020304" pitchFamily="18" charset="0"/>
+              </a:rPr>
+              <a:t>Use Case Diagram</a:t>
+            </a:r>
+            <a:endParaRPr lang="en-US" sz="2500" b="1" dirty="0">
+              <a:latin typeface="Times New Roman" panose="02020603050405020304" pitchFamily="18" charset="0"/>
+              <a:cs typeface="Times New Roman" panose="02020603050405020304" pitchFamily="18" charset="0"/>
+            </a:endParaRPr>
+          </a:p>
+        </p:txBody>
+      </p:sp>
+      <p:pic>
+        <p:nvPicPr>
+          <p:cNvPr id="2" name="Picture 1"/>
+          <p:cNvPicPr>
+            <a:picLocks noChangeAspect="1"/>
+          </p:cNvPicPr>
+          <p:nvPr/>
+        </p:nvPicPr>
+        <p:blipFill>
+          <a:blip r:embed="rId1"/>
+          <a:stretch>
+            <a:fillRect/>
+          </a:stretch>
+        </p:blipFill>
+        <p:spPr>
+          <a:xfrm>
+            <a:off x="1156335" y="1821815"/>
+            <a:ext cx="7193280" cy="4040505"/>
+          </a:xfrm>
+          <a:prstGeom prst="rect">
+            <a:avLst/>
+          </a:prstGeom>
+        </p:spPr>
+      </p:pic>
     </p:spTree>
   </p:cSld>
   <p:clrMapOvr>
@@ -20587,8 +19824,6 @@
       </a:bgFillStyleLst>
     </a:fmtScheme>
   </a:themeElements>
-  <a:objectDefaults/>
-  <a:extraClrSchemeLst/>
   <a:extLst>
     <a:ext uri="{05A4C25C-085E-4340-85A3-A5531E510DB2}">
       <thm15:themeFamily xmlns:thm15="http://schemas.microsoft.com/office/thememl/2012/main" name="Office Theme" id="{62F939B6-93AF-4DB8-9C6B-D6C7DFDC589F}" vid="{4A3C46E8-61CC-4603-A589-7422A47A8E4A}"/>
@@ -20873,8 +20108,6 @@
       </a:bgFillStyleLst>
     </a:fmtScheme>
   </a:themeElements>
-  <a:objectDefaults/>
-  <a:extraClrSchemeLst/>
   <a:extLst>
     <a:ext uri="{05A4C25C-085E-4340-85A3-A5531E510DB2}">
       <thm15:themeFamily xmlns:thm15="http://schemas.microsoft.com/office/thememl/2012/main" name="Office Theme" id="{62F939B6-93AF-4DB8-9C6B-D6C7DFDC589F}" vid="{4A3C46E8-61CC-4603-A589-7422A47A8E4A}"/>
